--- a/Patterns_In_NiceRide_Group6_Final.pptx
+++ b/Patterns_In_NiceRide_Group6_Final.pptx
@@ -24,16 +24,20 @@
     <p:sldId id="269" r:id="rId19"/>
     <p:sldId id="270" r:id="rId20"/>
     <p:sldId id="271" r:id="rId21"/>
+    <p:sldId id="272" r:id="rId22"/>
+    <p:sldId id="273" r:id="rId23"/>
+    <p:sldId id="274" r:id="rId24"/>
+    <p:sldId id="275" r:id="rId25"/>
   </p:sldIdLst>
   <p:sldSz cy="5143500" cx="9144000"/>
   <p:notesSz cx="6858000" cy="9144000"/>
   <p:embeddedFontLst>
     <p:embeddedFont>
       <p:font typeface="Roboto"/>
-      <p:regular r:id="rId22"/>
-      <p:bold r:id="rId23"/>
-      <p:italic r:id="rId24"/>
-      <p:boldItalic r:id="rId25"/>
+      <p:regular r:id="rId26"/>
+      <p:bold r:id="rId27"/>
+      <p:italic r:id="rId28"/>
+      <p:boldItalic r:id="rId29"/>
     </p:embeddedFont>
   </p:embeddedFontLst>
   <p:defaultTextStyle>
@@ -814,7 +818,7 @@
   <p:cSld>
     <p:spTree>
       <p:nvGrpSpPr>
-        <p:cNvPr id="122" name="Shape 122"/>
+        <p:cNvPr id="120" name="Shape 120"/>
         <p:cNvGrpSpPr/>
         <p:nvPr/>
       </p:nvGrpSpPr>
@@ -828,7 +832,7 @@
       </p:grpSpPr>
       <p:sp>
         <p:nvSpPr>
-          <p:cNvPr id="123" name="Google Shape;123;g5dd161bf4a_3_37:notes"/>
+          <p:cNvPr id="121" name="Google Shape;121;g5dd161bf4a_3_29:notes"/>
           <p:cNvSpPr/>
           <p:nvPr>
             <p:ph idx="2" type="sldImg"/>
@@ -863,7 +867,7 @@
       </p:sp>
       <p:sp>
         <p:nvSpPr>
-          <p:cNvPr id="124" name="Google Shape;124;g5dd161bf4a_3_37:notes"/>
+          <p:cNvPr id="122" name="Google Shape;122;g5dd161bf4a_3_29:notes"/>
           <p:cNvSpPr txBox="1"/>
           <p:nvPr>
             <p:ph idx="1" type="body"/>
@@ -884,19 +888,23 @@
           </a:bodyPr>
           <a:lstStyle/>
           <a:p>
-            <a:pPr indent="0" lvl="0" marL="0" rtl="0" algn="l">
-              <a:spcBef>
-                <a:spcPts val="0"/>
-              </a:spcBef>
-              <a:spcAft>
-                <a:spcPts val="0"/>
-              </a:spcAft>
-              <a:buNone/>
+            <a:pPr indent="-295275" lvl="0" marL="457200" rtl="0" algn="l">
+              <a:lnSpc>
+                <a:spcPct val="115000"/>
+              </a:lnSpc>
+              <a:spcBef>
+                <a:spcPts val="1100"/>
+              </a:spcBef>
+              <a:spcAft>
+                <a:spcPts val="0"/>
+              </a:spcAft>
+              <a:buSzPts val="1050"/>
+              <a:buChar char="●"/>
             </a:pPr>
             <a:r>
               <a:t/>
             </a:r>
-            <a:endParaRPr/>
+            <a:endParaRPr sz="1050"/>
           </a:p>
         </p:txBody>
       </p:sp>
@@ -913,7 +921,7 @@
   <p:cSld>
     <p:spTree>
       <p:nvGrpSpPr>
-        <p:cNvPr id="130" name="Shape 130"/>
+        <p:cNvPr id="128" name="Shape 128"/>
         <p:cNvGrpSpPr/>
         <p:nvPr/>
       </p:nvGrpSpPr>
@@ -927,7 +935,7 @@
       </p:grpSpPr>
       <p:sp>
         <p:nvSpPr>
-          <p:cNvPr id="131" name="Google Shape;131;g5dd161bf4a_3_21:notes"/>
+          <p:cNvPr id="129" name="Google Shape;129;g5ddab92e61_0_24:notes"/>
           <p:cNvSpPr/>
           <p:nvPr>
             <p:ph idx="2" type="sldImg"/>
@@ -962,7 +970,7 @@
       </p:sp>
       <p:sp>
         <p:nvSpPr>
-          <p:cNvPr id="132" name="Google Shape;132;g5dd161bf4a_3_21:notes"/>
+          <p:cNvPr id="130" name="Google Shape;130;g5ddab92e61_0_24:notes"/>
           <p:cNvSpPr txBox="1"/>
           <p:nvPr>
             <p:ph idx="1" type="body"/>
@@ -993,8 +1001,7 @@
               <a:buNone/>
             </a:pPr>
             <a:r>
-              <a:rPr lang="en"/>
-              <a:t>We used the answers to these questions to determine what age groups were using Nice Ride most frequently. When looking at Minneapolis riders as compared to the total population we can estimate Eau Claire riders based on the known population of Eau Claire. We look at each cities populace and Nice Rides in each 5 year age group.</a:t>
+              <a:t/>
             </a:r>
             <a:endParaRPr/>
           </a:p>
@@ -1013,7 +1020,7 @@
   <p:cSld>
     <p:spTree>
       <p:nvGrpSpPr>
-        <p:cNvPr id="136" name="Shape 136"/>
+        <p:cNvPr id="134" name="Shape 134"/>
         <p:cNvGrpSpPr/>
         <p:nvPr/>
       </p:nvGrpSpPr>
@@ -1027,7 +1034,7 @@
       </p:grpSpPr>
       <p:sp>
         <p:nvSpPr>
-          <p:cNvPr id="137" name="Google Shape;137;g5dd161bf4a_5_0:notes"/>
+          <p:cNvPr id="135" name="Google Shape;135;g5ddab92e61_0_30:notes"/>
           <p:cNvSpPr/>
           <p:nvPr>
             <p:ph idx="2" type="sldImg"/>
@@ -1062,7 +1069,7 @@
       </p:sp>
       <p:sp>
         <p:nvSpPr>
-          <p:cNvPr id="138" name="Google Shape;138;g5dd161bf4a_5_0:notes"/>
+          <p:cNvPr id="136" name="Google Shape;136;g5ddab92e61_0_30:notes"/>
           <p:cNvSpPr txBox="1"/>
           <p:nvPr>
             <p:ph idx="1" type="body"/>
@@ -1093,108 +1100,7 @@
               <a:buNone/>
             </a:pPr>
             <a:r>
-              <a:rPr lang="en"/>
-              <a:t>Chou </a:t>
-            </a:r>
-            <a:endParaRPr/>
-          </a:p>
-          <a:p>
-            <a:pPr indent="0" lvl="0" marL="0" rtl="0" algn="l">
-              <a:spcBef>
-                <a:spcPts val="0"/>
-              </a:spcBef>
-              <a:spcAft>
-                <a:spcPts val="0"/>
-              </a:spcAft>
-              <a:buNone/>
-            </a:pPr>
-            <a:r>
               <a:t/>
-            </a:r>
-            <a:endParaRPr/>
-          </a:p>
-          <a:p>
-            <a:pPr indent="0" lvl="0" marL="0" rtl="0" algn="l">
-              <a:spcBef>
-                <a:spcPts val="0"/>
-              </a:spcBef>
-              <a:spcAft>
-                <a:spcPts val="0"/>
-              </a:spcAft>
-              <a:buNone/>
-            </a:pPr>
-            <a:r>
-              <a:rPr lang="en"/>
-              <a:t>In another effort to check feasibility of duplicating nice ride in Eau Claire, we have taken a high-level look at basic demographics of age between the two cities. </a:t>
-            </a:r>
-            <a:br>
-              <a:rPr lang="en"/>
-            </a:br>
-            <a:endParaRPr/>
-          </a:p>
-          <a:p>
-            <a:pPr indent="0" lvl="0" marL="0" rtl="0" algn="l">
-              <a:spcBef>
-                <a:spcPts val="0"/>
-              </a:spcBef>
-              <a:spcAft>
-                <a:spcPts val="0"/>
-              </a:spcAft>
-              <a:buNone/>
-            </a:pPr>
-            <a:r>
-              <a:rPr lang="en"/>
-              <a:t>This not only show similarities between populations between the cities but also can hint at potential markets in EauClaire. </a:t>
-            </a:r>
-            <a:endParaRPr/>
-          </a:p>
-          <a:p>
-            <a:pPr indent="0" lvl="0" marL="0" rtl="0" algn="l">
-              <a:spcBef>
-                <a:spcPts val="0"/>
-              </a:spcBef>
-              <a:spcAft>
-                <a:spcPts val="0"/>
-              </a:spcAft>
-              <a:buNone/>
-            </a:pPr>
-            <a:br>
-              <a:rPr lang="en"/>
-            </a:br>
-            <a:r>
-              <a:rPr lang="en"/>
-              <a:t>A major difference between Minneapolis and Eau Claire is that the latter has a younger population and smaller total population over all. </a:t>
-            </a:r>
-            <a:endParaRPr/>
-          </a:p>
-          <a:p>
-            <a:pPr indent="0" lvl="0" marL="0" rtl="0" algn="l">
-              <a:spcBef>
-                <a:spcPts val="0"/>
-              </a:spcBef>
-              <a:spcAft>
-                <a:spcPts val="0"/>
-              </a:spcAft>
-              <a:buNone/>
-            </a:pPr>
-            <a:r>
-              <a:t/>
-            </a:r>
-            <a:endParaRPr/>
-          </a:p>
-          <a:p>
-            <a:pPr indent="0" lvl="0" marL="0" rtl="0" algn="l">
-              <a:spcBef>
-                <a:spcPts val="0"/>
-              </a:spcBef>
-              <a:spcAft>
-                <a:spcPts val="0"/>
-              </a:spcAft>
-              <a:buNone/>
-            </a:pPr>
-            <a:r>
-              <a:rPr lang="en"/>
-              <a:t>This works in Eau Claire’s favor as the most frequent users of Nice Ride are between the ages of 18 and 30.</a:t>
             </a:r>
             <a:endParaRPr/>
           </a:p>
@@ -1213,7 +1119,7 @@
   <p:cSld>
     <p:spTree>
       <p:nvGrpSpPr>
-        <p:cNvPr id="143" name="Shape 143"/>
+        <p:cNvPr id="140" name="Shape 140"/>
         <p:cNvGrpSpPr/>
         <p:nvPr/>
       </p:nvGrpSpPr>
@@ -1227,7 +1133,7 @@
       </p:grpSpPr>
       <p:sp>
         <p:nvSpPr>
-          <p:cNvPr id="144" name="Google Shape;144;g5dd161bf4a_0_10:notes"/>
+          <p:cNvPr id="141" name="Google Shape;141;g5dd161bf4a_3_37:notes"/>
           <p:cNvSpPr/>
           <p:nvPr>
             <p:ph idx="2" type="sldImg"/>
@@ -1262,7 +1168,7 @@
       </p:sp>
       <p:sp>
         <p:nvSpPr>
-          <p:cNvPr id="145" name="Google Shape;145;g5dd161bf4a_0_10:notes"/>
+          <p:cNvPr id="142" name="Google Shape;142;g5dd161bf4a_3_37:notes"/>
           <p:cNvSpPr txBox="1"/>
           <p:nvPr>
             <p:ph idx="1" type="body"/>
@@ -1293,39 +1199,7 @@
               <a:buNone/>
             </a:pPr>
             <a:r>
-              <a:rPr lang="en"/>
-              <a:t>Age demographics in Eau Claire are promising for a bike share program. Eau Claire has a significant number of 18-30 year olds which happen to be Nice Ride’s most frequent riders. There is also a consistent population of 30-60 years olds, around 3800 for each five year age group. Nice Ride has many users in this age range and sees a spike in popularity amongst 50-60 year olds of which Eau Claire has a growing proportion.</a:t>
-            </a:r>
-            <a:endParaRPr/>
-          </a:p>
-          <a:p>
-            <a:pPr indent="0" lvl="0" marL="0" rtl="0" algn="l">
-              <a:spcBef>
-                <a:spcPts val="0"/>
-              </a:spcBef>
-              <a:spcAft>
-                <a:spcPts val="0"/>
-              </a:spcAft>
-              <a:buNone/>
-            </a:pPr>
-            <a:r>
               <a:t/>
-            </a:r>
-            <a:endParaRPr/>
-          </a:p>
-          <a:p>
-            <a:pPr indent="0" lvl="0" marL="0" rtl="0" algn="l">
-              <a:spcBef>
-                <a:spcPts val="0"/>
-              </a:spcBef>
-              <a:spcAft>
-                <a:spcPts val="0"/>
-              </a:spcAft>
-              <a:buNone/>
-            </a:pPr>
-            <a:r>
-              <a:rPr lang="en"/>
-              <a:t>Challenges in retrieving accurate data for city populations include finding accurate data and that census tracts do not always line up with city limits.</a:t>
             </a:r>
             <a:endParaRPr/>
           </a:p>
@@ -1344,7 +1218,7 @@
   <p:cSld>
     <p:spTree>
       <p:nvGrpSpPr>
-        <p:cNvPr id="149" name="Shape 149"/>
+        <p:cNvPr id="148" name="Shape 148"/>
         <p:cNvGrpSpPr/>
         <p:nvPr/>
       </p:nvGrpSpPr>
@@ -1358,7 +1232,7 @@
       </p:grpSpPr>
       <p:sp>
         <p:nvSpPr>
-          <p:cNvPr id="150" name="Google Shape;150;g5dd161bf4a_3_6:notes"/>
+          <p:cNvPr id="149" name="Google Shape;149;g5ddab92e61_0_35:notes"/>
           <p:cNvSpPr/>
           <p:nvPr>
             <p:ph idx="2" type="sldImg"/>
@@ -1393,7 +1267,7 @@
       </p:sp>
       <p:sp>
         <p:nvSpPr>
-          <p:cNvPr id="151" name="Google Shape;151;g5dd161bf4a_3_6:notes"/>
+          <p:cNvPr id="150" name="Google Shape;150;g5ddab92e61_0_35:notes"/>
           <p:cNvSpPr txBox="1"/>
           <p:nvPr>
             <p:ph idx="1" type="body"/>
@@ -1424,127 +1298,6 @@
               <a:buNone/>
             </a:pPr>
             <a:r>
-              <a:rPr lang="en"/>
-              <a:t>Ridership here is defined total number of rides.</a:t>
-            </a:r>
-            <a:endParaRPr/>
-          </a:p>
-          <a:p>
-            <a:pPr indent="0" lvl="0" marL="0" rtl="0" algn="l">
-              <a:spcBef>
-                <a:spcPts val="0"/>
-              </a:spcBef>
-              <a:spcAft>
-                <a:spcPts val="0"/>
-              </a:spcAft>
-              <a:buNone/>
-            </a:pPr>
-            <a:r>
-              <a:t/>
-            </a:r>
-            <a:endParaRPr/>
-          </a:p>
-          <a:p>
-            <a:pPr indent="0" lvl="0" marL="0" rtl="0" algn="l">
-              <a:spcBef>
-                <a:spcPts val="0"/>
-              </a:spcBef>
-              <a:spcAft>
-                <a:spcPts val="0"/>
-              </a:spcAft>
-              <a:buNone/>
-            </a:pPr>
-            <a:r>
-              <a:rPr lang="en"/>
-              <a:t>Limitations: </a:t>
-            </a:r>
-            <a:endParaRPr/>
-          </a:p>
-          <a:p>
-            <a:pPr indent="-298450" lvl="0" marL="457200" rtl="0" algn="l">
-              <a:spcBef>
-                <a:spcPts val="0"/>
-              </a:spcBef>
-              <a:spcAft>
-                <a:spcPts val="0"/>
-              </a:spcAft>
-              <a:buSzPts val="1100"/>
-              <a:buChar char="●"/>
-            </a:pPr>
-            <a:r>
-              <a:rPr lang="en"/>
-              <a:t>Data does not reflect unique rider preference </a:t>
-            </a:r>
-            <a:endParaRPr/>
-          </a:p>
-          <a:p>
-            <a:pPr indent="-298450" lvl="0" marL="457200" rtl="0" algn="l">
-              <a:spcBef>
-                <a:spcPts val="0"/>
-              </a:spcBef>
-              <a:spcAft>
-                <a:spcPts val="0"/>
-              </a:spcAft>
-              <a:buSzPts val="1100"/>
-              <a:buChar char="●"/>
-            </a:pPr>
-            <a:r>
-              <a:rPr lang="en"/>
-              <a:t>Fee structure history was not well documented.  Insight into these changes were  gleaned from news </a:t>
-            </a:r>
-            <a:r>
-              <a:rPr lang="en"/>
-              <a:t>articles</a:t>
-            </a:r>
-            <a:r>
-              <a:rPr lang="en"/>
-              <a:t> and press release archived on the internet. </a:t>
-            </a:r>
-            <a:endParaRPr/>
-          </a:p>
-          <a:p>
-            <a:pPr indent="-298450" lvl="0" marL="457200" rtl="0" algn="l">
-              <a:spcBef>
-                <a:spcPts val="0"/>
-              </a:spcBef>
-              <a:spcAft>
-                <a:spcPts val="0"/>
-              </a:spcAft>
-              <a:buSzPts val="1100"/>
-              <a:buChar char="●"/>
-            </a:pPr>
-            <a:r>
-              <a:rPr lang="en"/>
-              <a:t>Definitions of what defined the Member or Casual account type differed with each year. </a:t>
-            </a:r>
-            <a:endParaRPr/>
-          </a:p>
-          <a:p>
-            <a:pPr indent="0" lvl="0" marL="0" rtl="0" algn="l">
-              <a:spcBef>
-                <a:spcPts val="0"/>
-              </a:spcBef>
-              <a:spcAft>
-                <a:spcPts val="0"/>
-              </a:spcAft>
-              <a:buNone/>
-            </a:pPr>
-            <a:r>
-              <a:t/>
-            </a:r>
-            <a:endParaRPr/>
-          </a:p>
-          <a:p>
-            <a:pPr indent="0" lvl="0" marL="0" rtl="0" algn="l">
-              <a:spcBef>
-                <a:spcPts val="0"/>
-              </a:spcBef>
-              <a:spcAft>
-                <a:spcPts val="0"/>
-              </a:spcAft>
-              <a:buNone/>
-            </a:pPr>
-            <a:r>
               <a:t/>
             </a:r>
             <a:endParaRPr/>
@@ -1564,7 +1317,7 @@
   <p:cSld>
     <p:spTree>
       <p:nvGrpSpPr>
-        <p:cNvPr id="156" name="Shape 156"/>
+        <p:cNvPr id="154" name="Shape 154"/>
         <p:cNvGrpSpPr/>
         <p:nvPr/>
       </p:nvGrpSpPr>
@@ -1578,7 +1331,7 @@
       </p:grpSpPr>
       <p:sp>
         <p:nvSpPr>
-          <p:cNvPr id="157" name="Google Shape;157;g5dd161bf4a_3_0:notes"/>
+          <p:cNvPr id="155" name="Google Shape;155;g5dd161bf4a_3_21:notes"/>
           <p:cNvSpPr/>
           <p:nvPr>
             <p:ph idx="2" type="sldImg"/>
@@ -1613,7 +1366,7 @@
       </p:sp>
       <p:sp>
         <p:nvSpPr>
-          <p:cNvPr id="158" name="Google Shape;158;g5dd161bf4a_3_0:notes"/>
+          <p:cNvPr id="156" name="Google Shape;156;g5dd161bf4a_3_21:notes"/>
           <p:cNvSpPr txBox="1"/>
           <p:nvPr>
             <p:ph idx="1" type="body"/>
@@ -1634,161 +1387,18 @@
           </a:bodyPr>
           <a:lstStyle/>
           <a:p>
-            <a:pPr indent="-295275" lvl="0" marL="457200" rtl="0" algn="l">
-              <a:lnSpc>
-                <a:spcPct val="115000"/>
-              </a:lnSpc>
-              <a:spcBef>
-                <a:spcPts val="1100"/>
-              </a:spcBef>
-              <a:spcAft>
-                <a:spcPts val="0"/>
-              </a:spcAft>
-              <a:buSzPts val="1050"/>
-              <a:buChar char="●"/>
-            </a:pPr>
-            <a:r>
-              <a:rPr lang="en" sz="1050"/>
-              <a:t>From 2010-2017: Member account type indicated users who had an account with NiceRide. For the same time period, Casual account type indicated users who walked up and bought a pass at the station.</a:t>
-            </a:r>
-            <a:endParaRPr sz="1050"/>
-          </a:p>
-          <a:p>
-            <a:pPr indent="-295275" lvl="0" marL="457200" rtl="0" algn="l">
-              <a:lnSpc>
-                <a:spcPct val="115000"/>
-              </a:lnSpc>
-              <a:spcBef>
-                <a:spcPts val="0"/>
-              </a:spcBef>
-              <a:spcAft>
-                <a:spcPts val="0"/>
-              </a:spcAft>
-              <a:buSzPts val="1050"/>
-              <a:buChar char="●"/>
-            </a:pPr>
-            <a:r>
-              <a:rPr lang="en" sz="1050"/>
-              <a:t>2018: Member account type indicated users who have a monthly or annual subscription membership with NiceRide. Casual account type indicated users who purchased a single ride or purchased a day pass.</a:t>
-            </a:r>
-            <a:endParaRPr sz="1050"/>
-          </a:p>
-          <a:p>
-            <a:pPr indent="-295275" lvl="0" marL="457200" rtl="0" algn="l">
-              <a:lnSpc>
-                <a:spcPct val="115000"/>
-              </a:lnSpc>
-              <a:spcBef>
-                <a:spcPts val="0"/>
-              </a:spcBef>
-              <a:spcAft>
-                <a:spcPts val="0"/>
-              </a:spcAft>
-              <a:buSzPts val="1050"/>
-              <a:buChar char="●"/>
-            </a:pPr>
-            <a:r>
-              <a:rPr lang="en" sz="1050"/>
-              <a:t>From 2010 to 2014 Member account type members outpaced growth of casual riders.</a:t>
-            </a:r>
-            <a:endParaRPr sz="1050"/>
-          </a:p>
-          <a:p>
-            <a:pPr indent="-295275" lvl="0" marL="457200" rtl="0" algn="l">
-              <a:lnSpc>
-                <a:spcPct val="115000"/>
-              </a:lnSpc>
-              <a:spcBef>
-                <a:spcPts val="0"/>
-              </a:spcBef>
-              <a:spcAft>
-                <a:spcPts val="0"/>
-              </a:spcAft>
-              <a:buSzPts val="1050"/>
-              <a:buChar char="●"/>
-            </a:pPr>
-            <a:r>
-              <a:rPr lang="en" sz="1050"/>
-              <a:t>From 2014-2016, </a:t>
-            </a:r>
-            <a:r>
-              <a:rPr lang="en" sz="1050"/>
-              <a:t>membership growth remained flat and number of riders by account type did not differ greatly as casual rides increased.</a:t>
-            </a:r>
-            <a:endParaRPr sz="1050"/>
-          </a:p>
-          <a:p>
-            <a:pPr indent="-295275" lvl="0" marL="457200" rtl="0" algn="l">
-              <a:lnSpc>
-                <a:spcPct val="115000"/>
-              </a:lnSpc>
-              <a:spcBef>
-                <a:spcPts val="0"/>
-              </a:spcBef>
-              <a:spcAft>
-                <a:spcPts val="0"/>
-              </a:spcAft>
-              <a:buSzPts val="1050"/>
-              <a:buChar char="●"/>
-            </a:pPr>
-            <a:r>
-              <a:rPr lang="en" sz="1050"/>
-              <a:t>2016 saw a large dip in the number of casual riders. At this time, NiceRide offering a discount on single rides for users who create a membership and use the NiceRide app. This could help to explain the reduction in Casual account type riders at this point in time.</a:t>
-            </a:r>
-            <a:endParaRPr sz="1050"/>
-          </a:p>
-          <a:p>
-            <a:pPr indent="-295275" lvl="0" marL="457200" rtl="0" algn="l">
-              <a:lnSpc>
-                <a:spcPct val="115000"/>
-              </a:lnSpc>
-              <a:spcBef>
-                <a:spcPts val="0"/>
-              </a:spcBef>
-              <a:spcAft>
-                <a:spcPts val="0"/>
-              </a:spcAft>
-              <a:buSzPts val="1050"/>
-              <a:buChar char="●"/>
-            </a:pPr>
-            <a:r>
-              <a:rPr lang="en" sz="1050"/>
-              <a:t>By 2018 there the number of member vs casual rides seemingly flipped as member riders steeply declined, and casual riders sharply rose. In 2018 NiceRide began offering a day pass option changing how member vs casual riders were classified.</a:t>
-            </a:r>
-            <a:endParaRPr sz="1050"/>
-          </a:p>
-          <a:p>
-            <a:pPr indent="-295275" lvl="0" marL="457200" rtl="0" algn="l">
-              <a:lnSpc>
-                <a:spcPct val="115000"/>
-              </a:lnSpc>
-              <a:spcBef>
-                <a:spcPts val="0"/>
-              </a:spcBef>
-              <a:spcAft>
-                <a:spcPts val="0"/>
-              </a:spcAft>
-              <a:buSzPts val="1050"/>
-              <a:buChar char="●"/>
-            </a:pPr>
-            <a:r>
-              <a:rPr lang="en" sz="1050"/>
-              <a:t>The day pass popular choice among riders and shifted the distribution of Member and Casual account types. Incentivising usage with discounts or flexible pricing options is effective in driving users to a specific account type.</a:t>
-            </a:r>
-            <a:endParaRPr sz="1050"/>
-          </a:p>
-          <a:p>
             <a:pPr indent="0" lvl="0" marL="0" rtl="0" algn="l">
               <a:spcBef>
-                <a:spcPts val="700"/>
-              </a:spcBef>
-              <a:spcAft>
-                <a:spcPts val="0"/>
-              </a:spcAft>
-              <a:buNone/>
-            </a:pPr>
-            <a:r>
-              <a:t/>
+                <a:spcPts val="0"/>
+              </a:spcBef>
+              <a:spcAft>
+                <a:spcPts val="0"/>
+              </a:spcAft>
+              <a:buNone/>
+            </a:pPr>
+            <a:r>
+              <a:rPr lang="en"/>
+              <a:t>We used the answers to these questions to determine what age groups were using Nice Ride most frequently. When looking at Minneapolis riders as compared to the total population we can estimate Eau Claire riders based on the known population of Eau Claire. We look at each cities populace and Nice Rides in each 5 year age group.</a:t>
             </a:r>
             <a:endParaRPr/>
           </a:p>
@@ -1807,7 +1417,7 @@
   <p:cSld>
     <p:spTree>
       <p:nvGrpSpPr>
-        <p:cNvPr id="163" name="Shape 163"/>
+        <p:cNvPr id="160" name="Shape 160"/>
         <p:cNvGrpSpPr/>
         <p:nvPr/>
       </p:nvGrpSpPr>
@@ -1821,7 +1431,7 @@
       </p:grpSpPr>
       <p:sp>
         <p:nvSpPr>
-          <p:cNvPr id="164" name="Google Shape;164;g5dd161bf4a_0_5:notes"/>
+          <p:cNvPr id="161" name="Google Shape;161;g5dd161bf4a_5_0:notes"/>
           <p:cNvSpPr/>
           <p:nvPr>
             <p:ph idx="2" type="sldImg"/>
@@ -1856,7 +1466,7 @@
       </p:sp>
       <p:sp>
         <p:nvSpPr>
-          <p:cNvPr id="165" name="Google Shape;165;g5dd161bf4a_0_5:notes"/>
+          <p:cNvPr id="162" name="Google Shape;162;g5dd161bf4a_5_0:notes"/>
           <p:cNvSpPr txBox="1"/>
           <p:nvPr>
             <p:ph idx="1" type="body"/>
@@ -1880,6 +1490,701 @@
             <a:pPr indent="0" lvl="0" marL="0" rtl="0" algn="l">
               <a:spcBef>
                 <a:spcPts val="0"/>
+              </a:spcBef>
+              <a:spcAft>
+                <a:spcPts val="0"/>
+              </a:spcAft>
+              <a:buNone/>
+            </a:pPr>
+            <a:r>
+              <a:rPr lang="en"/>
+              <a:t>Chou </a:t>
+            </a:r>
+            <a:endParaRPr/>
+          </a:p>
+          <a:p>
+            <a:pPr indent="0" lvl="0" marL="0" rtl="0" algn="l">
+              <a:spcBef>
+                <a:spcPts val="0"/>
+              </a:spcBef>
+              <a:spcAft>
+                <a:spcPts val="0"/>
+              </a:spcAft>
+              <a:buNone/>
+            </a:pPr>
+            <a:r>
+              <a:t/>
+            </a:r>
+            <a:endParaRPr/>
+          </a:p>
+          <a:p>
+            <a:pPr indent="0" lvl="0" marL="0" rtl="0" algn="l">
+              <a:spcBef>
+                <a:spcPts val="0"/>
+              </a:spcBef>
+              <a:spcAft>
+                <a:spcPts val="0"/>
+              </a:spcAft>
+              <a:buNone/>
+            </a:pPr>
+            <a:r>
+              <a:rPr lang="en"/>
+              <a:t>In another effort to check feasibility of duplicating nice ride in Eau Claire, we have taken a high-level look at basic demographics of age between the two cities. </a:t>
+            </a:r>
+            <a:br>
+              <a:rPr lang="en"/>
+            </a:br>
+            <a:endParaRPr/>
+          </a:p>
+          <a:p>
+            <a:pPr indent="0" lvl="0" marL="0" rtl="0" algn="l">
+              <a:spcBef>
+                <a:spcPts val="0"/>
+              </a:spcBef>
+              <a:spcAft>
+                <a:spcPts val="0"/>
+              </a:spcAft>
+              <a:buNone/>
+            </a:pPr>
+            <a:r>
+              <a:rPr lang="en"/>
+              <a:t>This not only show similarities between populations between the cities but also can hint at potential markets in EauClaire. </a:t>
+            </a:r>
+            <a:endParaRPr/>
+          </a:p>
+          <a:p>
+            <a:pPr indent="0" lvl="0" marL="0" rtl="0" algn="l">
+              <a:spcBef>
+                <a:spcPts val="0"/>
+              </a:spcBef>
+              <a:spcAft>
+                <a:spcPts val="0"/>
+              </a:spcAft>
+              <a:buNone/>
+            </a:pPr>
+            <a:br>
+              <a:rPr lang="en"/>
+            </a:br>
+            <a:r>
+              <a:rPr lang="en"/>
+              <a:t>A major difference between Minneapolis and Eau Claire is that the latter has a younger population and smaller total population over all. </a:t>
+            </a:r>
+            <a:endParaRPr/>
+          </a:p>
+          <a:p>
+            <a:pPr indent="0" lvl="0" marL="0" rtl="0" algn="l">
+              <a:spcBef>
+                <a:spcPts val="0"/>
+              </a:spcBef>
+              <a:spcAft>
+                <a:spcPts val="0"/>
+              </a:spcAft>
+              <a:buNone/>
+            </a:pPr>
+            <a:r>
+              <a:t/>
+            </a:r>
+            <a:endParaRPr/>
+          </a:p>
+          <a:p>
+            <a:pPr indent="0" lvl="0" marL="0" rtl="0" algn="l">
+              <a:spcBef>
+                <a:spcPts val="0"/>
+              </a:spcBef>
+              <a:spcAft>
+                <a:spcPts val="0"/>
+              </a:spcAft>
+              <a:buNone/>
+            </a:pPr>
+            <a:r>
+              <a:rPr lang="en"/>
+              <a:t>This works in Eau Claire’s favor as the most frequent users of Nice Ride are between the ages of 18 and 30.</a:t>
+            </a:r>
+            <a:endParaRPr/>
+          </a:p>
+        </p:txBody>
+      </p:sp>
+    </p:spTree>
+  </p:cSld>
+  <p:clrMapOvr>
+    <a:masterClrMapping/>
+  </p:clrMapOvr>
+</p:notes>
+</file>
+
+<file path=ppt/notesSlides/notesSlide17.xml><?xml version="1.0" encoding="utf-8"?>
+<p:notes xmlns:a="http://schemas.openxmlformats.org/drawingml/2006/main" xmlns:r="http://schemas.openxmlformats.org/officeDocument/2006/relationships" xmlns:mc="http://schemas.openxmlformats.org/markup-compatibility/2006" xmlns:mv="urn:schemas-microsoft-com:mac:vml" xmlns:p="http://schemas.openxmlformats.org/presentationml/2006/main" xmlns:c="http://schemas.openxmlformats.org/drawingml/2006/chart" xmlns:dgm="http://schemas.openxmlformats.org/drawingml/2006/diagram" xmlns:o="urn:schemas-microsoft-com:office:office" xmlns:v="urn:schemas-microsoft-com:vml" xmlns:pvml="urn:schemas-microsoft-com:office:powerpoint" xmlns:com="http://schemas.openxmlformats.org/drawingml/2006/compatibility" xmlns:p14="http://schemas.microsoft.com/office/powerpoint/2010/main" xmlns:p15="http://schemas.microsoft.com/office/powerpoint/2012/main" showMasterPhAnim="0" showMasterSp="0">
+  <p:cSld>
+    <p:spTree>
+      <p:nvGrpSpPr>
+        <p:cNvPr id="167" name="Shape 167"/>
+        <p:cNvGrpSpPr/>
+        <p:nvPr/>
+      </p:nvGrpSpPr>
+      <p:grpSpPr>
+        <a:xfrm>
+          <a:off x="0" y="0"/>
+          <a:ext cx="0" cy="0"/>
+          <a:chOff x="0" y="0"/>
+          <a:chExt cx="0" cy="0"/>
+        </a:xfrm>
+      </p:grpSpPr>
+      <p:sp>
+        <p:nvSpPr>
+          <p:cNvPr id="168" name="Google Shape;168;g5dd161bf4a_0_10:notes"/>
+          <p:cNvSpPr/>
+          <p:nvPr>
+            <p:ph idx="2" type="sldImg"/>
+          </p:nvPr>
+        </p:nvSpPr>
+        <p:spPr>
+          <a:xfrm>
+            <a:off x="381300" y="685800"/>
+            <a:ext cx="6096000" cy="3429000"/>
+          </a:xfrm>
+          <a:custGeom>
+            <a:rect b="b" l="l" r="r" t="t"/>
+            <a:pathLst>
+              <a:path extrusionOk="0" h="120000" w="120000">
+                <a:moveTo>
+                  <a:pt x="0" y="0"/>
+                </a:moveTo>
+                <a:lnTo>
+                  <a:pt x="120000" y="0"/>
+                </a:lnTo>
+                <a:lnTo>
+                  <a:pt x="120000" y="120000"/>
+                </a:lnTo>
+                <a:lnTo>
+                  <a:pt x="0" y="120000"/>
+                </a:lnTo>
+                <a:close/>
+              </a:path>
+            </a:pathLst>
+          </a:custGeom>
+        </p:spPr>
+      </p:sp>
+      <p:sp>
+        <p:nvSpPr>
+          <p:cNvPr id="169" name="Google Shape;169;g5dd161bf4a_0_10:notes"/>
+          <p:cNvSpPr txBox="1"/>
+          <p:nvPr>
+            <p:ph idx="1" type="body"/>
+          </p:nvPr>
+        </p:nvSpPr>
+        <p:spPr>
+          <a:xfrm>
+            <a:off x="685800" y="4343400"/>
+            <a:ext cx="5486400" cy="4114800"/>
+          </a:xfrm>
+          <a:prstGeom prst="rect">
+            <a:avLst/>
+          </a:prstGeom>
+        </p:spPr>
+        <p:txBody>
+          <a:bodyPr anchorCtr="0" anchor="t" bIns="91425" lIns="91425" spcFirstLastPara="1" rIns="91425" wrap="square" tIns="91425">
+            <a:noAutofit/>
+          </a:bodyPr>
+          <a:lstStyle/>
+          <a:p>
+            <a:pPr indent="0" lvl="0" marL="0" rtl="0" algn="l">
+              <a:spcBef>
+                <a:spcPts val="0"/>
+              </a:spcBef>
+              <a:spcAft>
+                <a:spcPts val="0"/>
+              </a:spcAft>
+              <a:buNone/>
+            </a:pPr>
+            <a:r>
+              <a:rPr lang="en"/>
+              <a:t>Age demographics in Eau Claire are promising for a bike share program. Eau Claire has a significant number of 18-30 year olds which happen to be Nice Ride’s most frequent riders. There is also a consistent population of 30-60 years olds, around 3800 for each five year age group. Nice Ride has many users in this age range and sees a spike in popularity amongst 50-60 year olds of which Eau Claire has a growing proportion.</a:t>
+            </a:r>
+            <a:endParaRPr/>
+          </a:p>
+          <a:p>
+            <a:pPr indent="0" lvl="0" marL="0" rtl="0" algn="l">
+              <a:spcBef>
+                <a:spcPts val="0"/>
+              </a:spcBef>
+              <a:spcAft>
+                <a:spcPts val="0"/>
+              </a:spcAft>
+              <a:buNone/>
+            </a:pPr>
+            <a:r>
+              <a:t/>
+            </a:r>
+            <a:endParaRPr/>
+          </a:p>
+          <a:p>
+            <a:pPr indent="0" lvl="0" marL="0" rtl="0" algn="l">
+              <a:spcBef>
+                <a:spcPts val="0"/>
+              </a:spcBef>
+              <a:spcAft>
+                <a:spcPts val="0"/>
+              </a:spcAft>
+              <a:buNone/>
+            </a:pPr>
+            <a:r>
+              <a:rPr lang="en"/>
+              <a:t>Challenges in retrieving accurate data for city populations include finding accurate data and that census tracts do not always line up with city limits.</a:t>
+            </a:r>
+            <a:endParaRPr/>
+          </a:p>
+        </p:txBody>
+      </p:sp>
+    </p:spTree>
+  </p:cSld>
+  <p:clrMapOvr>
+    <a:masterClrMapping/>
+  </p:clrMapOvr>
+</p:notes>
+</file>
+
+<file path=ppt/notesSlides/notesSlide18.xml><?xml version="1.0" encoding="utf-8"?>
+<p:notes xmlns:a="http://schemas.openxmlformats.org/drawingml/2006/main" xmlns:r="http://schemas.openxmlformats.org/officeDocument/2006/relationships" xmlns:mc="http://schemas.openxmlformats.org/markup-compatibility/2006" xmlns:mv="urn:schemas-microsoft-com:mac:vml" xmlns:p="http://schemas.openxmlformats.org/presentationml/2006/main" xmlns:c="http://schemas.openxmlformats.org/drawingml/2006/chart" xmlns:dgm="http://schemas.openxmlformats.org/drawingml/2006/diagram" xmlns:o="urn:schemas-microsoft-com:office:office" xmlns:v="urn:schemas-microsoft-com:vml" xmlns:pvml="urn:schemas-microsoft-com:office:powerpoint" xmlns:com="http://schemas.openxmlformats.org/drawingml/2006/compatibility" xmlns:p14="http://schemas.microsoft.com/office/powerpoint/2010/main" xmlns:p15="http://schemas.microsoft.com/office/powerpoint/2012/main" showMasterPhAnim="0" showMasterSp="0">
+  <p:cSld>
+    <p:spTree>
+      <p:nvGrpSpPr>
+        <p:cNvPr id="173" name="Shape 173"/>
+        <p:cNvGrpSpPr/>
+        <p:nvPr/>
+      </p:nvGrpSpPr>
+      <p:grpSpPr>
+        <a:xfrm>
+          <a:off x="0" y="0"/>
+          <a:ext cx="0" cy="0"/>
+          <a:chOff x="0" y="0"/>
+          <a:chExt cx="0" cy="0"/>
+        </a:xfrm>
+      </p:grpSpPr>
+      <p:sp>
+        <p:nvSpPr>
+          <p:cNvPr id="174" name="Google Shape;174;g5dd161bf4a_3_6:notes"/>
+          <p:cNvSpPr/>
+          <p:nvPr>
+            <p:ph idx="2" type="sldImg"/>
+          </p:nvPr>
+        </p:nvSpPr>
+        <p:spPr>
+          <a:xfrm>
+            <a:off x="381300" y="685800"/>
+            <a:ext cx="6096000" cy="3429000"/>
+          </a:xfrm>
+          <a:custGeom>
+            <a:rect b="b" l="l" r="r" t="t"/>
+            <a:pathLst>
+              <a:path extrusionOk="0" h="120000" w="120000">
+                <a:moveTo>
+                  <a:pt x="0" y="0"/>
+                </a:moveTo>
+                <a:lnTo>
+                  <a:pt x="120000" y="0"/>
+                </a:lnTo>
+                <a:lnTo>
+                  <a:pt x="120000" y="120000"/>
+                </a:lnTo>
+                <a:lnTo>
+                  <a:pt x="0" y="120000"/>
+                </a:lnTo>
+                <a:close/>
+              </a:path>
+            </a:pathLst>
+          </a:custGeom>
+        </p:spPr>
+      </p:sp>
+      <p:sp>
+        <p:nvSpPr>
+          <p:cNvPr id="175" name="Google Shape;175;g5dd161bf4a_3_6:notes"/>
+          <p:cNvSpPr txBox="1"/>
+          <p:nvPr>
+            <p:ph idx="1" type="body"/>
+          </p:nvPr>
+        </p:nvSpPr>
+        <p:spPr>
+          <a:xfrm>
+            <a:off x="685800" y="4343400"/>
+            <a:ext cx="5486400" cy="4114800"/>
+          </a:xfrm>
+          <a:prstGeom prst="rect">
+            <a:avLst/>
+          </a:prstGeom>
+        </p:spPr>
+        <p:txBody>
+          <a:bodyPr anchorCtr="0" anchor="t" bIns="91425" lIns="91425" spcFirstLastPara="1" rIns="91425" wrap="square" tIns="91425">
+            <a:noAutofit/>
+          </a:bodyPr>
+          <a:lstStyle/>
+          <a:p>
+            <a:pPr indent="0" lvl="0" marL="0" rtl="0" algn="l">
+              <a:spcBef>
+                <a:spcPts val="0"/>
+              </a:spcBef>
+              <a:spcAft>
+                <a:spcPts val="0"/>
+              </a:spcAft>
+              <a:buNone/>
+            </a:pPr>
+            <a:r>
+              <a:rPr lang="en"/>
+              <a:t>Ridership here is defined total number of rides.</a:t>
+            </a:r>
+            <a:endParaRPr/>
+          </a:p>
+          <a:p>
+            <a:pPr indent="0" lvl="0" marL="0" rtl="0" algn="l">
+              <a:spcBef>
+                <a:spcPts val="0"/>
+              </a:spcBef>
+              <a:spcAft>
+                <a:spcPts val="0"/>
+              </a:spcAft>
+              <a:buNone/>
+            </a:pPr>
+            <a:r>
+              <a:t/>
+            </a:r>
+            <a:endParaRPr/>
+          </a:p>
+          <a:p>
+            <a:pPr indent="0" lvl="0" marL="0" rtl="0" algn="l">
+              <a:spcBef>
+                <a:spcPts val="0"/>
+              </a:spcBef>
+              <a:spcAft>
+                <a:spcPts val="0"/>
+              </a:spcAft>
+              <a:buNone/>
+            </a:pPr>
+            <a:r>
+              <a:rPr lang="en"/>
+              <a:t>Limitations: </a:t>
+            </a:r>
+            <a:endParaRPr/>
+          </a:p>
+          <a:p>
+            <a:pPr indent="-298450" lvl="0" marL="457200" rtl="0" algn="l">
+              <a:spcBef>
+                <a:spcPts val="0"/>
+              </a:spcBef>
+              <a:spcAft>
+                <a:spcPts val="0"/>
+              </a:spcAft>
+              <a:buSzPts val="1100"/>
+              <a:buChar char="●"/>
+            </a:pPr>
+            <a:r>
+              <a:rPr lang="en"/>
+              <a:t>Data does not reflect unique rider preference </a:t>
+            </a:r>
+            <a:endParaRPr/>
+          </a:p>
+          <a:p>
+            <a:pPr indent="-298450" lvl="0" marL="457200" rtl="0" algn="l">
+              <a:spcBef>
+                <a:spcPts val="0"/>
+              </a:spcBef>
+              <a:spcAft>
+                <a:spcPts val="0"/>
+              </a:spcAft>
+              <a:buSzPts val="1100"/>
+              <a:buChar char="●"/>
+            </a:pPr>
+            <a:r>
+              <a:rPr lang="en"/>
+              <a:t>Fee structure history was not well documented.  Insight into these changes were  gleaned from news </a:t>
+            </a:r>
+            <a:r>
+              <a:rPr lang="en"/>
+              <a:t>articles</a:t>
+            </a:r>
+            <a:r>
+              <a:rPr lang="en"/>
+              <a:t> and press release archived on the internet. </a:t>
+            </a:r>
+            <a:endParaRPr/>
+          </a:p>
+          <a:p>
+            <a:pPr indent="-298450" lvl="0" marL="457200" rtl="0" algn="l">
+              <a:spcBef>
+                <a:spcPts val="0"/>
+              </a:spcBef>
+              <a:spcAft>
+                <a:spcPts val="0"/>
+              </a:spcAft>
+              <a:buSzPts val="1100"/>
+              <a:buChar char="●"/>
+            </a:pPr>
+            <a:r>
+              <a:rPr lang="en"/>
+              <a:t>Definitions of what defined the Member or Casual account type differed with each year. </a:t>
+            </a:r>
+            <a:endParaRPr/>
+          </a:p>
+          <a:p>
+            <a:pPr indent="0" lvl="0" marL="0" rtl="0" algn="l">
+              <a:spcBef>
+                <a:spcPts val="0"/>
+              </a:spcBef>
+              <a:spcAft>
+                <a:spcPts val="0"/>
+              </a:spcAft>
+              <a:buNone/>
+            </a:pPr>
+            <a:r>
+              <a:t/>
+            </a:r>
+            <a:endParaRPr/>
+          </a:p>
+          <a:p>
+            <a:pPr indent="0" lvl="0" marL="0" rtl="0" algn="l">
+              <a:spcBef>
+                <a:spcPts val="0"/>
+              </a:spcBef>
+              <a:spcAft>
+                <a:spcPts val="0"/>
+              </a:spcAft>
+              <a:buNone/>
+            </a:pPr>
+            <a:r>
+              <a:t/>
+            </a:r>
+            <a:endParaRPr/>
+          </a:p>
+        </p:txBody>
+      </p:sp>
+    </p:spTree>
+  </p:cSld>
+  <p:clrMapOvr>
+    <a:masterClrMapping/>
+  </p:clrMapOvr>
+</p:notes>
+</file>
+
+<file path=ppt/notesSlides/notesSlide19.xml><?xml version="1.0" encoding="utf-8"?>
+<p:notes xmlns:a="http://schemas.openxmlformats.org/drawingml/2006/main" xmlns:r="http://schemas.openxmlformats.org/officeDocument/2006/relationships" xmlns:mc="http://schemas.openxmlformats.org/markup-compatibility/2006" xmlns:mv="urn:schemas-microsoft-com:mac:vml" xmlns:p="http://schemas.openxmlformats.org/presentationml/2006/main" xmlns:c="http://schemas.openxmlformats.org/drawingml/2006/chart" xmlns:dgm="http://schemas.openxmlformats.org/drawingml/2006/diagram" xmlns:o="urn:schemas-microsoft-com:office:office" xmlns:v="urn:schemas-microsoft-com:vml" xmlns:pvml="urn:schemas-microsoft-com:office:powerpoint" xmlns:com="http://schemas.openxmlformats.org/drawingml/2006/compatibility" xmlns:p14="http://schemas.microsoft.com/office/powerpoint/2010/main" xmlns:p15="http://schemas.microsoft.com/office/powerpoint/2012/main" showMasterPhAnim="0" showMasterSp="0">
+  <p:cSld>
+    <p:spTree>
+      <p:nvGrpSpPr>
+        <p:cNvPr id="180" name="Shape 180"/>
+        <p:cNvGrpSpPr/>
+        <p:nvPr/>
+      </p:nvGrpSpPr>
+      <p:grpSpPr>
+        <a:xfrm>
+          <a:off x="0" y="0"/>
+          <a:ext cx="0" cy="0"/>
+          <a:chOff x="0" y="0"/>
+          <a:chExt cx="0" cy="0"/>
+        </a:xfrm>
+      </p:grpSpPr>
+      <p:sp>
+        <p:nvSpPr>
+          <p:cNvPr id="181" name="Google Shape;181;g5dd161bf4a_3_0:notes"/>
+          <p:cNvSpPr/>
+          <p:nvPr>
+            <p:ph idx="2" type="sldImg"/>
+          </p:nvPr>
+        </p:nvSpPr>
+        <p:spPr>
+          <a:xfrm>
+            <a:off x="381300" y="685800"/>
+            <a:ext cx="6096000" cy="3429000"/>
+          </a:xfrm>
+          <a:custGeom>
+            <a:rect b="b" l="l" r="r" t="t"/>
+            <a:pathLst>
+              <a:path extrusionOk="0" h="120000" w="120000">
+                <a:moveTo>
+                  <a:pt x="0" y="0"/>
+                </a:moveTo>
+                <a:lnTo>
+                  <a:pt x="120000" y="0"/>
+                </a:lnTo>
+                <a:lnTo>
+                  <a:pt x="120000" y="120000"/>
+                </a:lnTo>
+                <a:lnTo>
+                  <a:pt x="0" y="120000"/>
+                </a:lnTo>
+                <a:close/>
+              </a:path>
+            </a:pathLst>
+          </a:custGeom>
+        </p:spPr>
+      </p:sp>
+      <p:sp>
+        <p:nvSpPr>
+          <p:cNvPr id="182" name="Google Shape;182;g5dd161bf4a_3_0:notes"/>
+          <p:cNvSpPr txBox="1"/>
+          <p:nvPr>
+            <p:ph idx="1" type="body"/>
+          </p:nvPr>
+        </p:nvSpPr>
+        <p:spPr>
+          <a:xfrm>
+            <a:off x="685800" y="4343400"/>
+            <a:ext cx="5486400" cy="4114800"/>
+          </a:xfrm>
+          <a:prstGeom prst="rect">
+            <a:avLst/>
+          </a:prstGeom>
+        </p:spPr>
+        <p:txBody>
+          <a:bodyPr anchorCtr="0" anchor="t" bIns="91425" lIns="91425" spcFirstLastPara="1" rIns="91425" wrap="square" tIns="91425">
+            <a:noAutofit/>
+          </a:bodyPr>
+          <a:lstStyle/>
+          <a:p>
+            <a:pPr indent="-295275" lvl="0" marL="457200" rtl="0" algn="l">
+              <a:lnSpc>
+                <a:spcPct val="115000"/>
+              </a:lnSpc>
+              <a:spcBef>
+                <a:spcPts val="1100"/>
+              </a:spcBef>
+              <a:spcAft>
+                <a:spcPts val="0"/>
+              </a:spcAft>
+              <a:buSzPts val="1050"/>
+              <a:buChar char="●"/>
+            </a:pPr>
+            <a:r>
+              <a:rPr lang="en" sz="1050"/>
+              <a:t>From 2010-2017: Member account type indicated users who had an account with NiceRide. For the same time period, Casual account type indicated users who walked up and bought a pass at the station.</a:t>
+            </a:r>
+            <a:endParaRPr sz="1050"/>
+          </a:p>
+          <a:p>
+            <a:pPr indent="-295275" lvl="0" marL="457200" rtl="0" algn="l">
+              <a:lnSpc>
+                <a:spcPct val="115000"/>
+              </a:lnSpc>
+              <a:spcBef>
+                <a:spcPts val="0"/>
+              </a:spcBef>
+              <a:spcAft>
+                <a:spcPts val="0"/>
+              </a:spcAft>
+              <a:buSzPts val="1050"/>
+              <a:buChar char="●"/>
+            </a:pPr>
+            <a:r>
+              <a:rPr lang="en" sz="1050"/>
+              <a:t>2018: Member account type indicated users who have a monthly or annual subscription membership with NiceRide. Casual account type indicated users who purchased a single ride or purchased a day pass.</a:t>
+            </a:r>
+            <a:endParaRPr sz="1050"/>
+          </a:p>
+          <a:p>
+            <a:pPr indent="-295275" lvl="0" marL="457200" rtl="0" algn="l">
+              <a:lnSpc>
+                <a:spcPct val="115000"/>
+              </a:lnSpc>
+              <a:spcBef>
+                <a:spcPts val="0"/>
+              </a:spcBef>
+              <a:spcAft>
+                <a:spcPts val="0"/>
+              </a:spcAft>
+              <a:buSzPts val="1050"/>
+              <a:buChar char="●"/>
+            </a:pPr>
+            <a:r>
+              <a:rPr lang="en" sz="1050"/>
+              <a:t>From 2010 to 2014 Member account type members outpaced growth of casual riders.</a:t>
+            </a:r>
+            <a:endParaRPr sz="1050"/>
+          </a:p>
+          <a:p>
+            <a:pPr indent="-295275" lvl="0" marL="457200" rtl="0" algn="l">
+              <a:lnSpc>
+                <a:spcPct val="115000"/>
+              </a:lnSpc>
+              <a:spcBef>
+                <a:spcPts val="0"/>
+              </a:spcBef>
+              <a:spcAft>
+                <a:spcPts val="0"/>
+              </a:spcAft>
+              <a:buSzPts val="1050"/>
+              <a:buChar char="●"/>
+            </a:pPr>
+            <a:r>
+              <a:rPr lang="en" sz="1050"/>
+              <a:t>From 2014-2016, </a:t>
+            </a:r>
+            <a:r>
+              <a:rPr lang="en" sz="1050"/>
+              <a:t>membership growth remained flat and number of riders by account type did not differ greatly as casual rides increased.</a:t>
+            </a:r>
+            <a:endParaRPr sz="1050"/>
+          </a:p>
+          <a:p>
+            <a:pPr indent="-295275" lvl="0" marL="457200" rtl="0" algn="l">
+              <a:lnSpc>
+                <a:spcPct val="115000"/>
+              </a:lnSpc>
+              <a:spcBef>
+                <a:spcPts val="0"/>
+              </a:spcBef>
+              <a:spcAft>
+                <a:spcPts val="0"/>
+              </a:spcAft>
+              <a:buSzPts val="1050"/>
+              <a:buChar char="●"/>
+            </a:pPr>
+            <a:r>
+              <a:rPr lang="en" sz="1050"/>
+              <a:t>2016 saw a large dip in the number of casual riders. At this time, NiceRide offering a discount on single rides for users who create a membership and use the NiceRide app. This could help to explain the reduction in Casual account type riders at this point in time.</a:t>
+            </a:r>
+            <a:endParaRPr sz="1050"/>
+          </a:p>
+          <a:p>
+            <a:pPr indent="-295275" lvl="0" marL="457200" rtl="0" algn="l">
+              <a:lnSpc>
+                <a:spcPct val="115000"/>
+              </a:lnSpc>
+              <a:spcBef>
+                <a:spcPts val="0"/>
+              </a:spcBef>
+              <a:spcAft>
+                <a:spcPts val="0"/>
+              </a:spcAft>
+              <a:buSzPts val="1050"/>
+              <a:buChar char="●"/>
+            </a:pPr>
+            <a:r>
+              <a:rPr lang="en" sz="1050"/>
+              <a:t>By 2018 there the number of member vs casual rides seemingly flipped as member riders steeply declined, and casual riders sharply rose. In 2018 NiceRide began offering a day pass option changing how member vs casual riders were classified.</a:t>
+            </a:r>
+            <a:endParaRPr sz="1050"/>
+          </a:p>
+          <a:p>
+            <a:pPr indent="-295275" lvl="0" marL="457200" rtl="0" algn="l">
+              <a:lnSpc>
+                <a:spcPct val="115000"/>
+              </a:lnSpc>
+              <a:spcBef>
+                <a:spcPts val="0"/>
+              </a:spcBef>
+              <a:spcAft>
+                <a:spcPts val="0"/>
+              </a:spcAft>
+              <a:buSzPts val="1050"/>
+              <a:buChar char="●"/>
+            </a:pPr>
+            <a:r>
+              <a:rPr lang="en" sz="1050"/>
+              <a:t>The day pass popular choice among riders and shifted the distribution of Member and Casual account types. Incentivising usage with discounts or flexible pricing options is effective in driving users to a specific account type.</a:t>
+            </a:r>
+            <a:endParaRPr sz="1050"/>
+          </a:p>
+          <a:p>
+            <a:pPr indent="0" lvl="0" marL="0" rtl="0" algn="l">
+              <a:spcBef>
+                <a:spcPts val="700"/>
               </a:spcBef>
               <a:spcAft>
                 <a:spcPts val="0"/>
@@ -2000,6 +2305,105 @@
 </p:notes>
 </file>
 
+<file path=ppt/notesSlides/notesSlide20.xml><?xml version="1.0" encoding="utf-8"?>
+<p:notes xmlns:a="http://schemas.openxmlformats.org/drawingml/2006/main" xmlns:r="http://schemas.openxmlformats.org/officeDocument/2006/relationships" xmlns:mc="http://schemas.openxmlformats.org/markup-compatibility/2006" xmlns:mv="urn:schemas-microsoft-com:mac:vml" xmlns:p="http://schemas.openxmlformats.org/presentationml/2006/main" xmlns:c="http://schemas.openxmlformats.org/drawingml/2006/chart" xmlns:dgm="http://schemas.openxmlformats.org/drawingml/2006/diagram" xmlns:o="urn:schemas-microsoft-com:office:office" xmlns:v="urn:schemas-microsoft-com:vml" xmlns:pvml="urn:schemas-microsoft-com:office:powerpoint" xmlns:com="http://schemas.openxmlformats.org/drawingml/2006/compatibility" xmlns:p14="http://schemas.microsoft.com/office/powerpoint/2010/main" xmlns:p15="http://schemas.microsoft.com/office/powerpoint/2012/main" showMasterPhAnim="0" showMasterSp="0">
+  <p:cSld>
+    <p:spTree>
+      <p:nvGrpSpPr>
+        <p:cNvPr id="187" name="Shape 187"/>
+        <p:cNvGrpSpPr/>
+        <p:nvPr/>
+      </p:nvGrpSpPr>
+      <p:grpSpPr>
+        <a:xfrm>
+          <a:off x="0" y="0"/>
+          <a:ext cx="0" cy="0"/>
+          <a:chOff x="0" y="0"/>
+          <a:chExt cx="0" cy="0"/>
+        </a:xfrm>
+      </p:grpSpPr>
+      <p:sp>
+        <p:nvSpPr>
+          <p:cNvPr id="188" name="Google Shape;188;g5dd161bf4a_0_5:notes"/>
+          <p:cNvSpPr/>
+          <p:nvPr>
+            <p:ph idx="2" type="sldImg"/>
+          </p:nvPr>
+        </p:nvSpPr>
+        <p:spPr>
+          <a:xfrm>
+            <a:off x="381300" y="685800"/>
+            <a:ext cx="6096000" cy="3429000"/>
+          </a:xfrm>
+          <a:custGeom>
+            <a:rect b="b" l="l" r="r" t="t"/>
+            <a:pathLst>
+              <a:path extrusionOk="0" h="120000" w="120000">
+                <a:moveTo>
+                  <a:pt x="0" y="0"/>
+                </a:moveTo>
+                <a:lnTo>
+                  <a:pt x="120000" y="0"/>
+                </a:lnTo>
+                <a:lnTo>
+                  <a:pt x="120000" y="120000"/>
+                </a:lnTo>
+                <a:lnTo>
+                  <a:pt x="0" y="120000"/>
+                </a:lnTo>
+                <a:close/>
+              </a:path>
+            </a:pathLst>
+          </a:custGeom>
+        </p:spPr>
+      </p:sp>
+      <p:sp>
+        <p:nvSpPr>
+          <p:cNvPr id="189" name="Google Shape;189;g5dd161bf4a_0_5:notes"/>
+          <p:cNvSpPr txBox="1"/>
+          <p:nvPr>
+            <p:ph idx="1" type="body"/>
+          </p:nvPr>
+        </p:nvSpPr>
+        <p:spPr>
+          <a:xfrm>
+            <a:off x="685800" y="4343400"/>
+            <a:ext cx="5486400" cy="4114800"/>
+          </a:xfrm>
+          <a:prstGeom prst="rect">
+            <a:avLst/>
+          </a:prstGeom>
+        </p:spPr>
+        <p:txBody>
+          <a:bodyPr anchorCtr="0" anchor="t" bIns="91425" lIns="91425" spcFirstLastPara="1" rIns="91425" wrap="square" tIns="91425">
+            <a:noAutofit/>
+          </a:bodyPr>
+          <a:lstStyle/>
+          <a:p>
+            <a:pPr indent="0" lvl="0" marL="0" rtl="0" algn="l">
+              <a:spcBef>
+                <a:spcPts val="0"/>
+              </a:spcBef>
+              <a:spcAft>
+                <a:spcPts val="0"/>
+              </a:spcAft>
+              <a:buNone/>
+            </a:pPr>
+            <a:r>
+              <a:t/>
+            </a:r>
+            <a:endParaRPr/>
+          </a:p>
+        </p:txBody>
+      </p:sp>
+    </p:spTree>
+  </p:cSld>
+  <p:clrMapOvr>
+    <a:masterClrMapping/>
+  </p:clrMapOvr>
+</p:notes>
+</file>
+
 <file path=ppt/notesSlides/notesSlide3.xml><?xml version="1.0" encoding="utf-8"?>
 <p:notes xmlns:a="http://schemas.openxmlformats.org/drawingml/2006/main" xmlns:r="http://schemas.openxmlformats.org/officeDocument/2006/relationships" xmlns:mc="http://schemas.openxmlformats.org/markup-compatibility/2006" xmlns:mv="urn:schemas-microsoft-com:mac:vml" xmlns:p="http://schemas.openxmlformats.org/presentationml/2006/main" xmlns:c="http://schemas.openxmlformats.org/drawingml/2006/chart" xmlns:dgm="http://schemas.openxmlformats.org/drawingml/2006/diagram" xmlns:o="urn:schemas-microsoft-com:office:office" xmlns:v="urn:schemas-microsoft-com:vml" xmlns:pvml="urn:schemas-microsoft-com:office:powerpoint" xmlns:com="http://schemas.openxmlformats.org/drawingml/2006/compatibility" xmlns:p14="http://schemas.microsoft.com/office/powerpoint/2010/main" xmlns:p15="http://schemas.microsoft.com/office/powerpoint/2012/main" showMasterPhAnim="0" showMasterSp="0">
   <p:cSld>
@@ -2729,7 +3133,7 @@
       </p:grpSpPr>
       <p:sp>
         <p:nvSpPr>
-          <p:cNvPr id="115" name="Google Shape;115;g5dd161bf4a_3_29:notes"/>
+          <p:cNvPr id="115" name="Google Shape;115;g5ddab92e61_0_13:notes"/>
           <p:cNvSpPr/>
           <p:nvPr>
             <p:ph idx="2" type="sldImg"/>
@@ -2764,7 +3168,7 @@
       </p:sp>
       <p:sp>
         <p:nvSpPr>
-          <p:cNvPr id="116" name="Google Shape;116;g5dd161bf4a_3_29:notes"/>
+          <p:cNvPr id="116" name="Google Shape;116;g5ddab92e61_0_13:notes"/>
           <p:cNvSpPr txBox="1"/>
           <p:nvPr>
             <p:ph idx="1" type="body"/>
@@ -2785,365 +3189,19 @@
           </a:bodyPr>
           <a:lstStyle/>
           <a:p>
-            <a:pPr indent="0" lvl="0" marL="190500" marR="190500" rtl="0" algn="l">
-              <a:spcBef>
-                <a:spcPts val="1100"/>
-              </a:spcBef>
-              <a:spcAft>
-                <a:spcPts val="0"/>
-              </a:spcAft>
-              <a:buNone/>
-            </a:pPr>
-            <a:r>
-              <a:rPr b="1" lang="en" sz="1650"/>
-              <a:t>eScooter Pilot Impact to 2018 NiceRide Trips</a:t>
-            </a:r>
-            <a:endParaRPr b="1" sz="1650"/>
-          </a:p>
-          <a:p>
             <a:pPr indent="0" lvl="0" marL="0" rtl="0" algn="l">
-              <a:lnSpc>
-                <a:spcPct val="115000"/>
-              </a:lnSpc>
-              <a:spcBef>
-                <a:spcPts val="1100"/>
-              </a:spcBef>
-              <a:spcAft>
-                <a:spcPts val="0"/>
-              </a:spcAft>
-              <a:buNone/>
-            </a:pPr>
-            <a:r>
-              <a:rPr b="1" lang="en" sz="1050"/>
-              <a:t>Question:</a:t>
-            </a:r>
-            <a:r>
-              <a:rPr lang="en" sz="1050"/>
-              <a:t> In July of 2018, the city of Minneapolis piloted an eScooter program from August through November 2018. Did the introduction of this program have an impact on NiceRide ridership?</a:t>
-            </a:r>
-            <a:endParaRPr sz="1050"/>
-          </a:p>
-          <a:p>
-            <a:pPr indent="-295275" lvl="0" marL="457200" rtl="0" algn="l">
-              <a:lnSpc>
-                <a:spcPct val="115000"/>
-              </a:lnSpc>
-              <a:spcBef>
-                <a:spcPts val="1100"/>
-              </a:spcBef>
-              <a:spcAft>
-                <a:spcPts val="0"/>
-              </a:spcAft>
-              <a:buSzPts val="1050"/>
-              <a:buChar char="●"/>
-            </a:pPr>
-            <a:r>
-              <a:rPr lang="en" sz="1050"/>
-              <a:t>Sought two measures of ridership: Total rides and trip duration</a:t>
-            </a:r>
-            <a:endParaRPr sz="1050"/>
-          </a:p>
-          <a:p>
-            <a:pPr indent="-295275" lvl="1" marL="914400" rtl="0" algn="l">
-              <a:lnSpc>
-                <a:spcPct val="115000"/>
-              </a:lnSpc>
-              <a:spcBef>
-                <a:spcPts val="0"/>
-              </a:spcBef>
-              <a:spcAft>
-                <a:spcPts val="0"/>
-              </a:spcAft>
-              <a:buSzPts val="1050"/>
-              <a:buChar char="○"/>
-            </a:pPr>
-            <a:r>
-              <a:rPr lang="en" sz="1050"/>
-              <a:t>Total rides is an indicator for demand for NiceRide bikes</a:t>
-            </a:r>
-            <a:endParaRPr sz="1050"/>
-          </a:p>
-          <a:p>
-            <a:pPr indent="-295275" lvl="1" marL="914400" rtl="0" algn="l">
-              <a:lnSpc>
-                <a:spcPct val="115000"/>
-              </a:lnSpc>
-              <a:spcBef>
-                <a:spcPts val="0"/>
-              </a:spcBef>
-              <a:spcAft>
-                <a:spcPts val="0"/>
-              </a:spcAft>
-              <a:buSzPts val="1050"/>
-              <a:buChar char="○"/>
-            </a:pPr>
-            <a:r>
-              <a:rPr lang="en" sz="1050"/>
-              <a:t>Due to the fee structure, longer rides will cost a user more potentially providing extra revenue to the organizations.</a:t>
-            </a:r>
-            <a:endParaRPr sz="1050"/>
-          </a:p>
-          <a:p>
-            <a:pPr indent="-295275" lvl="0" marL="457200" rtl="0" algn="l">
-              <a:lnSpc>
-                <a:spcPct val="115000"/>
-              </a:lnSpc>
-              <a:spcBef>
-                <a:spcPts val="0"/>
-              </a:spcBef>
-              <a:spcAft>
-                <a:spcPts val="0"/>
-              </a:spcAft>
-              <a:buSzPts val="1050"/>
-              <a:buChar char="●"/>
-            </a:pPr>
-            <a:r>
-              <a:rPr lang="en" sz="1050"/>
-              <a:t>Compared two 2018 time periods: April through July and August through November.</a:t>
-            </a:r>
-            <a:endParaRPr sz="1050"/>
-          </a:p>
-          <a:p>
-            <a:pPr indent="-295275" lvl="0" marL="457200" rtl="0" algn="l">
-              <a:lnSpc>
-                <a:spcPct val="115000"/>
-              </a:lnSpc>
-              <a:spcBef>
-                <a:spcPts val="0"/>
-              </a:spcBef>
-              <a:spcAft>
-                <a:spcPts val="0"/>
-              </a:spcAft>
-              <a:buSzPts val="1050"/>
-              <a:buChar char="●"/>
-            </a:pPr>
-            <a:r>
-              <a:rPr lang="en" sz="1050"/>
-              <a:t>Conducted t-test for each ridership measure.</a:t>
-            </a:r>
-            <a:endParaRPr sz="1050"/>
-          </a:p>
-          <a:p>
-            <a:pPr indent="-295275" lvl="0" marL="457200" rtl="0" algn="l">
-              <a:lnSpc>
-                <a:spcPct val="115000"/>
-              </a:lnSpc>
-              <a:spcBef>
-                <a:spcPts val="0"/>
-              </a:spcBef>
-              <a:spcAft>
-                <a:spcPts val="0"/>
-              </a:spcAft>
-              <a:buSzPts val="1050"/>
-              <a:buChar char="●"/>
-            </a:pPr>
-            <a:r>
-              <a:rPr lang="en" sz="1050"/>
-              <a:t>Comparing number of rides across the two time periods yielded a </a:t>
-            </a:r>
-            <a:r>
-              <a:rPr b="1" lang="en" sz="1050"/>
-              <a:t>pvalue=0.3812340689599901</a:t>
-            </a:r>
-            <a:endParaRPr b="1" sz="1050"/>
-          </a:p>
-          <a:p>
-            <a:pPr indent="-295275" lvl="1" marL="914400" rtl="0" algn="l">
-              <a:lnSpc>
-                <a:spcPct val="115000"/>
-              </a:lnSpc>
-              <a:spcBef>
-                <a:spcPts val="0"/>
-              </a:spcBef>
-              <a:spcAft>
-                <a:spcPts val="0"/>
-              </a:spcAft>
-              <a:buSzPts val="1050"/>
-              <a:buChar char="○"/>
-            </a:pPr>
-            <a:r>
-              <a:rPr lang="en" sz="1050"/>
-              <a:t>By this measure, there is not a significant difference in the average number of rides before and after the </a:t>
-            </a:r>
-            <a:r>
-              <a:rPr lang="en" sz="1050"/>
-              <a:t>introduction</a:t>
-            </a:r>
-            <a:r>
-              <a:rPr lang="en" sz="1050"/>
-              <a:t> of eScooters.</a:t>
-            </a:r>
-            <a:endParaRPr sz="1050"/>
-          </a:p>
-          <a:p>
-            <a:pPr indent="-295275" lvl="1" marL="914400" rtl="0" algn="l">
-              <a:lnSpc>
-                <a:spcPct val="115000"/>
-              </a:lnSpc>
-              <a:spcBef>
-                <a:spcPts val="0"/>
-              </a:spcBef>
-              <a:spcAft>
-                <a:spcPts val="0"/>
-              </a:spcAft>
-              <a:buSzPts val="1050"/>
-              <a:buChar char="○"/>
-            </a:pPr>
-            <a:r>
-              <a:rPr lang="en" sz="1050"/>
-              <a:t>This test may be limited in the number of data points since there were only 8 months of ride totals to compare.</a:t>
-            </a:r>
-            <a:endParaRPr sz="1050"/>
-          </a:p>
-          <a:p>
-            <a:pPr indent="-295275" lvl="1" marL="914400" rtl="0" algn="l">
-              <a:lnSpc>
-                <a:spcPct val="115000"/>
-              </a:lnSpc>
-              <a:spcBef>
-                <a:spcPts val="0"/>
-              </a:spcBef>
-              <a:spcAft>
-                <a:spcPts val="0"/>
-              </a:spcAft>
-              <a:buSzPts val="1050"/>
-              <a:buChar char="○"/>
-            </a:pPr>
-            <a:r>
-              <a:rPr lang="en" sz="1050"/>
-              <a:t>Further analysis and </a:t>
-            </a:r>
-            <a:r>
-              <a:rPr lang="en" sz="1050"/>
-              <a:t>comparison</a:t>
-            </a:r>
-            <a:r>
-              <a:rPr lang="en" sz="1050"/>
-              <a:t> to previous years is needed to make a more definitive conclusion by this measure.</a:t>
-            </a:r>
-            <a:endParaRPr sz="1050"/>
-          </a:p>
-          <a:p>
-            <a:pPr indent="-295275" lvl="0" marL="457200" rtl="0" algn="l">
-              <a:lnSpc>
-                <a:spcPct val="115000"/>
-              </a:lnSpc>
-              <a:spcBef>
-                <a:spcPts val="0"/>
-              </a:spcBef>
-              <a:spcAft>
-                <a:spcPts val="0"/>
-              </a:spcAft>
-              <a:buSzPts val="1050"/>
-              <a:buChar char="●"/>
-            </a:pPr>
-            <a:r>
-              <a:rPr lang="en" sz="1050"/>
-              <a:t>Comparing</a:t>
-            </a:r>
-            <a:r>
-              <a:rPr lang="en" sz="1050"/>
-              <a:t> trip duration across the two time periods yielded a </a:t>
-            </a:r>
-            <a:r>
-              <a:rPr b="1" lang="en" sz="1050"/>
-              <a:t>pvalue=0.05364066980903367</a:t>
-            </a:r>
-            <a:endParaRPr b="1" sz="1050"/>
-          </a:p>
-          <a:p>
-            <a:pPr indent="-295275" lvl="1" marL="914400" rtl="0" algn="l">
-              <a:lnSpc>
-                <a:spcPct val="115000"/>
-              </a:lnSpc>
-              <a:spcBef>
-                <a:spcPts val="0"/>
-              </a:spcBef>
-              <a:spcAft>
-                <a:spcPts val="0"/>
-              </a:spcAft>
-              <a:buSzPts val="1050"/>
-              <a:buChar char="○"/>
-            </a:pPr>
-            <a:r>
-              <a:rPr lang="en" sz="1050"/>
-              <a:t>Here we see a statically significant difference in the average trip duration before and after the introduction of eScooters.</a:t>
-            </a:r>
-            <a:endParaRPr sz="1050"/>
-          </a:p>
-          <a:p>
-            <a:pPr indent="-295275" lvl="1" marL="914400" rtl="0" algn="l">
-              <a:lnSpc>
-                <a:spcPct val="115000"/>
-              </a:lnSpc>
-              <a:spcBef>
-                <a:spcPts val="0"/>
-              </a:spcBef>
-              <a:spcAft>
-                <a:spcPts val="0"/>
-              </a:spcAft>
-              <a:buSzPts val="1050"/>
-              <a:buChar char="○"/>
-            </a:pPr>
-            <a:r>
-              <a:rPr lang="en" sz="1050"/>
-              <a:t>This difference could be attributed to other factors like weather or changing construction projects and would need to be used in conjunction with other measures to come to a more definitive conclusion.</a:t>
-            </a:r>
-            <a:endParaRPr sz="1050"/>
-          </a:p>
-          <a:p>
-            <a:pPr indent="-295275" lvl="0" marL="457200" rtl="0" algn="l">
-              <a:lnSpc>
-                <a:spcPct val="115000"/>
-              </a:lnSpc>
-              <a:spcBef>
-                <a:spcPts val="0"/>
-              </a:spcBef>
-              <a:spcAft>
-                <a:spcPts val="0"/>
-              </a:spcAft>
-              <a:buSzPts val="1050"/>
-              <a:buChar char="●"/>
-            </a:pPr>
-            <a:r>
-              <a:rPr lang="en" sz="1050"/>
-              <a:t>While we cannot </a:t>
-            </a:r>
-            <a:r>
-              <a:rPr lang="en" sz="1050"/>
-              <a:t>definitively</a:t>
-            </a:r>
-            <a:r>
-              <a:rPr lang="en" sz="1050"/>
-              <a:t> say from these calculations along the eScooters impacte to NiceRide ridership, it may be part of the </a:t>
-            </a:r>
-            <a:r>
-              <a:rPr lang="en" sz="1050"/>
-              <a:t>explanation</a:t>
-            </a:r>
-            <a:r>
-              <a:rPr lang="en" sz="1050"/>
-              <a:t> as to why there was a 15% decline in ridership from 2017 to 2018.</a:t>
-            </a:r>
-            <a:endParaRPr sz="1050"/>
-          </a:p>
-          <a:p>
-            <a:pPr indent="0" lvl="0" marL="457200" rtl="0" algn="l">
-              <a:lnSpc>
-                <a:spcPct val="115000"/>
-              </a:lnSpc>
-              <a:spcBef>
-                <a:spcPts val="1100"/>
-              </a:spcBef>
-              <a:spcAft>
-                <a:spcPts val="700"/>
+              <a:spcBef>
+                <a:spcPts val="0"/>
+              </a:spcBef>
+              <a:spcAft>
+                <a:spcPts val="0"/>
               </a:spcAft>
               <a:buNone/>
             </a:pPr>
             <a:r>
               <a:t/>
             </a:r>
-            <a:endParaRPr sz="1050"/>
+            <a:endParaRPr/>
           </a:p>
         </p:txBody>
       </p:sp>
@@ -9368,7 +9426,7 @@
   <p:cSld>
     <p:spTree>
       <p:nvGrpSpPr>
-        <p:cNvPr id="125" name="Shape 125"/>
+        <p:cNvPr id="123" name="Shape 123"/>
         <p:cNvGrpSpPr/>
         <p:nvPr/>
       </p:nvGrpSpPr>
@@ -9382,7 +9440,7 @@
       </p:grpSpPr>
       <p:sp>
         <p:nvSpPr>
-          <p:cNvPr id="126" name="Google Shape;126;p22"/>
+          <p:cNvPr id="124" name="Google Shape;124;p22"/>
           <p:cNvSpPr txBox="1"/>
           <p:nvPr>
             <p:ph type="title"/>
@@ -9414,15 +9472,214 @@
             </a:pPr>
             <a:r>
               <a:rPr lang="en" sz="2400"/>
-              <a:t>2018 eScooter Pilot (Aug - Nov)  - Trip Duration</a:t>
-            </a:r>
-            <a:endParaRPr/>
+              <a:t>2018 eScooter Pilot Impact to Ride Totals? </a:t>
+            </a:r>
+            <a:endParaRPr sz="2400"/>
+          </a:p>
+        </p:txBody>
+      </p:sp>
+      <p:sp>
+        <p:nvSpPr>
+          <p:cNvPr id="125" name="Google Shape;125;p22"/>
+          <p:cNvSpPr txBox="1"/>
+          <p:nvPr/>
+        </p:nvSpPr>
+        <p:spPr>
+          <a:xfrm>
+            <a:off x="1717800" y="816638"/>
+            <a:ext cx="5587500" cy="347400"/>
+          </a:xfrm>
+          <a:prstGeom prst="rect">
+            <a:avLst/>
+          </a:prstGeom>
+          <a:noFill/>
+          <a:ln>
+            <a:noFill/>
+          </a:ln>
+        </p:spPr>
+        <p:txBody>
+          <a:bodyPr anchorCtr="0" anchor="t" bIns="91425" lIns="91425" spcFirstLastPara="1" rIns="91425" wrap="square" tIns="91425">
+            <a:noAutofit/>
+          </a:bodyPr>
+          <a:lstStyle/>
+          <a:p>
+            <a:pPr indent="0" lvl="0" marL="0" rtl="0" algn="l">
+              <a:spcBef>
+                <a:spcPts val="0"/>
+              </a:spcBef>
+              <a:spcAft>
+                <a:spcPts val="0"/>
+              </a:spcAft>
+              <a:buNone/>
+            </a:pPr>
+            <a:r>
+              <a:t/>
+            </a:r>
+            <a:endParaRPr b="1" sz="1800">
+              <a:solidFill>
+                <a:srgbClr val="666666"/>
+              </a:solidFill>
+              <a:latin typeface="Roboto"/>
+              <a:ea typeface="Roboto"/>
+              <a:cs typeface="Roboto"/>
+              <a:sym typeface="Roboto"/>
+            </a:endParaRPr>
           </a:p>
         </p:txBody>
       </p:sp>
       <p:pic>
         <p:nvPicPr>
+          <p:cNvPr id="126" name="Google Shape;126;p22"/>
+          <p:cNvPicPr preferRelativeResize="0"/>
+          <p:nvPr/>
+        </p:nvPicPr>
+        <p:blipFill rotWithShape="1">
+          <a:blip r:embed="rId3">
+            <a:alphaModFix/>
+          </a:blip>
+          <a:srcRect b="0" l="0" r="0" t="0"/>
+          <a:stretch/>
+        </p:blipFill>
+        <p:spPr>
+          <a:xfrm>
+            <a:off x="4571991" y="1280750"/>
+            <a:ext cx="3891097" cy="2699350"/>
+          </a:xfrm>
+          <a:prstGeom prst="rect">
+            <a:avLst/>
+          </a:prstGeom>
+          <a:noFill/>
+          <a:ln>
+            <a:noFill/>
+          </a:ln>
+        </p:spPr>
+      </p:pic>
+      <p:pic>
+        <p:nvPicPr>
           <p:cNvPr id="127" name="Google Shape;127;p22"/>
+          <p:cNvPicPr preferRelativeResize="0"/>
+          <p:nvPr/>
+        </p:nvPicPr>
+        <p:blipFill>
+          <a:blip r:embed="rId4">
+            <a:alphaModFix/>
+          </a:blip>
+          <a:stretch>
+            <a:fillRect/>
+          </a:stretch>
+        </p:blipFill>
+        <p:spPr>
+          <a:xfrm>
+            <a:off x="680912" y="1280750"/>
+            <a:ext cx="3891097" cy="2699344"/>
+          </a:xfrm>
+          <a:prstGeom prst="rect">
+            <a:avLst/>
+          </a:prstGeom>
+          <a:noFill/>
+          <a:ln>
+            <a:noFill/>
+          </a:ln>
+        </p:spPr>
+      </p:pic>
+    </p:spTree>
+  </p:cSld>
+  <p:clrMapOvr>
+    <a:masterClrMapping/>
+  </p:clrMapOvr>
+</p:sld>
+</file>
+
+<file path=ppt/slides/slide11.xml><?xml version="1.0" encoding="utf-8"?>
+<p:sld xmlns:a="http://schemas.openxmlformats.org/drawingml/2006/main" xmlns:r="http://schemas.openxmlformats.org/officeDocument/2006/relationships" xmlns:mc="http://schemas.openxmlformats.org/markup-compatibility/2006" xmlns:mv="urn:schemas-microsoft-com:mac:vml" xmlns:p="http://schemas.openxmlformats.org/presentationml/2006/main" xmlns:c="http://schemas.openxmlformats.org/drawingml/2006/chart" xmlns:dgm="http://schemas.openxmlformats.org/drawingml/2006/diagram" xmlns:o="urn:schemas-microsoft-com:office:office" xmlns:v="urn:schemas-microsoft-com:vml" xmlns:pvml="urn:schemas-microsoft-com:office:powerpoint" xmlns:com="http://schemas.openxmlformats.org/drawingml/2006/compatibility" xmlns:p14="http://schemas.microsoft.com/office/powerpoint/2010/main" xmlns:p15="http://schemas.microsoft.com/office/powerpoint/2012/main">
+  <p:cSld>
+    <p:spTree>
+      <p:nvGrpSpPr>
+        <p:cNvPr id="131" name="Shape 131"/>
+        <p:cNvGrpSpPr/>
+        <p:nvPr/>
+      </p:nvGrpSpPr>
+      <p:grpSpPr>
+        <a:xfrm>
+          <a:off x="0" y="0"/>
+          <a:ext cx="0" cy="0"/>
+          <a:chOff x="0" y="0"/>
+          <a:chExt cx="0" cy="0"/>
+        </a:xfrm>
+      </p:grpSpPr>
+      <p:sp>
+        <p:nvSpPr>
+          <p:cNvPr id="132" name="Google Shape;132;p23"/>
+          <p:cNvSpPr txBox="1"/>
+          <p:nvPr>
+            <p:ph type="title"/>
+          </p:nvPr>
+        </p:nvSpPr>
+        <p:spPr>
+          <a:xfrm>
+            <a:off x="98250" y="16350"/>
+            <a:ext cx="8826600" cy="602700"/>
+          </a:xfrm>
+          <a:prstGeom prst="rect">
+            <a:avLst/>
+          </a:prstGeom>
+        </p:spPr>
+        <p:txBody>
+          <a:bodyPr anchorCtr="0" anchor="ctr" bIns="91425" lIns="91425" spcFirstLastPara="1" rIns="91425" wrap="square" tIns="91425">
+            <a:noAutofit/>
+          </a:bodyPr>
+          <a:lstStyle/>
+          <a:p>
+            <a:pPr indent="0" lvl="0" marL="0" rtl="0" algn="ctr">
+              <a:spcBef>
+                <a:spcPts val="0"/>
+              </a:spcBef>
+              <a:spcAft>
+                <a:spcPts val="0"/>
+              </a:spcAft>
+              <a:buNone/>
+            </a:pPr>
+            <a:r>
+              <a:t/>
+            </a:r>
+            <a:endParaRPr sz="2400"/>
+          </a:p>
+          <a:p>
+            <a:pPr indent="0" lvl="0" marL="0" rtl="0" algn="ctr">
+              <a:spcBef>
+                <a:spcPts val="0"/>
+              </a:spcBef>
+              <a:spcAft>
+                <a:spcPts val="0"/>
+              </a:spcAft>
+              <a:buNone/>
+            </a:pPr>
+            <a:r>
+              <a:rPr lang="en" sz="2400"/>
+              <a:t>2018 eScooter Pilot Impact to Ride Totals? </a:t>
+            </a:r>
+            <a:endParaRPr sz="2400"/>
+          </a:p>
+          <a:p>
+            <a:pPr indent="0" lvl="0" marL="0" rtl="0" algn="l">
+              <a:spcBef>
+                <a:spcPts val="0"/>
+              </a:spcBef>
+              <a:spcAft>
+                <a:spcPts val="0"/>
+              </a:spcAft>
+              <a:buNone/>
+            </a:pPr>
+            <a:r>
+              <a:t/>
+            </a:r>
+            <a:endParaRPr/>
+          </a:p>
+        </p:txBody>
+      </p:sp>
+      <p:pic>
+        <p:nvPicPr>
+          <p:cNvPr id="133" name="Google Shape;133;p23"/>
           <p:cNvPicPr preferRelativeResize="0"/>
           <p:nvPr/>
         </p:nvPicPr>
@@ -9436,8 +9693,8 @@
         </p:blipFill>
         <p:spPr>
           <a:xfrm>
-            <a:off x="315700" y="804100"/>
-            <a:ext cx="3947975" cy="2532675"/>
+            <a:off x="2055968" y="1278800"/>
+            <a:ext cx="4911175" cy="3211150"/>
           </a:xfrm>
           <a:prstGeom prst="rect">
             <a:avLst/>
@@ -9448,14 +9705,477 @@
           </a:ln>
         </p:spPr>
       </p:pic>
+    </p:spTree>
+  </p:cSld>
+  <p:clrMapOvr>
+    <a:masterClrMapping/>
+  </p:clrMapOvr>
+</p:sld>
+</file>
+
+<file path=ppt/slides/slide12.xml><?xml version="1.0" encoding="utf-8"?>
+<p:sld xmlns:a="http://schemas.openxmlformats.org/drawingml/2006/main" xmlns:r="http://schemas.openxmlformats.org/officeDocument/2006/relationships" xmlns:mc="http://schemas.openxmlformats.org/markup-compatibility/2006" xmlns:mv="urn:schemas-microsoft-com:mac:vml" xmlns:p="http://schemas.openxmlformats.org/presentationml/2006/main" xmlns:c="http://schemas.openxmlformats.org/drawingml/2006/chart" xmlns:dgm="http://schemas.openxmlformats.org/drawingml/2006/diagram" xmlns:o="urn:schemas-microsoft-com:office:office" xmlns:v="urn:schemas-microsoft-com:vml" xmlns:pvml="urn:schemas-microsoft-com:office:powerpoint" xmlns:com="http://schemas.openxmlformats.org/drawingml/2006/compatibility" xmlns:p14="http://schemas.microsoft.com/office/powerpoint/2010/main" xmlns:p15="http://schemas.microsoft.com/office/powerpoint/2012/main">
+  <p:cSld>
+    <p:spTree>
+      <p:nvGrpSpPr>
+        <p:cNvPr id="137" name="Shape 137"/>
+        <p:cNvGrpSpPr/>
+        <p:nvPr/>
+      </p:nvGrpSpPr>
+      <p:grpSpPr>
+        <a:xfrm>
+          <a:off x="0" y="0"/>
+          <a:ext cx="0" cy="0"/>
+          <a:chOff x="0" y="0"/>
+          <a:chExt cx="0" cy="0"/>
+        </a:xfrm>
+      </p:grpSpPr>
+      <p:sp>
+        <p:nvSpPr>
+          <p:cNvPr id="138" name="Google Shape;138;p24"/>
+          <p:cNvSpPr txBox="1"/>
+          <p:nvPr>
+            <p:ph type="title"/>
+          </p:nvPr>
+        </p:nvSpPr>
+        <p:spPr>
+          <a:xfrm>
+            <a:off x="98250" y="16350"/>
+            <a:ext cx="8826600" cy="602700"/>
+          </a:xfrm>
+          <a:prstGeom prst="rect">
+            <a:avLst/>
+          </a:prstGeom>
+        </p:spPr>
+        <p:txBody>
+          <a:bodyPr anchorCtr="0" anchor="ctr" bIns="91425" lIns="91425" spcFirstLastPara="1" rIns="91425" wrap="square" tIns="91425">
+            <a:noAutofit/>
+          </a:bodyPr>
+          <a:lstStyle/>
+          <a:p>
+            <a:pPr indent="0" lvl="0" marL="0" rtl="0" algn="ctr">
+              <a:spcBef>
+                <a:spcPts val="0"/>
+              </a:spcBef>
+              <a:spcAft>
+                <a:spcPts val="0"/>
+              </a:spcAft>
+              <a:buNone/>
+            </a:pPr>
+            <a:r>
+              <a:t/>
+            </a:r>
+            <a:endParaRPr sz="2400"/>
+          </a:p>
+          <a:p>
+            <a:pPr indent="0" lvl="0" marL="0" rtl="0" algn="ctr">
+              <a:spcBef>
+                <a:spcPts val="0"/>
+              </a:spcBef>
+              <a:spcAft>
+                <a:spcPts val="0"/>
+              </a:spcAft>
+              <a:buNone/>
+            </a:pPr>
+            <a:r>
+              <a:rPr lang="en" sz="2400"/>
+              <a:t>2018 eScooter Pilot Impact to Trip Duration? </a:t>
+            </a:r>
+            <a:endParaRPr sz="2400"/>
+          </a:p>
+          <a:p>
+            <a:pPr indent="0" lvl="0" marL="0" rtl="0" algn="l">
+              <a:spcBef>
+                <a:spcPts val="0"/>
+              </a:spcBef>
+              <a:spcAft>
+                <a:spcPts val="0"/>
+              </a:spcAft>
+              <a:buNone/>
+            </a:pPr>
+            <a:r>
+              <a:t/>
+            </a:r>
+            <a:endParaRPr/>
+          </a:p>
+        </p:txBody>
+      </p:sp>
+      <p:sp>
+        <p:nvSpPr>
+          <p:cNvPr id="139" name="Google Shape;139;p24"/>
+          <p:cNvSpPr txBox="1"/>
+          <p:nvPr/>
+        </p:nvSpPr>
+        <p:spPr>
+          <a:xfrm>
+            <a:off x="473150" y="956450"/>
+            <a:ext cx="8180700" cy="3739500"/>
+          </a:xfrm>
+          <a:prstGeom prst="rect">
+            <a:avLst/>
+          </a:prstGeom>
+          <a:noFill/>
+          <a:ln>
+            <a:noFill/>
+          </a:ln>
+        </p:spPr>
+        <p:txBody>
+          <a:bodyPr anchorCtr="0" anchor="t" bIns="91425" lIns="91425" spcFirstLastPara="1" rIns="91425" wrap="square" tIns="91425">
+            <a:noAutofit/>
+          </a:bodyPr>
+          <a:lstStyle/>
+          <a:p>
+            <a:pPr indent="-342900" lvl="0" marL="457200" rtl="0" algn="l">
+              <a:spcBef>
+                <a:spcPts val="0"/>
+              </a:spcBef>
+              <a:spcAft>
+                <a:spcPts val="0"/>
+              </a:spcAft>
+              <a:buClr>
+                <a:srgbClr val="666666"/>
+              </a:buClr>
+              <a:buSzPts val="1800"/>
+              <a:buFont typeface="Roboto"/>
+              <a:buChar char="●"/>
+            </a:pPr>
+            <a:r>
+              <a:rPr b="1" lang="en" sz="1800">
+                <a:solidFill>
+                  <a:srgbClr val="666666"/>
+                </a:solidFill>
+                <a:latin typeface="Roboto"/>
+                <a:ea typeface="Roboto"/>
+                <a:cs typeface="Roboto"/>
+                <a:sym typeface="Roboto"/>
+              </a:rPr>
+              <a:t>Compared monthly median trip duration .</a:t>
+            </a:r>
+            <a:endParaRPr b="1" sz="1800">
+              <a:solidFill>
+                <a:srgbClr val="666666"/>
+              </a:solidFill>
+              <a:latin typeface="Roboto"/>
+              <a:ea typeface="Roboto"/>
+              <a:cs typeface="Roboto"/>
+              <a:sym typeface="Roboto"/>
+            </a:endParaRPr>
+          </a:p>
+          <a:p>
+            <a:pPr indent="0" lvl="0" marL="0" rtl="0" algn="l">
+              <a:spcBef>
+                <a:spcPts val="0"/>
+              </a:spcBef>
+              <a:spcAft>
+                <a:spcPts val="0"/>
+              </a:spcAft>
+              <a:buNone/>
+            </a:pPr>
+            <a:r>
+              <a:t/>
+            </a:r>
+            <a:endParaRPr b="1" sz="1800">
+              <a:solidFill>
+                <a:srgbClr val="666666"/>
+              </a:solidFill>
+              <a:latin typeface="Roboto"/>
+              <a:ea typeface="Roboto"/>
+              <a:cs typeface="Roboto"/>
+              <a:sym typeface="Roboto"/>
+            </a:endParaRPr>
+          </a:p>
+          <a:p>
+            <a:pPr indent="-342900" lvl="0" marL="457200" rtl="0" algn="l">
+              <a:spcBef>
+                <a:spcPts val="0"/>
+              </a:spcBef>
+              <a:spcAft>
+                <a:spcPts val="0"/>
+              </a:spcAft>
+              <a:buClr>
+                <a:srgbClr val="666666"/>
+              </a:buClr>
+              <a:buSzPts val="1800"/>
+              <a:buFont typeface="Roboto"/>
+              <a:buChar char="●"/>
+            </a:pPr>
+            <a:r>
+              <a:rPr b="1" lang="en" sz="1800">
+                <a:solidFill>
+                  <a:srgbClr val="666666"/>
+                </a:solidFill>
+                <a:latin typeface="Roboto"/>
+                <a:ea typeface="Roboto"/>
+                <a:cs typeface="Roboto"/>
+                <a:sym typeface="Roboto"/>
+              </a:rPr>
+              <a:t>2018 median ride duration was higher than 207</a:t>
+            </a:r>
+            <a:endParaRPr b="1" sz="1800">
+              <a:solidFill>
+                <a:srgbClr val="666666"/>
+              </a:solidFill>
+              <a:latin typeface="Roboto"/>
+              <a:ea typeface="Roboto"/>
+              <a:cs typeface="Roboto"/>
+              <a:sym typeface="Roboto"/>
+            </a:endParaRPr>
+          </a:p>
+          <a:p>
+            <a:pPr indent="0" lvl="0" marL="457200" rtl="0" algn="l">
+              <a:spcBef>
+                <a:spcPts val="0"/>
+              </a:spcBef>
+              <a:spcAft>
+                <a:spcPts val="0"/>
+              </a:spcAft>
+              <a:buNone/>
+            </a:pPr>
+            <a:r>
+              <a:t/>
+            </a:r>
+            <a:endParaRPr b="1" sz="1800">
+              <a:solidFill>
+                <a:srgbClr val="666666"/>
+              </a:solidFill>
+              <a:latin typeface="Roboto"/>
+              <a:ea typeface="Roboto"/>
+              <a:cs typeface="Roboto"/>
+              <a:sym typeface="Roboto"/>
+            </a:endParaRPr>
+          </a:p>
+          <a:p>
+            <a:pPr indent="-342900" lvl="0" marL="457200" rtl="0" algn="l">
+              <a:spcBef>
+                <a:spcPts val="0"/>
+              </a:spcBef>
+              <a:spcAft>
+                <a:spcPts val="0"/>
+              </a:spcAft>
+              <a:buClr>
+                <a:srgbClr val="666666"/>
+              </a:buClr>
+              <a:buSzPts val="1800"/>
+              <a:buFont typeface="Roboto"/>
+              <a:buChar char="●"/>
+            </a:pPr>
+            <a:r>
+              <a:rPr b="1" lang="en" sz="1800">
+                <a:solidFill>
+                  <a:srgbClr val="666666"/>
+                </a:solidFill>
+                <a:latin typeface="Roboto"/>
+                <a:ea typeface="Roboto"/>
+                <a:cs typeface="Roboto"/>
+                <a:sym typeface="Roboto"/>
+              </a:rPr>
+              <a:t>Data was not normally distributed even after removing outliers. </a:t>
+            </a:r>
+            <a:endParaRPr b="1" sz="1800">
+              <a:solidFill>
+                <a:srgbClr val="666666"/>
+              </a:solidFill>
+              <a:latin typeface="Roboto"/>
+              <a:ea typeface="Roboto"/>
+              <a:cs typeface="Roboto"/>
+              <a:sym typeface="Roboto"/>
+            </a:endParaRPr>
+          </a:p>
+          <a:p>
+            <a:pPr indent="0" lvl="0" marL="0" rtl="0" algn="l">
+              <a:spcBef>
+                <a:spcPts val="0"/>
+              </a:spcBef>
+              <a:spcAft>
+                <a:spcPts val="0"/>
+              </a:spcAft>
+              <a:buNone/>
+            </a:pPr>
+            <a:r>
+              <a:t/>
+            </a:r>
+            <a:endParaRPr b="1" sz="1800">
+              <a:solidFill>
+                <a:srgbClr val="666666"/>
+              </a:solidFill>
+              <a:latin typeface="Roboto"/>
+              <a:ea typeface="Roboto"/>
+              <a:cs typeface="Roboto"/>
+              <a:sym typeface="Roboto"/>
+            </a:endParaRPr>
+          </a:p>
+          <a:p>
+            <a:pPr indent="-342900" lvl="0" marL="457200" rtl="0" algn="l">
+              <a:spcBef>
+                <a:spcPts val="0"/>
+              </a:spcBef>
+              <a:spcAft>
+                <a:spcPts val="0"/>
+              </a:spcAft>
+              <a:buClr>
+                <a:srgbClr val="666666"/>
+              </a:buClr>
+              <a:buSzPts val="1800"/>
+              <a:buFont typeface="Roboto"/>
+              <a:buChar char="●"/>
+            </a:pPr>
+            <a:r>
+              <a:rPr b="1" lang="en" sz="1800">
+                <a:solidFill>
+                  <a:srgbClr val="666666"/>
+                </a:solidFill>
+                <a:latin typeface="Roboto"/>
+                <a:ea typeface="Roboto"/>
+                <a:cs typeface="Roboto"/>
+                <a:sym typeface="Roboto"/>
+              </a:rPr>
+              <a:t>Indendepend t-test is not valid in this case due to </a:t>
+            </a:r>
+            <a:endParaRPr b="1" sz="1800">
+              <a:solidFill>
+                <a:srgbClr val="666666"/>
+              </a:solidFill>
+              <a:latin typeface="Roboto"/>
+              <a:ea typeface="Roboto"/>
+              <a:cs typeface="Roboto"/>
+              <a:sym typeface="Roboto"/>
+            </a:endParaRPr>
+          </a:p>
+          <a:p>
+            <a:pPr indent="0" lvl="0" marL="0" rtl="0" algn="l">
+              <a:spcBef>
+                <a:spcPts val="0"/>
+              </a:spcBef>
+              <a:spcAft>
+                <a:spcPts val="0"/>
+              </a:spcAft>
+              <a:buNone/>
+            </a:pPr>
+            <a:r>
+              <a:t/>
+            </a:r>
+            <a:endParaRPr b="1" sz="1800">
+              <a:solidFill>
+                <a:srgbClr val="666666"/>
+              </a:solidFill>
+              <a:latin typeface="Roboto"/>
+              <a:ea typeface="Roboto"/>
+              <a:cs typeface="Roboto"/>
+              <a:sym typeface="Roboto"/>
+            </a:endParaRPr>
+          </a:p>
+          <a:p>
+            <a:pPr indent="-342900" lvl="0" marL="457200" rtl="0" algn="l">
+              <a:spcBef>
+                <a:spcPts val="0"/>
+              </a:spcBef>
+              <a:spcAft>
+                <a:spcPts val="0"/>
+              </a:spcAft>
+              <a:buClr>
+                <a:srgbClr val="666666"/>
+              </a:buClr>
+              <a:buSzPts val="1800"/>
+              <a:buFont typeface="Roboto"/>
+              <a:buChar char="●"/>
+            </a:pPr>
+            <a:r>
+              <a:rPr b="1" lang="en" sz="1800">
+                <a:solidFill>
+                  <a:srgbClr val="666666"/>
+                </a:solidFill>
+                <a:latin typeface="Roboto"/>
+                <a:ea typeface="Roboto"/>
+                <a:cs typeface="Roboto"/>
+                <a:sym typeface="Roboto"/>
+              </a:rPr>
+              <a:t>Cannot make conclusion as to statistically significant differences between 2017 and 2018. </a:t>
+            </a:r>
+            <a:endParaRPr b="1" sz="1800">
+              <a:solidFill>
+                <a:srgbClr val="666666"/>
+              </a:solidFill>
+              <a:latin typeface="Roboto"/>
+              <a:ea typeface="Roboto"/>
+              <a:cs typeface="Roboto"/>
+              <a:sym typeface="Roboto"/>
+            </a:endParaRPr>
+          </a:p>
+        </p:txBody>
+      </p:sp>
+    </p:spTree>
+  </p:cSld>
+  <p:clrMapOvr>
+    <a:masterClrMapping/>
+  </p:clrMapOvr>
+</p:sld>
+</file>
+
+<file path=ppt/slides/slide13.xml><?xml version="1.0" encoding="utf-8"?>
+<p:sld xmlns:a="http://schemas.openxmlformats.org/drawingml/2006/main" xmlns:r="http://schemas.openxmlformats.org/officeDocument/2006/relationships" xmlns:mc="http://schemas.openxmlformats.org/markup-compatibility/2006" xmlns:mv="urn:schemas-microsoft-com:mac:vml" xmlns:p="http://schemas.openxmlformats.org/presentationml/2006/main" xmlns:c="http://schemas.openxmlformats.org/drawingml/2006/chart" xmlns:dgm="http://schemas.openxmlformats.org/drawingml/2006/diagram" xmlns:o="urn:schemas-microsoft-com:office:office" xmlns:v="urn:schemas-microsoft-com:vml" xmlns:pvml="urn:schemas-microsoft-com:office:powerpoint" xmlns:com="http://schemas.openxmlformats.org/drawingml/2006/compatibility" xmlns:p14="http://schemas.microsoft.com/office/powerpoint/2010/main" xmlns:p15="http://schemas.microsoft.com/office/powerpoint/2012/main">
+  <p:cSld>
+    <p:spTree>
+      <p:nvGrpSpPr>
+        <p:cNvPr id="143" name="Shape 143"/>
+        <p:cNvGrpSpPr/>
+        <p:nvPr/>
+      </p:nvGrpSpPr>
+      <p:grpSpPr>
+        <a:xfrm>
+          <a:off x="0" y="0"/>
+          <a:ext cx="0" cy="0"/>
+          <a:chOff x="0" y="0"/>
+          <a:chExt cx="0" cy="0"/>
+        </a:xfrm>
+      </p:grpSpPr>
+      <p:sp>
+        <p:nvSpPr>
+          <p:cNvPr id="144" name="Google Shape;144;p25"/>
+          <p:cNvSpPr txBox="1"/>
+          <p:nvPr>
+            <p:ph type="title"/>
+          </p:nvPr>
+        </p:nvSpPr>
+        <p:spPr>
+          <a:xfrm>
+            <a:off x="98250" y="16350"/>
+            <a:ext cx="8826600" cy="602700"/>
+          </a:xfrm>
+          <a:prstGeom prst="rect">
+            <a:avLst/>
+          </a:prstGeom>
+        </p:spPr>
+        <p:txBody>
+          <a:bodyPr anchorCtr="0" anchor="ctr" bIns="91425" lIns="91425" spcFirstLastPara="1" rIns="91425" wrap="square" tIns="91425">
+            <a:noAutofit/>
+          </a:bodyPr>
+          <a:lstStyle/>
+          <a:p>
+            <a:pPr indent="0" lvl="0" marL="0" rtl="0" algn="ctr">
+              <a:spcBef>
+                <a:spcPts val="0"/>
+              </a:spcBef>
+              <a:spcAft>
+                <a:spcPts val="0"/>
+              </a:spcAft>
+              <a:buNone/>
+            </a:pPr>
+            <a:r>
+              <a:rPr lang="en" sz="2400"/>
+              <a:t>2018 eScooter Pilot Impact - Trip Duration</a:t>
+            </a:r>
+            <a:endParaRPr/>
+          </a:p>
+        </p:txBody>
+      </p:sp>
       <p:pic>
         <p:nvPicPr>
-          <p:cNvPr id="128" name="Google Shape;128;p22"/>
+          <p:cNvPr id="145" name="Google Shape;145;p25"/>
           <p:cNvPicPr preferRelativeResize="0"/>
           <p:nvPr/>
         </p:nvPicPr>
         <p:blipFill>
-          <a:blip r:embed="rId4">
+          <a:blip r:embed="rId3">
             <a:alphaModFix/>
           </a:blip>
           <a:stretch>
@@ -9464,8 +10184,8 @@
         </p:blipFill>
         <p:spPr>
           <a:xfrm>
-            <a:off x="4342800" y="2682525"/>
-            <a:ext cx="4660825" cy="2235881"/>
+            <a:off x="4571997" y="1371913"/>
+            <a:ext cx="4318228" cy="2770200"/>
           </a:xfrm>
           <a:prstGeom prst="rect">
             <a:avLst/>
@@ -9478,7 +10198,7 @@
       </p:pic>
       <p:sp>
         <p:nvSpPr>
-          <p:cNvPr id="129" name="Google Shape;129;p22"/>
+          <p:cNvPr id="146" name="Google Shape;146;p25"/>
           <p:cNvSpPr txBox="1"/>
           <p:nvPr/>
         </p:nvSpPr>
@@ -9537,6 +10257,34 @@
           </a:p>
         </p:txBody>
       </p:sp>
+      <p:pic>
+        <p:nvPicPr>
+          <p:cNvPr id="147" name="Google Shape;147;p25"/>
+          <p:cNvPicPr preferRelativeResize="0"/>
+          <p:nvPr/>
+        </p:nvPicPr>
+        <p:blipFill>
+          <a:blip r:embed="rId4">
+            <a:alphaModFix/>
+          </a:blip>
+          <a:stretch>
+            <a:fillRect/>
+          </a:stretch>
+        </p:blipFill>
+        <p:spPr>
+          <a:xfrm>
+            <a:off x="213625" y="1342675"/>
+            <a:ext cx="4409398" cy="2828675"/>
+          </a:xfrm>
+          <a:prstGeom prst="rect">
+            <a:avLst/>
+          </a:prstGeom>
+          <a:noFill/>
+          <a:ln>
+            <a:noFill/>
+          </a:ln>
+        </p:spPr>
+      </p:pic>
     </p:spTree>
   </p:cSld>
   <p:clrMapOvr>
@@ -9545,12 +10293,12 @@
 </p:sld>
 </file>
 
-<file path=ppt/slides/slide11.xml><?xml version="1.0" encoding="utf-8"?>
+<file path=ppt/slides/slide14.xml><?xml version="1.0" encoding="utf-8"?>
 <p:sld xmlns:a="http://schemas.openxmlformats.org/drawingml/2006/main" xmlns:r="http://schemas.openxmlformats.org/officeDocument/2006/relationships" xmlns:mc="http://schemas.openxmlformats.org/markup-compatibility/2006" xmlns:mv="urn:schemas-microsoft-com:mac:vml" xmlns:p="http://schemas.openxmlformats.org/presentationml/2006/main" xmlns:c="http://schemas.openxmlformats.org/drawingml/2006/chart" xmlns:dgm="http://schemas.openxmlformats.org/drawingml/2006/diagram" xmlns:o="urn:schemas-microsoft-com:office:office" xmlns:v="urn:schemas-microsoft-com:vml" xmlns:pvml="urn:schemas-microsoft-com:office:powerpoint" xmlns:com="http://schemas.openxmlformats.org/drawingml/2006/compatibility" xmlns:p14="http://schemas.microsoft.com/office/powerpoint/2010/main" xmlns:p15="http://schemas.microsoft.com/office/powerpoint/2012/main">
   <p:cSld>
     <p:spTree>
       <p:nvGrpSpPr>
-        <p:cNvPr id="133" name="Shape 133"/>
+        <p:cNvPr id="151" name="Shape 151"/>
         <p:cNvGrpSpPr/>
         <p:nvPr/>
       </p:nvGrpSpPr>
@@ -9564,7 +10312,138 @@
       </p:grpSpPr>
       <p:sp>
         <p:nvSpPr>
-          <p:cNvPr id="134" name="Google Shape;134;p23"/>
+          <p:cNvPr id="152" name="Google Shape;152;p26"/>
+          <p:cNvSpPr txBox="1"/>
+          <p:nvPr>
+            <p:ph type="title"/>
+          </p:nvPr>
+        </p:nvSpPr>
+        <p:spPr>
+          <a:xfrm>
+            <a:off x="98250" y="16350"/>
+            <a:ext cx="8826600" cy="602700"/>
+          </a:xfrm>
+          <a:prstGeom prst="rect">
+            <a:avLst/>
+          </a:prstGeom>
+        </p:spPr>
+        <p:txBody>
+          <a:bodyPr anchorCtr="0" anchor="ctr" bIns="91425" lIns="91425" spcFirstLastPara="1" rIns="91425" wrap="square" tIns="91425">
+            <a:noAutofit/>
+          </a:bodyPr>
+          <a:lstStyle/>
+          <a:p>
+            <a:pPr indent="0" lvl="0" marL="0" rtl="0" algn="ctr">
+              <a:spcBef>
+                <a:spcPts val="0"/>
+              </a:spcBef>
+              <a:spcAft>
+                <a:spcPts val="0"/>
+              </a:spcAft>
+              <a:buNone/>
+            </a:pPr>
+            <a:r>
+              <a:t/>
+            </a:r>
+            <a:endParaRPr sz="2400"/>
+          </a:p>
+          <a:p>
+            <a:pPr indent="0" lvl="0" marL="0" rtl="0" algn="ctr">
+              <a:spcBef>
+                <a:spcPts val="0"/>
+              </a:spcBef>
+              <a:spcAft>
+                <a:spcPts val="0"/>
+              </a:spcAft>
+              <a:buNone/>
+            </a:pPr>
+            <a:r>
+              <a:rPr lang="en" sz="2400"/>
+              <a:t>2</a:t>
+            </a:r>
+            <a:r>
+              <a:rPr lang="en" sz="2400"/>
+              <a:t>2018 eScooter Pilot Impact to Trip Duration? </a:t>
+            </a:r>
+            <a:r>
+              <a:rPr lang="en" sz="2400"/>
+              <a:t> </a:t>
+            </a:r>
+            <a:endParaRPr sz="2400"/>
+          </a:p>
+          <a:p>
+            <a:pPr indent="0" lvl="0" marL="0" rtl="0" algn="l">
+              <a:spcBef>
+                <a:spcPts val="0"/>
+              </a:spcBef>
+              <a:spcAft>
+                <a:spcPts val="0"/>
+              </a:spcAft>
+              <a:buNone/>
+            </a:pPr>
+            <a:r>
+              <a:t/>
+            </a:r>
+            <a:endParaRPr/>
+          </a:p>
+        </p:txBody>
+      </p:sp>
+      <p:pic>
+        <p:nvPicPr>
+          <p:cNvPr id="153" name="Google Shape;153;p26"/>
+          <p:cNvPicPr preferRelativeResize="0"/>
+          <p:nvPr/>
+        </p:nvPicPr>
+        <p:blipFill>
+          <a:blip r:embed="rId3">
+            <a:alphaModFix/>
+          </a:blip>
+          <a:stretch>
+            <a:fillRect/>
+          </a:stretch>
+        </p:blipFill>
+        <p:spPr>
+          <a:xfrm>
+            <a:off x="1755000" y="1061450"/>
+            <a:ext cx="5357375" cy="3388850"/>
+          </a:xfrm>
+          <a:prstGeom prst="rect">
+            <a:avLst/>
+          </a:prstGeom>
+          <a:noFill/>
+          <a:ln>
+            <a:noFill/>
+          </a:ln>
+        </p:spPr>
+      </p:pic>
+    </p:spTree>
+  </p:cSld>
+  <p:clrMapOvr>
+    <a:masterClrMapping/>
+  </p:clrMapOvr>
+</p:sld>
+</file>
+
+<file path=ppt/slides/slide15.xml><?xml version="1.0" encoding="utf-8"?>
+<p:sld xmlns:a="http://schemas.openxmlformats.org/drawingml/2006/main" xmlns:r="http://schemas.openxmlformats.org/officeDocument/2006/relationships" xmlns:mc="http://schemas.openxmlformats.org/markup-compatibility/2006" xmlns:mv="urn:schemas-microsoft-com:mac:vml" xmlns:p="http://schemas.openxmlformats.org/presentationml/2006/main" xmlns:c="http://schemas.openxmlformats.org/drawingml/2006/chart" xmlns:dgm="http://schemas.openxmlformats.org/drawingml/2006/diagram" xmlns:o="urn:schemas-microsoft-com:office:office" xmlns:v="urn:schemas-microsoft-com:vml" xmlns:pvml="urn:schemas-microsoft-com:office:powerpoint" xmlns:com="http://schemas.openxmlformats.org/drawingml/2006/compatibility" xmlns:p14="http://schemas.microsoft.com/office/powerpoint/2010/main" xmlns:p15="http://schemas.microsoft.com/office/powerpoint/2012/main">
+  <p:cSld>
+    <p:spTree>
+      <p:nvGrpSpPr>
+        <p:cNvPr id="157" name="Shape 157"/>
+        <p:cNvGrpSpPr/>
+        <p:nvPr/>
+      </p:nvGrpSpPr>
+      <p:grpSpPr>
+        <a:xfrm>
+          <a:off x="0" y="0"/>
+          <a:ext cx="0" cy="0"/>
+          <a:chOff x="0" y="0"/>
+          <a:chExt cx="0" cy="0"/>
+        </a:xfrm>
+      </p:grpSpPr>
+      <p:sp>
+        <p:nvSpPr>
+          <p:cNvPr id="158" name="Google Shape;158;p27"/>
           <p:cNvSpPr txBox="1"/>
           <p:nvPr>
             <p:ph type="title"/>
@@ -9604,7 +10483,7 @@
       </p:sp>
       <p:sp>
         <p:nvSpPr>
-          <p:cNvPr id="135" name="Google Shape;135;p23"/>
+          <p:cNvPr id="159" name="Google Shape;159;p27"/>
           <p:cNvSpPr txBox="1"/>
           <p:nvPr>
             <p:ph idx="1" type="body"/>
@@ -9702,12 +10581,12 @@
 </p:sld>
 </file>
 
-<file path=ppt/slides/slide12.xml><?xml version="1.0" encoding="utf-8"?>
+<file path=ppt/slides/slide16.xml><?xml version="1.0" encoding="utf-8"?>
 <p:sld xmlns:a="http://schemas.openxmlformats.org/drawingml/2006/main" xmlns:r="http://schemas.openxmlformats.org/officeDocument/2006/relationships" xmlns:mc="http://schemas.openxmlformats.org/markup-compatibility/2006" xmlns:mv="urn:schemas-microsoft-com:mac:vml" xmlns:p="http://schemas.openxmlformats.org/presentationml/2006/main" xmlns:c="http://schemas.openxmlformats.org/drawingml/2006/chart" xmlns:dgm="http://schemas.openxmlformats.org/drawingml/2006/diagram" xmlns:o="urn:schemas-microsoft-com:office:office" xmlns:v="urn:schemas-microsoft-com:vml" xmlns:pvml="urn:schemas-microsoft-com:office:powerpoint" xmlns:com="http://schemas.openxmlformats.org/drawingml/2006/compatibility" xmlns:p14="http://schemas.microsoft.com/office/powerpoint/2010/main" xmlns:p15="http://schemas.microsoft.com/office/powerpoint/2012/main">
   <p:cSld>
     <p:spTree>
       <p:nvGrpSpPr>
-        <p:cNvPr id="139" name="Shape 139"/>
+        <p:cNvPr id="163" name="Shape 163"/>
         <p:cNvGrpSpPr/>
         <p:nvPr/>
       </p:nvGrpSpPr>
@@ -9721,7 +10600,7 @@
       </p:grpSpPr>
       <p:sp>
         <p:nvSpPr>
-          <p:cNvPr id="140" name="Google Shape;140;p24"/>
+          <p:cNvPr id="164" name="Google Shape;164;p28"/>
           <p:cNvSpPr txBox="1"/>
           <p:nvPr>
             <p:ph type="title"/>
@@ -9761,7 +10640,7 @@
       </p:sp>
       <p:sp>
         <p:nvSpPr>
-          <p:cNvPr id="141" name="Google Shape;141;p24"/>
+          <p:cNvPr id="165" name="Google Shape;165;p28"/>
           <p:cNvSpPr txBox="1"/>
           <p:nvPr>
             <p:ph idx="1" type="body"/>
@@ -9800,7 +10679,7 @@
       </p:sp>
       <p:pic>
         <p:nvPicPr>
-          <p:cNvPr id="142" name="Google Shape;142;p24"/>
+          <p:cNvPr id="166" name="Google Shape;166;p28"/>
           <p:cNvPicPr preferRelativeResize="0"/>
           <p:nvPr/>
         </p:nvPicPr>
@@ -9834,12 +10713,12 @@
 </p:sld>
 </file>
 
-<file path=ppt/slides/slide13.xml><?xml version="1.0" encoding="utf-8"?>
+<file path=ppt/slides/slide17.xml><?xml version="1.0" encoding="utf-8"?>
 <p:sld xmlns:a="http://schemas.openxmlformats.org/drawingml/2006/main" xmlns:r="http://schemas.openxmlformats.org/officeDocument/2006/relationships" xmlns:mc="http://schemas.openxmlformats.org/markup-compatibility/2006" xmlns:mv="urn:schemas-microsoft-com:mac:vml" xmlns:p="http://schemas.openxmlformats.org/presentationml/2006/main" xmlns:c="http://schemas.openxmlformats.org/drawingml/2006/chart" xmlns:dgm="http://schemas.openxmlformats.org/drawingml/2006/diagram" xmlns:o="urn:schemas-microsoft-com:office:office" xmlns:v="urn:schemas-microsoft-com:vml" xmlns:pvml="urn:schemas-microsoft-com:office:powerpoint" xmlns:com="http://schemas.openxmlformats.org/drawingml/2006/compatibility" xmlns:p14="http://schemas.microsoft.com/office/powerpoint/2010/main" xmlns:p15="http://schemas.microsoft.com/office/powerpoint/2012/main">
   <p:cSld>
     <p:spTree>
       <p:nvGrpSpPr>
-        <p:cNvPr id="146" name="Shape 146"/>
+        <p:cNvPr id="170" name="Shape 170"/>
         <p:cNvGrpSpPr/>
         <p:nvPr/>
       </p:nvGrpSpPr>
@@ -9853,7 +10732,7 @@
       </p:grpSpPr>
       <p:sp>
         <p:nvSpPr>
-          <p:cNvPr id="147" name="Google Shape;147;p25"/>
+          <p:cNvPr id="171" name="Google Shape;171;p29"/>
           <p:cNvSpPr txBox="1"/>
           <p:nvPr>
             <p:ph type="title"/>
@@ -9893,7 +10772,7 @@
       </p:sp>
       <p:pic>
         <p:nvPicPr>
-          <p:cNvPr id="148" name="Google Shape;148;p25"/>
+          <p:cNvPr id="172" name="Google Shape;172;p29"/>
           <p:cNvPicPr preferRelativeResize="0"/>
           <p:nvPr/>
         </p:nvPicPr>
@@ -9927,12 +10806,12 @@
 </p:sld>
 </file>
 
-<file path=ppt/slides/slide14.xml><?xml version="1.0" encoding="utf-8"?>
+<file path=ppt/slides/slide18.xml><?xml version="1.0" encoding="utf-8"?>
 <p:sld xmlns:a="http://schemas.openxmlformats.org/drawingml/2006/main" xmlns:r="http://schemas.openxmlformats.org/officeDocument/2006/relationships" xmlns:mc="http://schemas.openxmlformats.org/markup-compatibility/2006" xmlns:mv="urn:schemas-microsoft-com:mac:vml" xmlns:p="http://schemas.openxmlformats.org/presentationml/2006/main" xmlns:c="http://schemas.openxmlformats.org/drawingml/2006/chart" xmlns:dgm="http://schemas.openxmlformats.org/drawingml/2006/diagram" xmlns:o="urn:schemas-microsoft-com:office:office" xmlns:v="urn:schemas-microsoft-com:vml" xmlns:pvml="urn:schemas-microsoft-com:office:powerpoint" xmlns:com="http://schemas.openxmlformats.org/drawingml/2006/compatibility" xmlns:p14="http://schemas.microsoft.com/office/powerpoint/2010/main" xmlns:p15="http://schemas.microsoft.com/office/powerpoint/2012/main">
   <p:cSld>
     <p:spTree>
       <p:nvGrpSpPr>
-        <p:cNvPr id="152" name="Shape 152"/>
+        <p:cNvPr id="176" name="Shape 176"/>
         <p:cNvGrpSpPr/>
         <p:nvPr/>
       </p:nvGrpSpPr>
@@ -9946,7 +10825,7 @@
       </p:grpSpPr>
       <p:sp>
         <p:nvSpPr>
-          <p:cNvPr id="153" name="Google Shape;153;p26"/>
+          <p:cNvPr id="177" name="Google Shape;177;p30"/>
           <p:cNvSpPr txBox="1"/>
           <p:nvPr>
             <p:ph type="title"/>
@@ -10032,7 +10911,7 @@
       </p:sp>
       <p:sp>
         <p:nvSpPr>
-          <p:cNvPr id="154" name="Google Shape;154;p26"/>
+          <p:cNvPr id="178" name="Google Shape;178;p30"/>
           <p:cNvSpPr txBox="1"/>
           <p:nvPr/>
         </p:nvSpPr>
@@ -10081,7 +10960,7 @@
       </p:sp>
       <p:sp>
         <p:nvSpPr>
-          <p:cNvPr id="155" name="Google Shape;155;p26"/>
+          <p:cNvPr id="179" name="Google Shape;179;p30"/>
           <p:cNvSpPr txBox="1"/>
           <p:nvPr>
             <p:ph idx="1" type="body"/>
@@ -10185,12 +11064,12 @@
 </p:sld>
 </file>
 
-<file path=ppt/slides/slide15.xml><?xml version="1.0" encoding="utf-8"?>
+<file path=ppt/slides/slide19.xml><?xml version="1.0" encoding="utf-8"?>
 <p:sld xmlns:a="http://schemas.openxmlformats.org/drawingml/2006/main" xmlns:r="http://schemas.openxmlformats.org/officeDocument/2006/relationships" xmlns:mc="http://schemas.openxmlformats.org/markup-compatibility/2006" xmlns:mv="urn:schemas-microsoft-com:mac:vml" xmlns:p="http://schemas.openxmlformats.org/presentationml/2006/main" xmlns:c="http://schemas.openxmlformats.org/drawingml/2006/chart" xmlns:dgm="http://schemas.openxmlformats.org/drawingml/2006/diagram" xmlns:o="urn:schemas-microsoft-com:office:office" xmlns:v="urn:schemas-microsoft-com:vml" xmlns:pvml="urn:schemas-microsoft-com:office:powerpoint" xmlns:com="http://schemas.openxmlformats.org/drawingml/2006/compatibility" xmlns:p14="http://schemas.microsoft.com/office/powerpoint/2010/main" xmlns:p15="http://schemas.microsoft.com/office/powerpoint/2012/main">
   <p:cSld>
     <p:spTree>
       <p:nvGrpSpPr>
-        <p:cNvPr id="159" name="Shape 159"/>
+        <p:cNvPr id="183" name="Shape 183"/>
         <p:cNvGrpSpPr/>
         <p:nvPr/>
       </p:nvGrpSpPr>
@@ -10204,7 +11083,7 @@
       </p:grpSpPr>
       <p:sp>
         <p:nvSpPr>
-          <p:cNvPr id="160" name="Google Shape;160;p27"/>
+          <p:cNvPr id="184" name="Google Shape;184;p31"/>
           <p:cNvSpPr txBox="1"/>
           <p:nvPr>
             <p:ph type="title"/>
@@ -10248,7 +11127,7 @@
       </p:sp>
       <p:sp>
         <p:nvSpPr>
-          <p:cNvPr id="161" name="Google Shape;161;p27"/>
+          <p:cNvPr id="185" name="Google Shape;185;p31"/>
           <p:cNvSpPr txBox="1"/>
           <p:nvPr>
             <p:ph idx="4294967295" type="body"/>
@@ -10256,8 +11135,8 @@
         </p:nvSpPr>
         <p:spPr>
           <a:xfrm>
-            <a:off x="0" y="780000"/>
-            <a:ext cx="3615000" cy="4004400"/>
+            <a:off x="-137350" y="749475"/>
+            <a:ext cx="3871800" cy="4004400"/>
           </a:xfrm>
           <a:prstGeom prst="rect">
             <a:avLst/>
@@ -10376,7 +11255,7 @@
       </p:sp>
       <p:pic>
         <p:nvPicPr>
-          <p:cNvPr id="162" name="Google Shape;162;p27"/>
+          <p:cNvPr id="186" name="Google Shape;186;p31"/>
           <p:cNvPicPr preferRelativeResize="0"/>
           <p:nvPr/>
         </p:nvPicPr>
@@ -10390,7 +11269,7 @@
         </p:blipFill>
         <p:spPr>
           <a:xfrm>
-            <a:off x="3734399" y="1129050"/>
+            <a:off x="3871799" y="1128375"/>
             <a:ext cx="5190450" cy="3460300"/>
           </a:xfrm>
           <a:prstGeom prst="rect">
@@ -10402,301 +11281,6 @@
           </a:ln>
         </p:spPr>
       </p:pic>
-    </p:spTree>
-  </p:cSld>
-  <p:clrMapOvr>
-    <a:masterClrMapping/>
-  </p:clrMapOvr>
-</p:sld>
-</file>
-
-<file path=ppt/slides/slide16.xml><?xml version="1.0" encoding="utf-8"?>
-<p:sld xmlns:a="http://schemas.openxmlformats.org/drawingml/2006/main" xmlns:r="http://schemas.openxmlformats.org/officeDocument/2006/relationships" xmlns:mc="http://schemas.openxmlformats.org/markup-compatibility/2006" xmlns:mv="urn:schemas-microsoft-com:mac:vml" xmlns:p="http://schemas.openxmlformats.org/presentationml/2006/main" xmlns:c="http://schemas.openxmlformats.org/drawingml/2006/chart" xmlns:dgm="http://schemas.openxmlformats.org/drawingml/2006/diagram" xmlns:o="urn:schemas-microsoft-com:office:office" xmlns:v="urn:schemas-microsoft-com:vml" xmlns:pvml="urn:schemas-microsoft-com:office:powerpoint" xmlns:com="http://schemas.openxmlformats.org/drawingml/2006/compatibility" xmlns:p14="http://schemas.microsoft.com/office/powerpoint/2010/main" xmlns:p15="http://schemas.microsoft.com/office/powerpoint/2012/main">
-  <p:cSld>
-    <p:spTree>
-      <p:nvGrpSpPr>
-        <p:cNvPr id="166" name="Shape 166"/>
-        <p:cNvGrpSpPr/>
-        <p:nvPr/>
-      </p:nvGrpSpPr>
-      <p:grpSpPr>
-        <a:xfrm>
-          <a:off x="0" y="0"/>
-          <a:ext cx="0" cy="0"/>
-          <a:chOff x="0" y="0"/>
-          <a:chExt cx="0" cy="0"/>
-        </a:xfrm>
-      </p:grpSpPr>
-      <p:sp>
-        <p:nvSpPr>
-          <p:cNvPr id="167" name="Google Shape;167;p28"/>
-          <p:cNvSpPr txBox="1"/>
-          <p:nvPr>
-            <p:ph type="title"/>
-          </p:nvPr>
-        </p:nvSpPr>
-        <p:spPr>
-          <a:xfrm>
-            <a:off x="471900" y="738725"/>
-            <a:ext cx="8222100" cy="767700"/>
-          </a:xfrm>
-          <a:prstGeom prst="rect">
-            <a:avLst/>
-          </a:prstGeom>
-        </p:spPr>
-        <p:txBody>
-          <a:bodyPr anchorCtr="0" anchor="b" bIns="91425" lIns="91425" spcFirstLastPara="1" rIns="91425" wrap="square" tIns="91425">
-            <a:noAutofit/>
-          </a:bodyPr>
-          <a:lstStyle/>
-          <a:p>
-            <a:pPr indent="0" lvl="0" marL="0" rtl="0" algn="l">
-              <a:spcBef>
-                <a:spcPts val="0"/>
-              </a:spcBef>
-              <a:spcAft>
-                <a:spcPts val="0"/>
-              </a:spcAft>
-              <a:buNone/>
-            </a:pPr>
-            <a:r>
-              <a:rPr lang="en"/>
-              <a:t>Conclusions: </a:t>
-            </a:r>
-            <a:endParaRPr/>
-          </a:p>
-        </p:txBody>
-      </p:sp>
-      <p:sp>
-        <p:nvSpPr>
-          <p:cNvPr id="168" name="Google Shape;168;p28"/>
-          <p:cNvSpPr txBox="1"/>
-          <p:nvPr>
-            <p:ph idx="1" type="body"/>
-          </p:nvPr>
-        </p:nvSpPr>
-        <p:spPr>
-          <a:xfrm>
-            <a:off x="809950" y="1943200"/>
-            <a:ext cx="8222100" cy="2710200"/>
-          </a:xfrm>
-          <a:prstGeom prst="rect">
-            <a:avLst/>
-          </a:prstGeom>
-        </p:spPr>
-        <p:txBody>
-          <a:bodyPr anchorCtr="0" anchor="t" bIns="91425" lIns="91425" spcFirstLastPara="1" rIns="91425" wrap="square" tIns="91425">
-            <a:noAutofit/>
-          </a:bodyPr>
-          <a:lstStyle/>
-          <a:p>
-            <a:pPr indent="-342900" lvl="0" marL="457200" rtl="0" algn="l">
-              <a:spcBef>
-                <a:spcPts val="1100"/>
-              </a:spcBef>
-              <a:spcAft>
-                <a:spcPts val="0"/>
-              </a:spcAft>
-              <a:buSzPts val="1800"/>
-              <a:buChar char="●"/>
-            </a:pPr>
-            <a:r>
-              <a:rPr lang="en" sz="1200">
-                <a:solidFill>
-                  <a:srgbClr val="000000"/>
-                </a:solidFill>
-                <a:latin typeface="Arial"/>
-                <a:ea typeface="Arial"/>
-                <a:cs typeface="Arial"/>
-                <a:sym typeface="Arial"/>
-              </a:rPr>
-              <a:t>Introduction </a:t>
-            </a:r>
-            <a:r>
-              <a:rPr lang="en" sz="1200">
-                <a:solidFill>
-                  <a:srgbClr val="000000"/>
-                </a:solidFill>
-                <a:latin typeface="Arial"/>
-                <a:ea typeface="Arial"/>
-                <a:cs typeface="Arial"/>
-                <a:sym typeface="Arial"/>
-              </a:rPr>
-              <a:t>Electric</a:t>
-            </a:r>
-            <a:r>
-              <a:rPr lang="en" sz="1200">
-                <a:solidFill>
-                  <a:srgbClr val="000000"/>
-                </a:solidFill>
-                <a:latin typeface="Arial"/>
-                <a:ea typeface="Arial"/>
-                <a:cs typeface="Arial"/>
-                <a:sym typeface="Arial"/>
-              </a:rPr>
-              <a:t> scooter programs can potentially </a:t>
-            </a:r>
-            <a:r>
-              <a:rPr lang="en" sz="1200">
-                <a:solidFill>
-                  <a:srgbClr val="000000"/>
-                </a:solidFill>
-                <a:latin typeface="Arial"/>
-                <a:ea typeface="Arial"/>
-                <a:cs typeface="Arial"/>
-                <a:sym typeface="Arial"/>
-              </a:rPr>
-              <a:t>cannibalize</a:t>
-            </a:r>
-            <a:r>
-              <a:rPr lang="en" sz="1200">
-                <a:solidFill>
-                  <a:srgbClr val="000000"/>
-                </a:solidFill>
-                <a:latin typeface="Arial"/>
-                <a:ea typeface="Arial"/>
-                <a:cs typeface="Arial"/>
-                <a:sym typeface="Arial"/>
-              </a:rPr>
-              <a:t> bike share users. </a:t>
-            </a:r>
-            <a:endParaRPr sz="1200">
-              <a:solidFill>
-                <a:srgbClr val="000000"/>
-              </a:solidFill>
-              <a:latin typeface="Arial"/>
-              <a:ea typeface="Arial"/>
-              <a:cs typeface="Arial"/>
-              <a:sym typeface="Arial"/>
-            </a:endParaRPr>
-          </a:p>
-          <a:p>
-            <a:pPr indent="-342900" lvl="0" marL="457200" rtl="0" algn="l">
-              <a:spcBef>
-                <a:spcPts val="0"/>
-              </a:spcBef>
-              <a:spcAft>
-                <a:spcPts val="0"/>
-              </a:spcAft>
-              <a:buSzPts val="1800"/>
-              <a:buChar char="●"/>
-            </a:pPr>
-            <a:r>
-              <a:rPr lang="en" sz="1200">
-                <a:solidFill>
-                  <a:srgbClr val="000000"/>
-                </a:solidFill>
-                <a:latin typeface="Arial"/>
-                <a:ea typeface="Arial"/>
-                <a:cs typeface="Arial"/>
-                <a:sym typeface="Arial"/>
-              </a:rPr>
-              <a:t>Including a day pass option to the typical subscriber/one-time rider fee </a:t>
-            </a:r>
-            <a:r>
-              <a:rPr lang="en" sz="1200">
-                <a:solidFill>
-                  <a:srgbClr val="000000"/>
-                </a:solidFill>
-                <a:latin typeface="Arial"/>
-                <a:ea typeface="Arial"/>
-                <a:cs typeface="Arial"/>
-                <a:sym typeface="Arial"/>
-              </a:rPr>
-              <a:t>structure</a:t>
-            </a:r>
-            <a:r>
-              <a:rPr lang="en" sz="1200">
-                <a:solidFill>
-                  <a:srgbClr val="000000"/>
-                </a:solidFill>
-                <a:latin typeface="Arial"/>
-                <a:ea typeface="Arial"/>
-                <a:cs typeface="Arial"/>
-                <a:sym typeface="Arial"/>
-              </a:rPr>
-              <a:t> could reduce the number of annual or monthly subscribers as users opt for flexible on-demand payment. </a:t>
-            </a:r>
-            <a:endParaRPr sz="1200">
-              <a:solidFill>
-                <a:srgbClr val="000000"/>
-              </a:solidFill>
-              <a:latin typeface="Arial"/>
-              <a:ea typeface="Arial"/>
-              <a:cs typeface="Arial"/>
-              <a:sym typeface="Arial"/>
-            </a:endParaRPr>
-          </a:p>
-          <a:p>
-            <a:pPr indent="-342900" lvl="0" marL="457200" rtl="0" algn="l">
-              <a:spcBef>
-                <a:spcPts val="0"/>
-              </a:spcBef>
-              <a:spcAft>
-                <a:spcPts val="0"/>
-              </a:spcAft>
-              <a:buSzPts val="1800"/>
-              <a:buChar char="●"/>
-            </a:pPr>
-            <a:r>
-              <a:rPr lang="en" sz="1200">
-                <a:solidFill>
-                  <a:srgbClr val="000000"/>
-                </a:solidFill>
-                <a:latin typeface="Arial"/>
-                <a:ea typeface="Arial"/>
-                <a:cs typeface="Arial"/>
-                <a:sym typeface="Arial"/>
-              </a:rPr>
-              <a:t> Incentivising usage with discounts or flexible pricing options is effective in driving users to a specific account type</a:t>
-            </a:r>
-            <a:r>
-              <a:rPr lang="en" sz="1050">
-                <a:solidFill>
-                  <a:srgbClr val="000000"/>
-                </a:solidFill>
-                <a:latin typeface="Arial"/>
-                <a:ea typeface="Arial"/>
-                <a:cs typeface="Arial"/>
-                <a:sym typeface="Arial"/>
-              </a:rPr>
-              <a:t>.</a:t>
-            </a:r>
-            <a:endParaRPr sz="1050">
-              <a:solidFill>
-                <a:srgbClr val="000000"/>
-              </a:solidFill>
-              <a:latin typeface="Arial"/>
-              <a:ea typeface="Arial"/>
-              <a:cs typeface="Arial"/>
-              <a:sym typeface="Arial"/>
-            </a:endParaRPr>
-          </a:p>
-          <a:p>
-            <a:pPr indent="0" lvl="0" marL="0" rtl="0" algn="l">
-              <a:spcBef>
-                <a:spcPts val="1100"/>
-              </a:spcBef>
-              <a:spcAft>
-                <a:spcPts val="700"/>
-              </a:spcAft>
-              <a:buNone/>
-            </a:pPr>
-            <a:r>
-              <a:t/>
-            </a:r>
-            <a:endParaRPr sz="1050">
-              <a:solidFill>
-                <a:srgbClr val="000000"/>
-              </a:solidFill>
-              <a:latin typeface="Arial"/>
-              <a:ea typeface="Arial"/>
-              <a:cs typeface="Arial"/>
-              <a:sym typeface="Arial"/>
-            </a:endParaRPr>
-          </a:p>
-        </p:txBody>
-      </p:sp>
     </p:spTree>
   </p:cSld>
   <p:clrMapOvr>
@@ -10877,6 +11461,253 @@
               <a:ea typeface="Roboto"/>
               <a:cs typeface="Roboto"/>
               <a:sym typeface="Roboto"/>
+            </a:endParaRPr>
+          </a:p>
+        </p:txBody>
+      </p:sp>
+    </p:spTree>
+  </p:cSld>
+  <p:clrMapOvr>
+    <a:masterClrMapping/>
+  </p:clrMapOvr>
+</p:sld>
+</file>
+
+<file path=ppt/slides/slide20.xml><?xml version="1.0" encoding="utf-8"?>
+<p:sld xmlns:a="http://schemas.openxmlformats.org/drawingml/2006/main" xmlns:r="http://schemas.openxmlformats.org/officeDocument/2006/relationships" xmlns:mc="http://schemas.openxmlformats.org/markup-compatibility/2006" xmlns:mv="urn:schemas-microsoft-com:mac:vml" xmlns:p="http://schemas.openxmlformats.org/presentationml/2006/main" xmlns:c="http://schemas.openxmlformats.org/drawingml/2006/chart" xmlns:dgm="http://schemas.openxmlformats.org/drawingml/2006/diagram" xmlns:o="urn:schemas-microsoft-com:office:office" xmlns:v="urn:schemas-microsoft-com:vml" xmlns:pvml="urn:schemas-microsoft-com:office:powerpoint" xmlns:com="http://schemas.openxmlformats.org/drawingml/2006/compatibility" xmlns:p14="http://schemas.microsoft.com/office/powerpoint/2010/main" xmlns:p15="http://schemas.microsoft.com/office/powerpoint/2012/main">
+  <p:cSld>
+    <p:spTree>
+      <p:nvGrpSpPr>
+        <p:cNvPr id="190" name="Shape 190"/>
+        <p:cNvGrpSpPr/>
+        <p:nvPr/>
+      </p:nvGrpSpPr>
+      <p:grpSpPr>
+        <a:xfrm>
+          <a:off x="0" y="0"/>
+          <a:ext cx="0" cy="0"/>
+          <a:chOff x="0" y="0"/>
+          <a:chExt cx="0" cy="0"/>
+        </a:xfrm>
+      </p:grpSpPr>
+      <p:sp>
+        <p:nvSpPr>
+          <p:cNvPr id="191" name="Google Shape;191;p32"/>
+          <p:cNvSpPr txBox="1"/>
+          <p:nvPr>
+            <p:ph type="title"/>
+          </p:nvPr>
+        </p:nvSpPr>
+        <p:spPr>
+          <a:xfrm>
+            <a:off x="471900" y="738725"/>
+            <a:ext cx="8222100" cy="767700"/>
+          </a:xfrm>
+          <a:prstGeom prst="rect">
+            <a:avLst/>
+          </a:prstGeom>
+        </p:spPr>
+        <p:txBody>
+          <a:bodyPr anchorCtr="0" anchor="b" bIns="91425" lIns="91425" spcFirstLastPara="1" rIns="91425" wrap="square" tIns="91425">
+            <a:noAutofit/>
+          </a:bodyPr>
+          <a:lstStyle/>
+          <a:p>
+            <a:pPr indent="0" lvl="0" marL="0" rtl="0" algn="l">
+              <a:spcBef>
+                <a:spcPts val="0"/>
+              </a:spcBef>
+              <a:spcAft>
+                <a:spcPts val="0"/>
+              </a:spcAft>
+              <a:buNone/>
+            </a:pPr>
+            <a:r>
+              <a:rPr lang="en"/>
+              <a:t>Conclusions: </a:t>
+            </a:r>
+            <a:endParaRPr/>
+          </a:p>
+        </p:txBody>
+      </p:sp>
+      <p:sp>
+        <p:nvSpPr>
+          <p:cNvPr id="192" name="Google Shape;192;p32"/>
+          <p:cNvSpPr txBox="1"/>
+          <p:nvPr>
+            <p:ph idx="1" type="body"/>
+          </p:nvPr>
+        </p:nvSpPr>
+        <p:spPr>
+          <a:xfrm>
+            <a:off x="809950" y="1943200"/>
+            <a:ext cx="8222100" cy="2710200"/>
+          </a:xfrm>
+          <a:prstGeom prst="rect">
+            <a:avLst/>
+          </a:prstGeom>
+        </p:spPr>
+        <p:txBody>
+          <a:bodyPr anchorCtr="0" anchor="t" bIns="91425" lIns="91425" spcFirstLastPara="1" rIns="91425" wrap="square" tIns="91425">
+            <a:noAutofit/>
+          </a:bodyPr>
+          <a:lstStyle/>
+          <a:p>
+            <a:pPr indent="-304800" lvl="0" marL="457200" rtl="0" algn="l">
+              <a:spcBef>
+                <a:spcPts val="1100"/>
+              </a:spcBef>
+              <a:spcAft>
+                <a:spcPts val="0"/>
+              </a:spcAft>
+              <a:buSzPts val="1200"/>
+              <a:buChar char="●"/>
+            </a:pPr>
+            <a:r>
+              <a:rPr lang="en" sz="1200">
+                <a:solidFill>
+                  <a:srgbClr val="000000"/>
+                </a:solidFill>
+                <a:latin typeface="Arial"/>
+                <a:ea typeface="Arial"/>
+                <a:cs typeface="Arial"/>
+                <a:sym typeface="Arial"/>
+              </a:rPr>
+              <a:t>Based on our analysis and the short time the electric scooter pilot program was in 2018, we cannot conclude scooter programs had a statistically significant impact on NiceRide usership. </a:t>
+            </a:r>
+            <a:r>
+              <a:rPr lang="en" sz="1200">
+                <a:solidFill>
+                  <a:srgbClr val="000000"/>
+                </a:solidFill>
+                <a:latin typeface="Arial"/>
+                <a:ea typeface="Arial"/>
+                <a:cs typeface="Arial"/>
+                <a:sym typeface="Arial"/>
+              </a:rPr>
+              <a:t> </a:t>
+            </a:r>
+            <a:endParaRPr sz="1200">
+              <a:solidFill>
+                <a:srgbClr val="000000"/>
+              </a:solidFill>
+              <a:latin typeface="Arial"/>
+              <a:ea typeface="Arial"/>
+              <a:cs typeface="Arial"/>
+              <a:sym typeface="Arial"/>
+            </a:endParaRPr>
+          </a:p>
+          <a:p>
+            <a:pPr indent="-304800" lvl="0" marL="457200" rtl="0" algn="l">
+              <a:spcBef>
+                <a:spcPts val="0"/>
+              </a:spcBef>
+              <a:spcAft>
+                <a:spcPts val="0"/>
+              </a:spcAft>
+              <a:buSzPts val="1200"/>
+              <a:buChar char="●"/>
+            </a:pPr>
+            <a:r>
+              <a:rPr lang="en" sz="1200">
+                <a:solidFill>
+                  <a:srgbClr val="000000"/>
+                </a:solidFill>
+                <a:latin typeface="Arial"/>
+                <a:ea typeface="Arial"/>
+                <a:cs typeface="Arial"/>
+                <a:sym typeface="Arial"/>
+              </a:rPr>
+              <a:t>Including a day pass option to the typical subscriber/one-time rider fee </a:t>
+            </a:r>
+            <a:r>
+              <a:rPr lang="en" sz="1200">
+                <a:solidFill>
+                  <a:srgbClr val="000000"/>
+                </a:solidFill>
+                <a:latin typeface="Arial"/>
+                <a:ea typeface="Arial"/>
+                <a:cs typeface="Arial"/>
+                <a:sym typeface="Arial"/>
+              </a:rPr>
+              <a:t>structure</a:t>
+            </a:r>
+            <a:r>
+              <a:rPr lang="en" sz="1200">
+                <a:solidFill>
+                  <a:srgbClr val="000000"/>
+                </a:solidFill>
+                <a:latin typeface="Arial"/>
+                <a:ea typeface="Arial"/>
+                <a:cs typeface="Arial"/>
+                <a:sym typeface="Arial"/>
+              </a:rPr>
+              <a:t> could reduce the number of annual or monthly subscribers as users opt for flexible on-demand payment. </a:t>
+            </a:r>
+            <a:endParaRPr sz="1200">
+              <a:solidFill>
+                <a:srgbClr val="000000"/>
+              </a:solidFill>
+              <a:latin typeface="Arial"/>
+              <a:ea typeface="Arial"/>
+              <a:cs typeface="Arial"/>
+              <a:sym typeface="Arial"/>
+            </a:endParaRPr>
+          </a:p>
+          <a:p>
+            <a:pPr indent="-304800" lvl="0" marL="457200" rtl="0" algn="l">
+              <a:spcBef>
+                <a:spcPts val="0"/>
+              </a:spcBef>
+              <a:spcAft>
+                <a:spcPts val="0"/>
+              </a:spcAft>
+              <a:buSzPts val="1200"/>
+              <a:buChar char="●"/>
+            </a:pPr>
+            <a:r>
+              <a:rPr lang="en" sz="1200">
+                <a:solidFill>
+                  <a:srgbClr val="000000"/>
+                </a:solidFill>
+                <a:latin typeface="Arial"/>
+                <a:ea typeface="Arial"/>
+                <a:cs typeface="Arial"/>
+                <a:sym typeface="Arial"/>
+              </a:rPr>
+              <a:t> Incentivising usage with discounts or flexible pricing options is effective in driving users to a specific account type.</a:t>
+            </a:r>
+            <a:endParaRPr sz="1200">
+              <a:solidFill>
+                <a:srgbClr val="000000"/>
+              </a:solidFill>
+              <a:latin typeface="Arial"/>
+              <a:ea typeface="Arial"/>
+              <a:cs typeface="Arial"/>
+              <a:sym typeface="Arial"/>
+            </a:endParaRPr>
+          </a:p>
+          <a:p>
+            <a:pPr indent="0" lvl="0" marL="0" rtl="0" algn="l">
+              <a:spcBef>
+                <a:spcPts val="1100"/>
+              </a:spcBef>
+              <a:spcAft>
+                <a:spcPts val="700"/>
+              </a:spcAft>
+              <a:buNone/>
+            </a:pPr>
+            <a:r>
+              <a:t/>
+            </a:r>
+            <a:endParaRPr sz="1050">
+              <a:solidFill>
+                <a:srgbClr val="000000"/>
+              </a:solidFill>
+              <a:latin typeface="Arial"/>
+              <a:ea typeface="Arial"/>
+              <a:cs typeface="Arial"/>
+              <a:sym typeface="Arial"/>
             </a:endParaRPr>
           </a:p>
         </p:txBody>
@@ -11096,7 +11927,7 @@
             </a:pPr>
             <a:r>
               <a:rPr lang="en"/>
-              <a:t>Trends in Overall NiceRide Usage</a:t>
+              <a:t>Trends in Overall Nice Ride Usage</a:t>
             </a:r>
             <a:endParaRPr/>
           </a:p>
@@ -11130,13 +11961,45 @@
                 <a:spcPts val="0"/>
               </a:spcBef>
               <a:spcAft>
+                <a:spcPts val="0"/>
+              </a:spcAft>
+              <a:buNone/>
+            </a:pPr>
+            <a:r>
+              <a:rPr lang="en"/>
+              <a:t>Over the course of a typical riding season, how many rides occur?</a:t>
+            </a:r>
+            <a:endParaRPr/>
+          </a:p>
+          <a:p>
+            <a:pPr indent="0" lvl="0" marL="0" rtl="0" algn="l">
+              <a:spcBef>
                 <a:spcPts val="1600"/>
+              </a:spcBef>
+              <a:spcAft>
+                <a:spcPts val="0"/>
               </a:spcAft>
               <a:buNone/>
             </a:pPr>
             <a:r>
               <a:rPr lang="en"/>
-              <a:t>Please add questions you were looking to answer  for insight</a:t>
+              <a:t>When does peak ridership occur during the year? Any surprises?</a:t>
+            </a:r>
+            <a:endParaRPr/>
+          </a:p>
+          <a:p>
+            <a:pPr indent="0" lvl="0" marL="0" rtl="0" algn="l">
+              <a:spcBef>
+                <a:spcPts val="1600"/>
+              </a:spcBef>
+              <a:spcAft>
+                <a:spcPts val="1600"/>
+              </a:spcAft>
+              <a:buNone/>
+            </a:pPr>
+            <a:r>
+              <a:rPr lang="en"/>
+              <a:t>Can we expect rapid adoption of our bikeshare program?</a:t>
             </a:r>
             <a:endParaRPr/>
           </a:p>
@@ -11948,79 +12811,53 @@
               <a:buNone/>
             </a:pPr>
             <a:r>
+              <a:t/>
+            </a:r>
+            <a:endParaRPr sz="2400"/>
+          </a:p>
+          <a:p>
+            <a:pPr indent="0" lvl="0" marL="0" rtl="0" algn="ctr">
+              <a:spcBef>
+                <a:spcPts val="0"/>
+              </a:spcBef>
+              <a:spcAft>
+                <a:spcPts val="0"/>
+              </a:spcAft>
+              <a:buNone/>
+            </a:pPr>
+            <a:r>
               <a:rPr lang="en" sz="2400"/>
-              <a:t>2018 eScooter Pilot (Aug -Nov)  - Ride Totals</a:t>
+              <a:t>2018 eScooter Pilot Impact to Ride Totals? </a:t>
             </a:r>
             <a:endParaRPr sz="2400"/>
+          </a:p>
+          <a:p>
+            <a:pPr indent="0" lvl="0" marL="0" rtl="0" algn="l">
+              <a:spcBef>
+                <a:spcPts val="0"/>
+              </a:spcBef>
+              <a:spcAft>
+                <a:spcPts val="0"/>
+              </a:spcAft>
+              <a:buNone/>
+            </a:pPr>
+            <a:r>
+              <a:t/>
+            </a:r>
+            <a:endParaRPr/>
           </a:p>
         </p:txBody>
       </p:sp>
-      <p:pic>
-        <p:nvPicPr>
-          <p:cNvPr id="119" name="Google Shape;119;p21"/>
-          <p:cNvPicPr preferRelativeResize="0"/>
-          <p:nvPr/>
-        </p:nvPicPr>
-        <p:blipFill>
-          <a:blip r:embed="rId3">
-            <a:alphaModFix/>
-          </a:blip>
-          <a:stretch>
-            <a:fillRect/>
-          </a:stretch>
-        </p:blipFill>
-        <p:spPr>
-          <a:xfrm>
-            <a:off x="234750" y="820900"/>
-            <a:ext cx="4171400" cy="2727450"/>
-          </a:xfrm>
-          <a:prstGeom prst="rect">
-            <a:avLst/>
-          </a:prstGeom>
-          <a:noFill/>
-          <a:ln>
-            <a:noFill/>
-          </a:ln>
-        </p:spPr>
-      </p:pic>
-      <p:pic>
-        <p:nvPicPr>
-          <p:cNvPr id="120" name="Google Shape;120;p21"/>
-          <p:cNvPicPr preferRelativeResize="0"/>
-          <p:nvPr/>
-        </p:nvPicPr>
-        <p:blipFill>
-          <a:blip r:embed="rId4">
-            <a:alphaModFix/>
-          </a:blip>
-          <a:stretch>
-            <a:fillRect/>
-          </a:stretch>
-        </p:blipFill>
-        <p:spPr>
-          <a:xfrm>
-            <a:off x="4572000" y="2506150"/>
-            <a:ext cx="4518700" cy="2458172"/>
-          </a:xfrm>
-          <a:prstGeom prst="rect">
-            <a:avLst/>
-          </a:prstGeom>
-          <a:noFill/>
-          <a:ln>
-            <a:noFill/>
-          </a:ln>
-        </p:spPr>
-      </p:pic>
       <p:sp>
         <p:nvSpPr>
-          <p:cNvPr id="121" name="Google Shape;121;p21"/>
+          <p:cNvPr id="119" name="Google Shape;119;p21"/>
           <p:cNvSpPr txBox="1"/>
           <p:nvPr/>
         </p:nvSpPr>
         <p:spPr>
           <a:xfrm>
-            <a:off x="4987950" y="716750"/>
-            <a:ext cx="3936900" cy="1691700"/>
+            <a:off x="473150" y="956450"/>
+            <a:ext cx="8180700" cy="3739500"/>
           </a:xfrm>
           <a:prstGeom prst="rect">
             <a:avLst/>
@@ -12036,19 +12873,36 @@
           </a:bodyPr>
           <a:lstStyle/>
           <a:p>
-            <a:pPr indent="0" lvl="0" marL="457200" rtl="0" algn="l">
-              <a:spcBef>
-                <a:spcPts val="0"/>
-              </a:spcBef>
-              <a:spcAft>
-                <a:spcPts val="0"/>
-              </a:spcAft>
-              <a:buNone/>
-            </a:pPr>
-            <a:r>
-              <a:t/>
-            </a:r>
-            <a:endParaRPr>
+            <a:pPr indent="-342900" lvl="0" marL="457200" rtl="0" algn="l">
+              <a:spcBef>
+                <a:spcPts val="0"/>
+              </a:spcBef>
+              <a:spcAft>
+                <a:spcPts val="0"/>
+              </a:spcAft>
+              <a:buClr>
+                <a:srgbClr val="666666"/>
+              </a:buClr>
+              <a:buSzPts val="1800"/>
+              <a:buFont typeface="Roboto"/>
+              <a:buChar char="●"/>
+            </a:pPr>
+            <a:r>
+              <a:rPr b="1" lang="en" sz="1800">
+                <a:solidFill>
+                  <a:srgbClr val="666666"/>
+                </a:solidFill>
+                <a:latin typeface="Roboto"/>
+                <a:ea typeface="Roboto"/>
+                <a:cs typeface="Roboto"/>
+                <a:sym typeface="Roboto"/>
+              </a:rPr>
+              <a:t>Compared total rides by month between 2017 and 2018.</a:t>
+            </a:r>
+            <a:endParaRPr b="1" sz="1800">
+              <a:solidFill>
+                <a:srgbClr val="666666"/>
+              </a:solidFill>
               <a:latin typeface="Roboto"/>
               <a:ea typeface="Roboto"/>
               <a:cs typeface="Roboto"/>
@@ -12056,7 +12910,7 @@
             </a:endParaRPr>
           </a:p>
           <a:p>
-            <a:pPr indent="0" lvl="0" marL="914400" rtl="0" algn="l">
+            <a:pPr indent="0" lvl="0" marL="0" rtl="0" algn="l">
               <a:spcBef>
                 <a:spcPts val="0"/>
               </a:spcBef>
@@ -12068,7 +12922,10 @@
             <a:r>
               <a:t/>
             </a:r>
-            <a:endParaRPr>
+            <a:endParaRPr b="1" sz="1800">
+              <a:solidFill>
+                <a:srgbClr val="666666"/>
+              </a:solidFill>
               <a:latin typeface="Roboto"/>
               <a:ea typeface="Roboto"/>
               <a:cs typeface="Roboto"/>
@@ -12076,7 +12933,44 @@
             </a:endParaRPr>
           </a:p>
           <a:p>
-            <a:pPr indent="0" lvl="0" marL="914400" rtl="0" algn="l">
+            <a:pPr indent="-342900" lvl="0" marL="457200" rtl="0" algn="l">
+              <a:spcBef>
+                <a:spcPts val="0"/>
+              </a:spcBef>
+              <a:spcAft>
+                <a:spcPts val="0"/>
+              </a:spcAft>
+              <a:buClr>
+                <a:srgbClr val="666666"/>
+              </a:buClr>
+              <a:buSzPts val="1800"/>
+              <a:buFont typeface="Roboto"/>
+              <a:buChar char="●"/>
+            </a:pPr>
+            <a:r>
+              <a:rPr b="1" lang="en" sz="1800">
+                <a:solidFill>
+                  <a:srgbClr val="666666"/>
+                </a:solidFill>
+                <a:latin typeface="Roboto"/>
+                <a:ea typeface="Roboto"/>
+                <a:cs typeface="Roboto"/>
+                <a:sym typeface="Roboto"/>
+              </a:rPr>
+              <a:t>2017 month average rides were slightly higher than 2018.</a:t>
+            </a:r>
+            <a:endParaRPr b="1" sz="1800">
+              <a:solidFill>
+                <a:srgbClr val="666666"/>
+              </a:solidFill>
+              <a:latin typeface="Roboto"/>
+              <a:ea typeface="Roboto"/>
+              <a:cs typeface="Roboto"/>
+              <a:sym typeface="Roboto"/>
+            </a:endParaRPr>
+          </a:p>
+          <a:p>
+            <a:pPr indent="0" lvl="0" marL="457200" rtl="0" algn="l">
               <a:spcBef>
                 <a:spcPts val="0"/>
               </a:spcBef>
@@ -12088,7 +12982,227 @@
             <a:r>
               <a:t/>
             </a:r>
-            <a:endParaRPr>
+            <a:endParaRPr b="1" sz="1800">
+              <a:solidFill>
+                <a:srgbClr val="666666"/>
+              </a:solidFill>
+              <a:latin typeface="Roboto"/>
+              <a:ea typeface="Roboto"/>
+              <a:cs typeface="Roboto"/>
+              <a:sym typeface="Roboto"/>
+            </a:endParaRPr>
+          </a:p>
+          <a:p>
+            <a:pPr indent="-342900" lvl="0" marL="457200" rtl="0" algn="l">
+              <a:spcBef>
+                <a:spcPts val="0"/>
+              </a:spcBef>
+              <a:spcAft>
+                <a:spcPts val="0"/>
+              </a:spcAft>
+              <a:buClr>
+                <a:srgbClr val="666666"/>
+              </a:buClr>
+              <a:buSzPts val="1800"/>
+              <a:buFont typeface="Roboto"/>
+              <a:buChar char="●"/>
+            </a:pPr>
+            <a:r>
+              <a:rPr b="1" lang="en" sz="1800">
+                <a:solidFill>
+                  <a:srgbClr val="666666"/>
+                </a:solidFill>
+                <a:latin typeface="Roboto"/>
+                <a:ea typeface="Roboto"/>
+                <a:cs typeface="Roboto"/>
+                <a:sym typeface="Roboto"/>
+              </a:rPr>
+              <a:t>Data is relatively normally distributed.</a:t>
+            </a:r>
+            <a:endParaRPr b="1" sz="1800">
+              <a:solidFill>
+                <a:srgbClr val="666666"/>
+              </a:solidFill>
+              <a:latin typeface="Roboto"/>
+              <a:ea typeface="Roboto"/>
+              <a:cs typeface="Roboto"/>
+              <a:sym typeface="Roboto"/>
+            </a:endParaRPr>
+          </a:p>
+          <a:p>
+            <a:pPr indent="0" lvl="0" marL="0" rtl="0" algn="l">
+              <a:spcBef>
+                <a:spcPts val="0"/>
+              </a:spcBef>
+              <a:spcAft>
+                <a:spcPts val="0"/>
+              </a:spcAft>
+              <a:buNone/>
+            </a:pPr>
+            <a:r>
+              <a:t/>
+            </a:r>
+            <a:endParaRPr b="1" sz="1800">
+              <a:solidFill>
+                <a:srgbClr val="666666"/>
+              </a:solidFill>
+              <a:latin typeface="Roboto"/>
+              <a:ea typeface="Roboto"/>
+              <a:cs typeface="Roboto"/>
+              <a:sym typeface="Roboto"/>
+            </a:endParaRPr>
+          </a:p>
+          <a:p>
+            <a:pPr indent="-342900" lvl="0" marL="457200" rtl="0" algn="l">
+              <a:spcBef>
+                <a:spcPts val="0"/>
+              </a:spcBef>
+              <a:spcAft>
+                <a:spcPts val="0"/>
+              </a:spcAft>
+              <a:buClr>
+                <a:srgbClr val="666666"/>
+              </a:buClr>
+              <a:buSzPts val="1800"/>
+              <a:buFont typeface="Roboto"/>
+              <a:buChar char="●"/>
+            </a:pPr>
+            <a:r>
+              <a:rPr b="1" lang="en" sz="1800">
+                <a:solidFill>
+                  <a:srgbClr val="666666"/>
+                </a:solidFill>
+                <a:latin typeface="Roboto"/>
+                <a:ea typeface="Roboto"/>
+                <a:cs typeface="Roboto"/>
+                <a:sym typeface="Roboto"/>
+              </a:rPr>
+              <a:t>Samples are independent.</a:t>
+            </a:r>
+            <a:endParaRPr b="1" sz="1800">
+              <a:solidFill>
+                <a:srgbClr val="666666"/>
+              </a:solidFill>
+              <a:latin typeface="Roboto"/>
+              <a:ea typeface="Roboto"/>
+              <a:cs typeface="Roboto"/>
+              <a:sym typeface="Roboto"/>
+            </a:endParaRPr>
+          </a:p>
+          <a:p>
+            <a:pPr indent="0" lvl="0" marL="0" rtl="0" algn="l">
+              <a:spcBef>
+                <a:spcPts val="0"/>
+              </a:spcBef>
+              <a:spcAft>
+                <a:spcPts val="0"/>
+              </a:spcAft>
+              <a:buNone/>
+            </a:pPr>
+            <a:r>
+              <a:t/>
+            </a:r>
+            <a:endParaRPr b="1" sz="1800">
+              <a:solidFill>
+                <a:srgbClr val="666666"/>
+              </a:solidFill>
+              <a:latin typeface="Roboto"/>
+              <a:ea typeface="Roboto"/>
+              <a:cs typeface="Roboto"/>
+              <a:sym typeface="Roboto"/>
+            </a:endParaRPr>
+          </a:p>
+          <a:p>
+            <a:pPr indent="-342900" lvl="0" marL="457200" rtl="0" algn="l">
+              <a:spcBef>
+                <a:spcPts val="0"/>
+              </a:spcBef>
+              <a:spcAft>
+                <a:spcPts val="0"/>
+              </a:spcAft>
+              <a:buClr>
+                <a:srgbClr val="666666"/>
+              </a:buClr>
+              <a:buSzPts val="1800"/>
+              <a:buFont typeface="Roboto"/>
+              <a:buChar char="●"/>
+            </a:pPr>
+            <a:r>
+              <a:rPr b="1" lang="en" sz="1800">
+                <a:solidFill>
+                  <a:srgbClr val="666666"/>
+                </a:solidFill>
+                <a:latin typeface="Roboto"/>
+                <a:ea typeface="Roboto"/>
+                <a:cs typeface="Roboto"/>
+                <a:sym typeface="Roboto"/>
+              </a:rPr>
+              <a:t>T-test (statistic=0.41649997186076, pvalue=0.6833606911535794)</a:t>
+            </a:r>
+            <a:endParaRPr b="1" sz="1800">
+              <a:solidFill>
+                <a:srgbClr val="666666"/>
+              </a:solidFill>
+              <a:latin typeface="Roboto"/>
+              <a:ea typeface="Roboto"/>
+              <a:cs typeface="Roboto"/>
+              <a:sym typeface="Roboto"/>
+            </a:endParaRPr>
+          </a:p>
+          <a:p>
+            <a:pPr indent="0" lvl="0" marL="0" rtl="0" algn="l">
+              <a:spcBef>
+                <a:spcPts val="0"/>
+              </a:spcBef>
+              <a:spcAft>
+                <a:spcPts val="0"/>
+              </a:spcAft>
+              <a:buNone/>
+            </a:pPr>
+            <a:r>
+              <a:t/>
+            </a:r>
+            <a:endParaRPr b="1" sz="1800">
+              <a:solidFill>
+                <a:srgbClr val="666666"/>
+              </a:solidFill>
+              <a:latin typeface="Roboto"/>
+              <a:ea typeface="Roboto"/>
+              <a:cs typeface="Roboto"/>
+              <a:sym typeface="Roboto"/>
+            </a:endParaRPr>
+          </a:p>
+          <a:p>
+            <a:pPr indent="-342900" lvl="0" marL="457200" rtl="0" algn="l">
+              <a:spcBef>
+                <a:spcPts val="0"/>
+              </a:spcBef>
+              <a:spcAft>
+                <a:spcPts val="0"/>
+              </a:spcAft>
+              <a:buClr>
+                <a:srgbClr val="666666"/>
+              </a:buClr>
+              <a:buSzPts val="1800"/>
+              <a:buFont typeface="Roboto"/>
+              <a:buChar char="●"/>
+            </a:pPr>
+            <a:r>
+              <a:rPr b="1" lang="en" sz="1800">
+                <a:solidFill>
+                  <a:srgbClr val="666666"/>
+                </a:solidFill>
+                <a:latin typeface="Roboto"/>
+                <a:ea typeface="Roboto"/>
+                <a:cs typeface="Roboto"/>
+                <a:sym typeface="Roboto"/>
+              </a:rPr>
+              <a:t>Cannot reject null hypothesis. </a:t>
+            </a:r>
+            <a:endParaRPr b="1" sz="1800">
+              <a:solidFill>
+                <a:srgbClr val="666666"/>
+              </a:solidFill>
               <a:latin typeface="Roboto"/>
               <a:ea typeface="Roboto"/>
               <a:cs typeface="Roboto"/>

--- a/Patterns_In_NiceRide_Group6_Final.pptx
+++ b/Patterns_In_NiceRide_Group6_Final.pptx
@@ -5,7 +5,7 @@
     <p:sldMasterId id="2147483659" r:id="rId1"/>
   </p:sldMasterIdLst>
   <p:notesMasterIdLst>
-    <p:notesMasterId r:id="rId26"/>
+    <p:notesMasterId r:id="rId24"/>
   </p:notesMasterIdLst>
   <p:sldIdLst>
     <p:sldId id="256" r:id="rId2"/>
@@ -26,22 +26,20 @@
     <p:sldId id="271" r:id="rId17"/>
     <p:sldId id="272" r:id="rId18"/>
     <p:sldId id="273" r:id="rId19"/>
-    <p:sldId id="276" r:id="rId20"/>
-    <p:sldId id="277" r:id="rId21"/>
+    <p:sldId id="274" r:id="rId20"/>
+    <p:sldId id="276" r:id="rId21"/>
     <p:sldId id="278" r:id="rId22"/>
-    <p:sldId id="279" r:id="rId23"/>
-    <p:sldId id="274" r:id="rId24"/>
-    <p:sldId id="275" r:id="rId25"/>
+    <p:sldId id="275" r:id="rId23"/>
   </p:sldIdLst>
   <p:sldSz cx="9144000" cy="5143500" type="screen16x9"/>
   <p:notesSz cx="6858000" cy="9144000"/>
   <p:embeddedFontLst>
     <p:embeddedFont>
       <p:font typeface="Roboto" panose="020B0604020202020204" charset="0"/>
-      <p:regular r:id="rId27"/>
-      <p:bold r:id="rId28"/>
-      <p:italic r:id="rId29"/>
-      <p:boldItalic r:id="rId30"/>
+      <p:regular r:id="rId25"/>
+      <p:bold r:id="rId26"/>
+      <p:italic r:id="rId27"/>
+      <p:boldItalic r:id="rId28"/>
     </p:embeddedFont>
   </p:embeddedFontLst>
   <p:defaultTextStyle>
@@ -974,7 +972,7 @@
         </p:nvSpPr>
         <p:spPr>
           <a:xfrm>
-            <a:off x="381300" y="685800"/>
+            <a:off x="381000" y="685800"/>
             <a:ext cx="6096000" cy="3429000"/>
           </a:xfrm>
           <a:custGeom>
@@ -1286,7 +1284,7 @@
         </p:nvSpPr>
         <p:spPr>
           <a:xfrm>
-            <a:off x="381300" y="685800"/>
+            <a:off x="381000" y="685800"/>
             <a:ext cx="6096000" cy="3429000"/>
           </a:xfrm>
           <a:custGeom>
@@ -1390,7 +1388,7 @@
         </p:nvSpPr>
         <p:spPr>
           <a:xfrm>
-            <a:off x="381300" y="685800"/>
+            <a:off x="381000" y="685800"/>
             <a:ext cx="6096000" cy="3429000"/>
           </a:xfrm>
           <a:custGeom>
@@ -1498,7 +1496,7 @@
         </p:nvSpPr>
         <p:spPr>
           <a:xfrm>
-            <a:off x="381300" y="685800"/>
+            <a:off x="381000" y="685800"/>
             <a:ext cx="6096000" cy="3429000"/>
           </a:xfrm>
           <a:custGeom>
@@ -1704,7 +1702,7 @@
         </p:nvSpPr>
         <p:spPr>
           <a:xfrm>
-            <a:off x="381300" y="685800"/>
+            <a:off x="381000" y="685800"/>
             <a:ext cx="6096000" cy="3429000"/>
           </a:xfrm>
           <a:custGeom>
@@ -2027,7 +2025,7 @@
   <p:cSld>
     <p:spTree>
       <p:nvGrpSpPr>
-        <p:cNvPr id="1" name="Shape 148"/>
+        <p:cNvPr id="1" name="Shape 180"/>
         <p:cNvGrpSpPr/>
         <p:nvPr/>
       </p:nvGrpSpPr>
@@ -2041,7 +2039,7 @@
       </p:grpSpPr>
       <p:sp>
         <p:nvSpPr>
-          <p:cNvPr id="149" name="Google Shape;149;g5ddab92e61_0_35:notes"/>
+          <p:cNvPr id="181" name="Google Shape;181;g5dd161bf4a_3_0:notes"/>
           <p:cNvSpPr>
             <a:spLocks noGrp="1" noRot="1" noChangeAspect="1"/>
           </p:cNvSpPr>
@@ -2051,7 +2049,7 @@
         </p:nvSpPr>
         <p:spPr>
           <a:xfrm>
-            <a:off x="381000" y="685800"/>
+            <a:off x="381300" y="685800"/>
             <a:ext cx="6096000" cy="3429000"/>
           </a:xfrm>
           <a:custGeom>
@@ -2082,7 +2080,7 @@
       </p:sp>
       <p:sp>
         <p:nvSpPr>
-          <p:cNvPr id="150" name="Google Shape;150;g5ddab92e61_0_35:notes"/>
+          <p:cNvPr id="182" name="Google Shape;182;g5dd161bf4a_3_0:notes"/>
           <p:cNvSpPr txBox="1">
             <a:spLocks noGrp="1"/>
           </p:cNvSpPr>
@@ -2105,9 +2103,149 @@
           </a:bodyPr>
           <a:lstStyle/>
           <a:p>
+            <a:pPr marL="457200" lvl="0" indent="-295275" algn="l" rtl="0">
+              <a:lnSpc>
+                <a:spcPct val="115000"/>
+              </a:lnSpc>
+              <a:spcBef>
+                <a:spcPts val="1100"/>
+              </a:spcBef>
+              <a:spcAft>
+                <a:spcPts val="0"/>
+              </a:spcAft>
+              <a:buSzPts val="1050"/>
+              <a:buChar char="●"/>
+            </a:pPr>
+            <a:r>
+              <a:rPr lang="en" sz="1050"/>
+              <a:t>From 2010-2017: Member account type indicated users who had an account with NiceRide. For the same time period, Casual account type indicated users who walked up and bought a pass at the station.</a:t>
+            </a:r>
+            <a:endParaRPr sz="1050"/>
+          </a:p>
+          <a:p>
+            <a:pPr marL="457200" lvl="0" indent="-295275" algn="l" rtl="0">
+              <a:lnSpc>
+                <a:spcPct val="115000"/>
+              </a:lnSpc>
+              <a:spcBef>
+                <a:spcPts val="0"/>
+              </a:spcBef>
+              <a:spcAft>
+                <a:spcPts val="0"/>
+              </a:spcAft>
+              <a:buSzPts val="1050"/>
+              <a:buChar char="●"/>
+            </a:pPr>
+            <a:r>
+              <a:rPr lang="en" sz="1050"/>
+              <a:t>2018: Member account type indicated users who have a monthly or annual subscription membership with NiceRide. Casual account type indicated users who purchased a single ride or purchased a day pass.</a:t>
+            </a:r>
+            <a:endParaRPr sz="1050"/>
+          </a:p>
+          <a:p>
+            <a:pPr marL="457200" lvl="0" indent="-295275" algn="l" rtl="0">
+              <a:lnSpc>
+                <a:spcPct val="115000"/>
+              </a:lnSpc>
+              <a:spcBef>
+                <a:spcPts val="0"/>
+              </a:spcBef>
+              <a:spcAft>
+                <a:spcPts val="0"/>
+              </a:spcAft>
+              <a:buSzPts val="1050"/>
+              <a:buChar char="●"/>
+            </a:pPr>
+            <a:r>
+              <a:rPr lang="en" sz="1050"/>
+              <a:t>From 2010 to 2014 Member account type members outpaced growth of casual riders.</a:t>
+            </a:r>
+            <a:endParaRPr sz="1050"/>
+          </a:p>
+          <a:p>
+            <a:pPr marL="457200" lvl="0" indent="-295275" algn="l" rtl="0">
+              <a:lnSpc>
+                <a:spcPct val="115000"/>
+              </a:lnSpc>
+              <a:spcBef>
+                <a:spcPts val="0"/>
+              </a:spcBef>
+              <a:spcAft>
+                <a:spcPts val="0"/>
+              </a:spcAft>
+              <a:buSzPts val="1050"/>
+              <a:buChar char="●"/>
+            </a:pPr>
+            <a:r>
+              <a:rPr lang="en" sz="1050"/>
+              <a:t>From 2014-2016, membership growth remained flat and number of riders by account type did not differ greatly as casual rides increased.</a:t>
+            </a:r>
+            <a:endParaRPr sz="1050"/>
+          </a:p>
+          <a:p>
+            <a:pPr marL="457200" lvl="0" indent="-295275" algn="l" rtl="0">
+              <a:lnSpc>
+                <a:spcPct val="115000"/>
+              </a:lnSpc>
+              <a:spcBef>
+                <a:spcPts val="0"/>
+              </a:spcBef>
+              <a:spcAft>
+                <a:spcPts val="0"/>
+              </a:spcAft>
+              <a:buSzPts val="1050"/>
+              <a:buChar char="●"/>
+            </a:pPr>
+            <a:r>
+              <a:rPr lang="en" sz="1050"/>
+              <a:t>2016 saw a large dip in the number of casual riders. At this time, NiceRide offering a discount on single rides for users who create a membership and use the NiceRide app. This could help to explain the reduction in Casual account type riders at this point in time.</a:t>
+            </a:r>
+            <a:endParaRPr sz="1050"/>
+          </a:p>
+          <a:p>
+            <a:pPr marL="457200" lvl="0" indent="-295275" algn="l" rtl="0">
+              <a:lnSpc>
+                <a:spcPct val="115000"/>
+              </a:lnSpc>
+              <a:spcBef>
+                <a:spcPts val="0"/>
+              </a:spcBef>
+              <a:spcAft>
+                <a:spcPts val="0"/>
+              </a:spcAft>
+              <a:buSzPts val="1050"/>
+              <a:buChar char="●"/>
+            </a:pPr>
+            <a:r>
+              <a:rPr lang="en" sz="1050"/>
+              <a:t>By 2018 there the number of member vs casual rides seemingly flipped as member riders steeply declined, and casual riders sharply rose. In 2018 NiceRide began offering a day pass option changing how member vs casual riders were classified.</a:t>
+            </a:r>
+            <a:endParaRPr sz="1050"/>
+          </a:p>
+          <a:p>
+            <a:pPr marL="457200" lvl="0" indent="-295275" algn="l" rtl="0">
+              <a:lnSpc>
+                <a:spcPct val="115000"/>
+              </a:lnSpc>
+              <a:spcBef>
+                <a:spcPts val="0"/>
+              </a:spcBef>
+              <a:spcAft>
+                <a:spcPts val="0"/>
+              </a:spcAft>
+              <a:buSzPts val="1050"/>
+              <a:buChar char="●"/>
+            </a:pPr>
+            <a:r>
+              <a:rPr lang="en" sz="1050"/>
+              <a:t>The day pass popular choice among riders and shifted the distribution of Member and Casual account types. Incentivising usage with discounts or flexible pricing options is effective in driving users to a specific account type.</a:t>
+            </a:r>
+            <a:endParaRPr sz="1050"/>
+          </a:p>
+          <a:p>
             <a:pPr marL="0" lvl="0" indent="0" algn="l" rtl="0">
               <a:spcBef>
-                <a:spcPts val="0"/>
+                <a:spcPts val="700"/>
               </a:spcBef>
               <a:spcAft>
                 <a:spcPts val="0"/>
@@ -2119,11 +2257,6 @@
         </p:txBody>
       </p:sp>
     </p:spTree>
-    <p:extLst>
-      <p:ext uri="{BB962C8B-B14F-4D97-AF65-F5344CB8AC3E}">
-        <p14:creationId xmlns:p14="http://schemas.microsoft.com/office/powerpoint/2010/main" val="2866563546"/>
-      </p:ext>
-    </p:extLst>
   </p:cSld>
   <p:clrMapOvr>
     <a:masterClrMapping/>
@@ -2160,7 +2293,7 @@
         </p:nvSpPr>
         <p:spPr>
           <a:xfrm>
-            <a:off x="381300" y="685800"/>
+            <a:off x="381000" y="685800"/>
             <a:ext cx="6096000" cy="3429000"/>
           </a:xfrm>
           <a:custGeom>
@@ -2334,7 +2467,7 @@
     </p:spTree>
     <p:extLst>
       <p:ext uri="{BB962C8B-B14F-4D97-AF65-F5344CB8AC3E}">
-        <p14:creationId xmlns:p14="http://schemas.microsoft.com/office/powerpoint/2010/main" val="934904331"/>
+        <p14:creationId xmlns:p14="http://schemas.microsoft.com/office/powerpoint/2010/main" val="2866563546"/>
       </p:ext>
     </p:extLst>
   </p:cSld>
@@ -2443,7 +2576,7 @@
     </p:spTree>
     <p:extLst>
       <p:ext uri="{BB962C8B-B14F-4D97-AF65-F5344CB8AC3E}">
-        <p14:creationId xmlns:p14="http://schemas.microsoft.com/office/powerpoint/2010/main" val="2251367252"/>
+        <p14:creationId xmlns:p14="http://schemas.microsoft.com/office/powerpoint/2010/main" val="3135642917"/>
       </p:ext>
     </p:extLst>
   </p:cSld>
@@ -2454,359 +2587,6 @@
 </file>
 
 <file path=ppt/notesSlides/notesSlide22.xml><?xml version="1.0" encoding="utf-8"?>
-<p:notes xmlns:a="http://schemas.openxmlformats.org/drawingml/2006/main" xmlns:r="http://schemas.openxmlformats.org/officeDocument/2006/relationships" xmlns:p="http://schemas.openxmlformats.org/presentationml/2006/main" showMasterSp="0" showMasterPhAnim="0">
-  <p:cSld>
-    <p:spTree>
-      <p:nvGrpSpPr>
-        <p:cNvPr id="1" name="Shape 148"/>
-        <p:cNvGrpSpPr/>
-        <p:nvPr/>
-      </p:nvGrpSpPr>
-      <p:grpSpPr>
-        <a:xfrm>
-          <a:off x="0" y="0"/>
-          <a:ext cx="0" cy="0"/>
-          <a:chOff x="0" y="0"/>
-          <a:chExt cx="0" cy="0"/>
-        </a:xfrm>
-      </p:grpSpPr>
-      <p:sp>
-        <p:nvSpPr>
-          <p:cNvPr id="149" name="Google Shape;149;g5ddab92e61_0_35:notes"/>
-          <p:cNvSpPr>
-            <a:spLocks noGrp="1" noRot="1" noChangeAspect="1"/>
-          </p:cNvSpPr>
-          <p:nvPr>
-            <p:ph type="sldImg" idx="2"/>
-          </p:nvPr>
-        </p:nvSpPr>
-        <p:spPr>
-          <a:xfrm>
-            <a:off x="381000" y="685800"/>
-            <a:ext cx="6096000" cy="3429000"/>
-          </a:xfrm>
-          <a:custGeom>
-            <a:avLst/>
-            <a:gdLst/>
-            <a:ahLst/>
-            <a:cxnLst/>
-            <a:rect l="l" t="t" r="r" b="b"/>
-            <a:pathLst>
-              <a:path w="120000" h="120000" extrusionOk="0">
-                <a:moveTo>
-                  <a:pt x="0" y="0"/>
-                </a:moveTo>
-                <a:lnTo>
-                  <a:pt x="120000" y="0"/>
-                </a:lnTo>
-                <a:lnTo>
-                  <a:pt x="120000" y="120000"/>
-                </a:lnTo>
-                <a:lnTo>
-                  <a:pt x="0" y="120000"/>
-                </a:lnTo>
-                <a:close/>
-              </a:path>
-            </a:pathLst>
-          </a:custGeom>
-        </p:spPr>
-      </p:sp>
-      <p:sp>
-        <p:nvSpPr>
-          <p:cNvPr id="150" name="Google Shape;150;g5ddab92e61_0_35:notes"/>
-          <p:cNvSpPr txBox="1">
-            <a:spLocks noGrp="1"/>
-          </p:cNvSpPr>
-          <p:nvPr>
-            <p:ph type="body" idx="1"/>
-          </p:nvPr>
-        </p:nvSpPr>
-        <p:spPr>
-          <a:xfrm>
-            <a:off x="685800" y="4343400"/>
-            <a:ext cx="5486400" cy="4114800"/>
-          </a:xfrm>
-          <a:prstGeom prst="rect">
-            <a:avLst/>
-          </a:prstGeom>
-        </p:spPr>
-        <p:txBody>
-          <a:bodyPr spcFirstLastPara="1" wrap="square" lIns="91425" tIns="91425" rIns="91425" bIns="91425" anchor="t" anchorCtr="0">
-            <a:noAutofit/>
-          </a:bodyPr>
-          <a:lstStyle/>
-          <a:p>
-            <a:pPr marL="0" lvl="0" indent="0" algn="l" rtl="0">
-              <a:spcBef>
-                <a:spcPts val="0"/>
-              </a:spcBef>
-              <a:spcAft>
-                <a:spcPts val="0"/>
-              </a:spcAft>
-              <a:buNone/>
-            </a:pPr>
-            <a:endParaRPr/>
-          </a:p>
-        </p:txBody>
-      </p:sp>
-    </p:spTree>
-    <p:extLst>
-      <p:ext uri="{BB962C8B-B14F-4D97-AF65-F5344CB8AC3E}">
-        <p14:creationId xmlns:p14="http://schemas.microsoft.com/office/powerpoint/2010/main" val="2657984244"/>
-      </p:ext>
-    </p:extLst>
-  </p:cSld>
-  <p:clrMapOvr>
-    <a:masterClrMapping/>
-  </p:clrMapOvr>
-</p:notes>
-</file>
-
-<file path=ppt/notesSlides/notesSlide23.xml><?xml version="1.0" encoding="utf-8"?>
-<p:notes xmlns:a="http://schemas.openxmlformats.org/drawingml/2006/main" xmlns:r="http://schemas.openxmlformats.org/officeDocument/2006/relationships" xmlns:p="http://schemas.openxmlformats.org/presentationml/2006/main" showMasterSp="0" showMasterPhAnim="0">
-  <p:cSld>
-    <p:spTree>
-      <p:nvGrpSpPr>
-        <p:cNvPr id="1" name="Shape 180"/>
-        <p:cNvGrpSpPr/>
-        <p:nvPr/>
-      </p:nvGrpSpPr>
-      <p:grpSpPr>
-        <a:xfrm>
-          <a:off x="0" y="0"/>
-          <a:ext cx="0" cy="0"/>
-          <a:chOff x="0" y="0"/>
-          <a:chExt cx="0" cy="0"/>
-        </a:xfrm>
-      </p:grpSpPr>
-      <p:sp>
-        <p:nvSpPr>
-          <p:cNvPr id="181" name="Google Shape;181;g5dd161bf4a_3_0:notes"/>
-          <p:cNvSpPr>
-            <a:spLocks noGrp="1" noRot="1" noChangeAspect="1"/>
-          </p:cNvSpPr>
-          <p:nvPr>
-            <p:ph type="sldImg" idx="2"/>
-          </p:nvPr>
-        </p:nvSpPr>
-        <p:spPr>
-          <a:xfrm>
-            <a:off x="381300" y="685800"/>
-            <a:ext cx="6096000" cy="3429000"/>
-          </a:xfrm>
-          <a:custGeom>
-            <a:avLst/>
-            <a:gdLst/>
-            <a:ahLst/>
-            <a:cxnLst/>
-            <a:rect l="l" t="t" r="r" b="b"/>
-            <a:pathLst>
-              <a:path w="120000" h="120000" extrusionOk="0">
-                <a:moveTo>
-                  <a:pt x="0" y="0"/>
-                </a:moveTo>
-                <a:lnTo>
-                  <a:pt x="120000" y="0"/>
-                </a:lnTo>
-                <a:lnTo>
-                  <a:pt x="120000" y="120000"/>
-                </a:lnTo>
-                <a:lnTo>
-                  <a:pt x="0" y="120000"/>
-                </a:lnTo>
-                <a:close/>
-              </a:path>
-            </a:pathLst>
-          </a:custGeom>
-        </p:spPr>
-      </p:sp>
-      <p:sp>
-        <p:nvSpPr>
-          <p:cNvPr id="182" name="Google Shape;182;g5dd161bf4a_3_0:notes"/>
-          <p:cNvSpPr txBox="1">
-            <a:spLocks noGrp="1"/>
-          </p:cNvSpPr>
-          <p:nvPr>
-            <p:ph type="body" idx="1"/>
-          </p:nvPr>
-        </p:nvSpPr>
-        <p:spPr>
-          <a:xfrm>
-            <a:off x="685800" y="4343400"/>
-            <a:ext cx="5486400" cy="4114800"/>
-          </a:xfrm>
-          <a:prstGeom prst="rect">
-            <a:avLst/>
-          </a:prstGeom>
-        </p:spPr>
-        <p:txBody>
-          <a:bodyPr spcFirstLastPara="1" wrap="square" lIns="91425" tIns="91425" rIns="91425" bIns="91425" anchor="t" anchorCtr="0">
-            <a:noAutofit/>
-          </a:bodyPr>
-          <a:lstStyle/>
-          <a:p>
-            <a:pPr marL="457200" lvl="0" indent="-295275" algn="l" rtl="0">
-              <a:lnSpc>
-                <a:spcPct val="115000"/>
-              </a:lnSpc>
-              <a:spcBef>
-                <a:spcPts val="1100"/>
-              </a:spcBef>
-              <a:spcAft>
-                <a:spcPts val="0"/>
-              </a:spcAft>
-              <a:buSzPts val="1050"/>
-              <a:buChar char="●"/>
-            </a:pPr>
-            <a:r>
-              <a:rPr lang="en" sz="1050"/>
-              <a:t>From 2010-2017: Member account type indicated users who had an account with NiceRide. For the same time period, Casual account type indicated users who walked up and bought a pass at the station.</a:t>
-            </a:r>
-            <a:endParaRPr sz="1050"/>
-          </a:p>
-          <a:p>
-            <a:pPr marL="457200" lvl="0" indent="-295275" algn="l" rtl="0">
-              <a:lnSpc>
-                <a:spcPct val="115000"/>
-              </a:lnSpc>
-              <a:spcBef>
-                <a:spcPts val="0"/>
-              </a:spcBef>
-              <a:spcAft>
-                <a:spcPts val="0"/>
-              </a:spcAft>
-              <a:buSzPts val="1050"/>
-              <a:buChar char="●"/>
-            </a:pPr>
-            <a:r>
-              <a:rPr lang="en" sz="1050"/>
-              <a:t>2018: Member account type indicated users who have a monthly or annual subscription membership with NiceRide. Casual account type indicated users who purchased a single ride or purchased a day pass.</a:t>
-            </a:r>
-            <a:endParaRPr sz="1050"/>
-          </a:p>
-          <a:p>
-            <a:pPr marL="457200" lvl="0" indent="-295275" algn="l" rtl="0">
-              <a:lnSpc>
-                <a:spcPct val="115000"/>
-              </a:lnSpc>
-              <a:spcBef>
-                <a:spcPts val="0"/>
-              </a:spcBef>
-              <a:spcAft>
-                <a:spcPts val="0"/>
-              </a:spcAft>
-              <a:buSzPts val="1050"/>
-              <a:buChar char="●"/>
-            </a:pPr>
-            <a:r>
-              <a:rPr lang="en" sz="1050"/>
-              <a:t>From 2010 to 2014 Member account type members outpaced growth of casual riders.</a:t>
-            </a:r>
-            <a:endParaRPr sz="1050"/>
-          </a:p>
-          <a:p>
-            <a:pPr marL="457200" lvl="0" indent="-295275" algn="l" rtl="0">
-              <a:lnSpc>
-                <a:spcPct val="115000"/>
-              </a:lnSpc>
-              <a:spcBef>
-                <a:spcPts val="0"/>
-              </a:spcBef>
-              <a:spcAft>
-                <a:spcPts val="0"/>
-              </a:spcAft>
-              <a:buSzPts val="1050"/>
-              <a:buChar char="●"/>
-            </a:pPr>
-            <a:r>
-              <a:rPr lang="en" sz="1050"/>
-              <a:t>From 2014-2016, membership growth remained flat and number of riders by account type did not differ greatly as casual rides increased.</a:t>
-            </a:r>
-            <a:endParaRPr sz="1050"/>
-          </a:p>
-          <a:p>
-            <a:pPr marL="457200" lvl="0" indent="-295275" algn="l" rtl="0">
-              <a:lnSpc>
-                <a:spcPct val="115000"/>
-              </a:lnSpc>
-              <a:spcBef>
-                <a:spcPts val="0"/>
-              </a:spcBef>
-              <a:spcAft>
-                <a:spcPts val="0"/>
-              </a:spcAft>
-              <a:buSzPts val="1050"/>
-              <a:buChar char="●"/>
-            </a:pPr>
-            <a:r>
-              <a:rPr lang="en" sz="1050"/>
-              <a:t>2016 saw a large dip in the number of casual riders. At this time, NiceRide offering a discount on single rides for users who create a membership and use the NiceRide app. This could help to explain the reduction in Casual account type riders at this point in time.</a:t>
-            </a:r>
-            <a:endParaRPr sz="1050"/>
-          </a:p>
-          <a:p>
-            <a:pPr marL="457200" lvl="0" indent="-295275" algn="l" rtl="0">
-              <a:lnSpc>
-                <a:spcPct val="115000"/>
-              </a:lnSpc>
-              <a:spcBef>
-                <a:spcPts val="0"/>
-              </a:spcBef>
-              <a:spcAft>
-                <a:spcPts val="0"/>
-              </a:spcAft>
-              <a:buSzPts val="1050"/>
-              <a:buChar char="●"/>
-            </a:pPr>
-            <a:r>
-              <a:rPr lang="en" sz="1050"/>
-              <a:t>By 2018 there the number of member vs casual rides seemingly flipped as member riders steeply declined, and casual riders sharply rose. In 2018 NiceRide began offering a day pass option changing how member vs casual riders were classified.</a:t>
-            </a:r>
-            <a:endParaRPr sz="1050"/>
-          </a:p>
-          <a:p>
-            <a:pPr marL="457200" lvl="0" indent="-295275" algn="l" rtl="0">
-              <a:lnSpc>
-                <a:spcPct val="115000"/>
-              </a:lnSpc>
-              <a:spcBef>
-                <a:spcPts val="0"/>
-              </a:spcBef>
-              <a:spcAft>
-                <a:spcPts val="0"/>
-              </a:spcAft>
-              <a:buSzPts val="1050"/>
-              <a:buChar char="●"/>
-            </a:pPr>
-            <a:r>
-              <a:rPr lang="en" sz="1050"/>
-              <a:t>The day pass popular choice among riders and shifted the distribution of Member and Casual account types. Incentivising usage with discounts or flexible pricing options is effective in driving users to a specific account type.</a:t>
-            </a:r>
-            <a:endParaRPr sz="1050"/>
-          </a:p>
-          <a:p>
-            <a:pPr marL="0" lvl="0" indent="0" algn="l" rtl="0">
-              <a:spcBef>
-                <a:spcPts val="700"/>
-              </a:spcBef>
-              <a:spcAft>
-                <a:spcPts val="0"/>
-              </a:spcAft>
-              <a:buNone/>
-            </a:pPr>
-            <a:endParaRPr/>
-          </a:p>
-        </p:txBody>
-      </p:sp>
-    </p:spTree>
-  </p:cSld>
-  <p:clrMapOvr>
-    <a:masterClrMapping/>
-  </p:clrMapOvr>
-</p:notes>
-</file>
-
-<file path=ppt/notesSlides/notesSlide24.xml><?xml version="1.0" encoding="utf-8"?>
 <p:notes xmlns:a="http://schemas.openxmlformats.org/drawingml/2006/main" xmlns:r="http://schemas.openxmlformats.org/officeDocument/2006/relationships" xmlns:p="http://schemas.openxmlformats.org/presentationml/2006/main" showMasterSp="0" showMasterPhAnim="0">
   <p:cSld>
     <p:spTree>
@@ -2835,7 +2615,7 @@
         </p:nvSpPr>
         <p:spPr>
           <a:xfrm>
-            <a:off x="381300" y="685800"/>
+            <a:off x="381000" y="685800"/>
             <a:ext cx="6096000" cy="3429000"/>
           </a:xfrm>
           <a:custGeom>
@@ -3043,7 +2823,7 @@
         </p:nvSpPr>
         <p:spPr>
           <a:xfrm>
-            <a:off x="381300" y="685800"/>
+            <a:off x="381000" y="685800"/>
             <a:ext cx="6096000" cy="3429000"/>
           </a:xfrm>
           <a:custGeom>
@@ -3147,7 +2927,7 @@
         </p:nvSpPr>
         <p:spPr>
           <a:xfrm>
-            <a:off x="381300" y="685800"/>
+            <a:off x="381000" y="685800"/>
             <a:ext cx="6096000" cy="3429000"/>
           </a:xfrm>
           <a:custGeom>
@@ -3359,7 +3139,7 @@
         </p:nvSpPr>
         <p:spPr>
           <a:xfrm>
-            <a:off x="381300" y="685800"/>
+            <a:off x="381000" y="685800"/>
             <a:ext cx="6096000" cy="3429000"/>
           </a:xfrm>
           <a:custGeom>
@@ -3467,7 +3247,7 @@
         </p:nvSpPr>
         <p:spPr>
           <a:xfrm>
-            <a:off x="381300" y="685800"/>
+            <a:off x="381000" y="685800"/>
             <a:ext cx="6096000" cy="3429000"/>
           </a:xfrm>
           <a:custGeom>
@@ -10301,7 +10081,7 @@
         </p:blipFill>
         <p:spPr>
           <a:xfrm>
-            <a:off x="2055968" y="1278800"/>
+            <a:off x="2055962" y="1179408"/>
             <a:ext cx="4911175" cy="3211150"/>
           </a:xfrm>
           <a:prstGeom prst="rect">
@@ -10952,7 +10732,7 @@
               </a:spcAft>
               <a:buNone/>
             </a:pPr>
-            <a:endParaRPr sz="2400"/>
+            <a:endParaRPr sz="2400" dirty="0"/>
           </a:p>
           <a:p>
             <a:pPr marL="0" lvl="0" indent="0" algn="ctr" rtl="0">
@@ -10965,10 +10745,14 @@
               <a:buNone/>
             </a:pPr>
             <a:r>
-              <a:rPr lang="en" sz="2400"/>
-              <a:t>22018 eScooter Pilot Impact to Trip Duration?  </a:t>
+              <a:rPr lang="en" sz="2400" dirty="0" smtClean="0"/>
+              <a:t>2018 </a:t>
             </a:r>
-            <a:endParaRPr sz="2400"/>
+            <a:r>
+              <a:rPr lang="en" sz="2400" dirty="0"/>
+              <a:t>eScooter Pilot Impact to Trip Duration?  </a:t>
+            </a:r>
+            <a:endParaRPr sz="2400" dirty="0"/>
           </a:p>
           <a:p>
             <a:pPr marL="0" lvl="0" indent="0" algn="l" rtl="0">
@@ -10980,7 +10764,7 @@
               </a:spcAft>
               <a:buNone/>
             </a:pPr>
-            <a:endParaRPr/>
+            <a:endParaRPr dirty="0"/>
           </a:p>
         </p:txBody>
       </p:sp>
@@ -11049,7 +10833,7 @@
         </p:nvSpPr>
         <p:spPr>
           <a:xfrm>
-            <a:off x="471900" y="738725"/>
+            <a:off x="0" y="433925"/>
             <a:ext cx="8222100" cy="767700"/>
           </a:xfrm>
           <a:prstGeom prst="rect">
@@ -11072,10 +10856,10 @@
               <a:buNone/>
             </a:pPr>
             <a:r>
-              <a:rPr lang="en"/>
+              <a:rPr lang="en" dirty="0"/>
               <a:t>Trends in Nice Ride Demographics</a:t>
             </a:r>
-            <a:endParaRPr/>
+            <a:endParaRPr dirty="0"/>
           </a:p>
         </p:txBody>
       </p:sp>
@@ -11105,6 +10889,9 @@
           <a:lstStyle/>
           <a:p>
             <a:pPr marL="457200" lvl="0" indent="-342900" algn="l" rtl="0">
+              <a:lnSpc>
+                <a:spcPct val="150000"/>
+              </a:lnSpc>
               <a:spcBef>
                 <a:spcPts val="0"/>
               </a:spcBef>
@@ -11115,13 +10902,16 @@
               <a:buChar char="●"/>
             </a:pPr>
             <a:r>
-              <a:rPr lang="en"/>
+              <a:rPr lang="en" b="1" dirty="0" smtClean="0"/>
               <a:t>What is the age distribution of Nice Ride users in Minneapolis?</a:t>
             </a:r>
-            <a:endParaRPr/>
+            <a:endParaRPr b="1" dirty="0" smtClean="0"/>
           </a:p>
           <a:p>
             <a:pPr marL="457200" lvl="0" indent="-342900" algn="l" rtl="0">
+              <a:lnSpc>
+                <a:spcPct val="150000"/>
+              </a:lnSpc>
               <a:spcBef>
                 <a:spcPts val="0"/>
               </a:spcBef>
@@ -11132,13 +10922,16 @@
               <a:buChar char="●"/>
             </a:pPr>
             <a:r>
-              <a:rPr lang="en"/>
+              <a:rPr lang="en" b="1" dirty="0" smtClean="0"/>
               <a:t>How does this compare with the total population of Minneapolis?</a:t>
             </a:r>
-            <a:endParaRPr/>
+            <a:endParaRPr b="1" dirty="0" smtClean="0"/>
           </a:p>
           <a:p>
             <a:pPr marL="457200" lvl="0" indent="-342900" algn="l" rtl="0">
+              <a:lnSpc>
+                <a:spcPct val="150000"/>
+              </a:lnSpc>
               <a:spcBef>
                 <a:spcPts val="0"/>
               </a:spcBef>
@@ -11149,13 +10942,16 @@
               <a:buChar char="●"/>
             </a:pPr>
             <a:r>
-              <a:rPr lang="en"/>
+              <a:rPr lang="en" b="1" dirty="0" smtClean="0"/>
               <a:t>How does the population of Minneapolis compare with Eau Claire?</a:t>
             </a:r>
-            <a:endParaRPr/>
+            <a:endParaRPr b="1" dirty="0" smtClean="0"/>
           </a:p>
           <a:p>
             <a:pPr marL="457200" lvl="0" indent="-342900" algn="l" rtl="0">
+              <a:lnSpc>
+                <a:spcPct val="150000"/>
+              </a:lnSpc>
               <a:spcBef>
                 <a:spcPts val="0"/>
               </a:spcBef>
@@ -11166,10 +10962,10 @@
               <a:buChar char="●"/>
             </a:pPr>
             <a:r>
-              <a:rPr lang="en"/>
+              <a:rPr lang="en" b="1" dirty="0" smtClean="0"/>
               <a:t>What can we expect from a bike share program in Eau Claire based on the demographic usage in Minneapolis?</a:t>
             </a:r>
-            <a:endParaRPr/>
+            <a:endParaRPr b="1" dirty="0"/>
           </a:p>
         </p:txBody>
       </p:sp>
@@ -11210,8 +11006,8 @@
         </p:nvSpPr>
         <p:spPr>
           <a:xfrm>
-            <a:off x="471900" y="738725"/>
-            <a:ext cx="8222100" cy="767700"/>
+            <a:off x="-84691" y="321282"/>
+            <a:ext cx="9228691" cy="767700"/>
           </a:xfrm>
           <a:prstGeom prst="rect">
             <a:avLst/>
@@ -11233,10 +11029,26 @@
               <a:buNone/>
             </a:pPr>
             <a:r>
-              <a:rPr lang="en" sz="2000"/>
-              <a:t>Population of Minneapolis compared with number of Nice Rides by Age</a:t>
+              <a:rPr lang="en" sz="2200" dirty="0"/>
+              <a:t>Population of Minneapolis </a:t>
             </a:r>
-            <a:endParaRPr sz="2000"/>
+            <a:r>
+              <a:rPr lang="en" sz="2200" dirty="0" smtClean="0"/>
+              <a:t>Compared </a:t>
+            </a:r>
+            <a:r>
+              <a:rPr lang="en" sz="2200" dirty="0"/>
+              <a:t>W</a:t>
+            </a:r>
+            <a:r>
+              <a:rPr lang="en" sz="2200" dirty="0" smtClean="0"/>
+              <a:t>ith Number </a:t>
+            </a:r>
+            <a:r>
+              <a:rPr lang="en" sz="2200" dirty="0"/>
+              <a:t>of Nice Rides by Age</a:t>
+            </a:r>
+            <a:endParaRPr sz="2200" dirty="0"/>
           </a:p>
         </p:txBody>
       </p:sp>
@@ -11343,7 +11155,7 @@
         </p:nvSpPr>
         <p:spPr>
           <a:xfrm>
-            <a:off x="471900" y="738725"/>
+            <a:off x="0" y="400794"/>
             <a:ext cx="8222100" cy="767700"/>
           </a:xfrm>
           <a:prstGeom prst="rect">
@@ -11366,10 +11178,10 @@
               <a:buNone/>
             </a:pPr>
             <a:r>
-              <a:rPr lang="en"/>
+              <a:rPr lang="en" dirty="0"/>
               <a:t>Population Comparisons: Eau Claire  </a:t>
             </a:r>
-            <a:endParaRPr/>
+            <a:endParaRPr dirty="0"/>
           </a:p>
         </p:txBody>
       </p:sp>
@@ -11438,7 +11250,7 @@
         </p:nvSpPr>
         <p:spPr>
           <a:xfrm>
-            <a:off x="460950" y="984900"/>
+            <a:off x="0" y="909225"/>
             <a:ext cx="8222100" cy="767700"/>
           </a:xfrm>
           <a:prstGeom prst="rect">
@@ -11460,10 +11272,10 @@
               </a:spcAft>
               <a:buNone/>
             </a:pPr>
-            <a:endParaRPr/>
-          </a:p>
-          <a:p>
-            <a:pPr marL="0" lvl="0" indent="0" algn="ctr" rtl="0">
+            <a:endParaRPr dirty="0"/>
+          </a:p>
+          <a:p>
+            <a:pPr marL="0" lvl="0" indent="0" rtl="0">
               <a:spcBef>
                 <a:spcPts val="1000"/>
               </a:spcBef>
@@ -11473,14 +11285,22 @@
               <a:buNone/>
             </a:pPr>
             <a:r>
-              <a:rPr lang="en" sz="3600" b="1">
+              <a:rPr lang="en" dirty="0">
                 <a:solidFill>
                   <a:srgbClr val="FFFFFF"/>
                 </a:solidFill>
               </a:rPr>
-              <a:t>NiceRide Account Type Comparison </a:t>
+              <a:t>NiceRide Account Type Comparison</a:t>
             </a:r>
-            <a:endParaRPr sz="3600" b="1">
+            <a:r>
+              <a:rPr lang="en" sz="3600" b="1" dirty="0">
+                <a:solidFill>
+                  <a:srgbClr val="FFFFFF"/>
+                </a:solidFill>
+              </a:rPr>
+              <a:t> </a:t>
+            </a:r>
+            <a:endParaRPr sz="3600" b="1" dirty="0">
               <a:solidFill>
                 <a:srgbClr val="FFFFFF"/>
               </a:solidFill>
@@ -11496,7 +11316,7 @@
               </a:spcAft>
               <a:buNone/>
             </a:pPr>
-            <a:endParaRPr/>
+            <a:endParaRPr dirty="0"/>
           </a:p>
         </p:txBody>
       </p:sp>
@@ -11591,20 +11411,16 @@
             </a:r>
           </a:p>
           <a:p>
-            <a:pPr lvl="1" indent="-381000">
+            <a:pPr marL="533400" lvl="1" indent="0">
               <a:spcBef>
                 <a:spcPts val="0"/>
               </a:spcBef>
               <a:buSzPts val="2400"/>
-              <a:buChar char="●"/>
+              <a:buNone/>
             </a:pPr>
             <a:r>
               <a:rPr lang="en" sz="1600" dirty="0" smtClean="0"/>
-              <a:t>Member vs. Casual riders/Docked vs. </a:t>
-            </a:r>
-            <a:r>
-              <a:rPr lang="en" sz="1600" dirty="0" smtClean="0"/>
-              <a:t>Dockless bikes</a:t>
+              <a:t>Member vs. Casual riders/Docked vs. Dockless bikes</a:t>
             </a:r>
             <a:endParaRPr sz="1600" dirty="0"/>
           </a:p>
@@ -11626,12 +11442,12 @@
             <a:endParaRPr lang="en" sz="2400" dirty="0" smtClean="0"/>
           </a:p>
           <a:p>
-            <a:pPr lvl="1" indent="-381000">
+            <a:pPr marL="533400" lvl="1" indent="0">
               <a:spcBef>
                 <a:spcPts val="0"/>
               </a:spcBef>
               <a:buSzPts val="2400"/>
-              <a:buChar char="●"/>
+              <a:buNone/>
             </a:pPr>
             <a:r>
               <a:rPr lang="en" sz="1600" dirty="0" smtClean="0"/>
@@ -11683,7 +11499,7 @@
   <p:cSld>
     <p:spTree>
       <p:nvGrpSpPr>
-        <p:cNvPr id="1" name="Shape 151"/>
+        <p:cNvPr id="1" name="Shape 183"/>
         <p:cNvGrpSpPr/>
         <p:nvPr/>
       </p:nvGrpSpPr>
@@ -11697,7 +11513,7 @@
       </p:grpSpPr>
       <p:sp>
         <p:nvSpPr>
-          <p:cNvPr id="152" name="Google Shape;152;p26"/>
+          <p:cNvPr id="184" name="Google Shape;184;p31"/>
           <p:cNvSpPr txBox="1">
             <a:spLocks noGrp="1"/>
           </p:cNvSpPr>
@@ -11716,7 +11532,7 @@
         </p:spPr>
         <p:txBody>
           <a:bodyPr spcFirstLastPara="1" wrap="square" lIns="91425" tIns="91425" rIns="91425" bIns="91425" anchor="ctr" anchorCtr="0">
-            <a:normAutofit fontScale="90000"/>
+            <a:noAutofit/>
           </a:bodyPr>
           <a:lstStyle/>
           <a:p>
@@ -11729,41 +11545,148 @@
               </a:spcAft>
               <a:buNone/>
             </a:pPr>
-            <a:endParaRPr sz="2400" dirty="0"/>
-          </a:p>
-          <a:p>
-            <a:pPr marL="0" lvl="0" indent="0" algn="ctr" rtl="0">
-              <a:spcBef>
-                <a:spcPts val="0"/>
-              </a:spcBef>
-              <a:spcAft>
-                <a:spcPts val="0"/>
-              </a:spcAft>
-              <a:buNone/>
-            </a:pPr>
             <a:r>
-              <a:rPr lang="en-US" sz="2400" dirty="0" smtClean="0"/>
-              <a:t>User Type Data (2010)</a:t>
+              <a:rPr lang="en" sz="2400"/>
+              <a:t>RIdes By Account Type</a:t>
             </a:r>
-            <a:endParaRPr dirty="0"/>
+            <a:r>
+              <a:rPr lang="en"/>
+              <a:t> </a:t>
+            </a:r>
+            <a:endParaRPr/>
+          </a:p>
+        </p:txBody>
+      </p:sp>
+      <p:sp>
+        <p:nvSpPr>
+          <p:cNvPr id="185" name="Google Shape;185;p31"/>
+          <p:cNvSpPr txBox="1">
+            <a:spLocks noGrp="1"/>
+          </p:cNvSpPr>
+          <p:nvPr>
+            <p:ph type="body" idx="4294967295"/>
+          </p:nvPr>
+        </p:nvSpPr>
+        <p:spPr>
+          <a:xfrm>
+            <a:off x="-137350" y="749475"/>
+            <a:ext cx="3871800" cy="4004400"/>
+          </a:xfrm>
+          <a:prstGeom prst="rect">
+            <a:avLst/>
+          </a:prstGeom>
+        </p:spPr>
+        <p:txBody>
+          <a:bodyPr spcFirstLastPara="1" wrap="square" lIns="91425" tIns="91425" rIns="91425" bIns="91425" anchor="t" anchorCtr="0">
+            <a:noAutofit/>
+          </a:bodyPr>
+          <a:lstStyle/>
+          <a:p>
+            <a:pPr marL="457200" lvl="0" indent="-342900" algn="l" rtl="0">
+              <a:spcBef>
+                <a:spcPts val="0"/>
+              </a:spcBef>
+              <a:spcAft>
+                <a:spcPts val="0"/>
+              </a:spcAft>
+              <a:buSzPts val="1800"/>
+              <a:buChar char="●"/>
+            </a:pPr>
+            <a:r>
+              <a:rPr lang="en" sz="1800"/>
+              <a:t>Member account types were </a:t>
+            </a:r>
+            <a:r>
+              <a:rPr lang="en"/>
+              <a:t>popular</a:t>
+            </a:r>
+            <a:r>
+              <a:rPr lang="en" sz="1800"/>
+              <a:t> early.</a:t>
+            </a:r>
+            <a:endParaRPr sz="1800"/>
+          </a:p>
+          <a:p>
+            <a:pPr marL="0" lvl="0" indent="0" algn="l" rtl="0">
+              <a:spcBef>
+                <a:spcPts val="1600"/>
+              </a:spcBef>
+              <a:spcAft>
+                <a:spcPts val="0"/>
+              </a:spcAft>
+              <a:buNone/>
+            </a:pPr>
+            <a:endParaRPr/>
+          </a:p>
+          <a:p>
+            <a:pPr marL="457200" lvl="0" indent="-342900" algn="l" rtl="0">
+              <a:spcBef>
+                <a:spcPts val="1600"/>
+              </a:spcBef>
+              <a:spcAft>
+                <a:spcPts val="0"/>
+              </a:spcAft>
+              <a:buSzPts val="1800"/>
+              <a:buChar char="●"/>
+            </a:pPr>
+            <a:r>
+              <a:rPr lang="en"/>
+              <a:t>Starting 2011: Casual riders increased sharply while growth of Member usage slowed.</a:t>
+            </a:r>
+            <a:endParaRPr/>
+          </a:p>
+          <a:p>
+            <a:pPr marL="0" lvl="0" indent="0" algn="l" rtl="0">
+              <a:spcBef>
+                <a:spcPts val="1600"/>
+              </a:spcBef>
+              <a:spcAft>
+                <a:spcPts val="0"/>
+              </a:spcAft>
+              <a:buNone/>
+            </a:pPr>
+            <a:endParaRPr/>
+          </a:p>
+          <a:p>
+            <a:pPr marL="457200" lvl="0" indent="-342900" algn="l" rtl="0">
+              <a:spcBef>
+                <a:spcPts val="1600"/>
+              </a:spcBef>
+              <a:spcAft>
+                <a:spcPts val="0"/>
+              </a:spcAft>
+              <a:buSzPts val="1800"/>
+              <a:buChar char="●"/>
+            </a:pPr>
+            <a:r>
+              <a:rPr lang="en"/>
+              <a:t>Account usage will shift based on incentives and fee structure.</a:t>
+            </a:r>
+            <a:endParaRPr/>
+          </a:p>
+          <a:p>
+            <a:pPr marL="457200" lvl="0" indent="0" algn="l" rtl="0">
+              <a:spcBef>
+                <a:spcPts val="1600"/>
+              </a:spcBef>
+              <a:spcAft>
+                <a:spcPts val="1600"/>
+              </a:spcAft>
+              <a:buNone/>
+            </a:pPr>
+            <a:endParaRPr sz="1800"/>
           </a:p>
         </p:txBody>
       </p:sp>
       <p:pic>
         <p:nvPicPr>
-          <p:cNvPr id="2" name="Picture 1"/>
-          <p:cNvPicPr>
-            <a:picLocks noChangeAspect="1"/>
-          </p:cNvPicPr>
+          <p:cNvPr id="186" name="Google Shape;186;p31"/>
+          <p:cNvPicPr preferRelativeResize="0"/>
           <p:nvPr/>
         </p:nvPicPr>
         <p:blipFill>
           <a:blip r:embed="rId3">
-            <a:extLst>
-              <a:ext uri="{28A0092B-C50C-407E-A947-70E740481C1C}">
-                <a14:useLocalDpi xmlns:a14="http://schemas.microsoft.com/office/drawing/2010/main" val="0"/>
-              </a:ext>
-            </a:extLst>
+            <a:alphaModFix/>
           </a:blip>
           <a:stretch>
             <a:fillRect/>
@@ -11771,20 +11694,19 @@
         </p:blipFill>
         <p:spPr>
           <a:xfrm>
-            <a:off x="1431235" y="675860"/>
-            <a:ext cx="6006401" cy="4467639"/>
+            <a:off x="3871799" y="1128375"/>
+            <a:ext cx="5190450" cy="3460300"/>
           </a:xfrm>
           <a:prstGeom prst="rect">
             <a:avLst/>
           </a:prstGeom>
+          <a:noFill/>
+          <a:ln>
+            <a:noFill/>
+          </a:ln>
         </p:spPr>
       </p:pic>
     </p:spTree>
-    <p:extLst>
-      <p:ext uri="{BB962C8B-B14F-4D97-AF65-F5344CB8AC3E}">
-        <p14:creationId xmlns:p14="http://schemas.microsoft.com/office/powerpoint/2010/main" val="2903035416"/>
-      </p:ext>
-    </p:extLst>
   </p:cSld>
   <p:clrMapOvr>
     <a:masterClrMapping/>
@@ -11844,10 +11766,10 @@
               <a:buNone/>
             </a:pPr>
             <a:r>
-              <a:rPr lang="en" sz="3600"/>
+              <a:rPr lang="en" sz="3600" dirty="0"/>
               <a:t>Eau Claire is ready for a bike share:</a:t>
             </a:r>
-            <a:endParaRPr sz="3600"/>
+            <a:endParaRPr sz="3600" dirty="0"/>
           </a:p>
           <a:p>
             <a:pPr marL="1371600" lvl="0" indent="0" algn="l" rtl="0">
@@ -11859,7 +11781,7 @@
               </a:spcAft>
               <a:buNone/>
             </a:pPr>
-            <a:endParaRPr sz="3000"/>
+            <a:endParaRPr sz="3000" dirty="0"/>
           </a:p>
           <a:p>
             <a:pPr marL="1371600" lvl="0" indent="-419100" algn="l" rtl="0">
@@ -11873,10 +11795,10 @@
               <a:buChar char="●"/>
             </a:pPr>
             <a:r>
-              <a:rPr lang="en" sz="3000"/>
+              <a:rPr lang="en" sz="3000" dirty="0"/>
               <a:t>The Eau Claire City Council wants to learn from NiceRide in Minneapolis</a:t>
             </a:r>
-            <a:endParaRPr sz="3000"/>
+            <a:endParaRPr sz="3000" dirty="0"/>
           </a:p>
           <a:p>
             <a:pPr marL="1371600" lvl="0" indent="0" algn="l" rtl="0">
@@ -11888,7 +11810,7 @@
               </a:spcAft>
               <a:buNone/>
             </a:pPr>
-            <a:endParaRPr sz="3000"/>
+            <a:endParaRPr sz="3000" dirty="0"/>
           </a:p>
           <a:p>
             <a:pPr marL="1371600" lvl="0" indent="-419100" algn="l" rtl="0">
@@ -11902,10 +11824,10 @@
               <a:buChar char="●"/>
             </a:pPr>
             <a:r>
-              <a:rPr lang="en" sz="3000"/>
+              <a:rPr lang="en" sz="3000" dirty="0"/>
               <a:t>A small group of data minded students  is tasked to glean insights from nine years of NiceRide rider data.  </a:t>
             </a:r>
-            <a:endParaRPr sz="3000"/>
+            <a:endParaRPr sz="3000" dirty="0"/>
           </a:p>
         </p:txBody>
       </p:sp>
@@ -12037,7 +11959,11 @@
             </a:pPr>
             <a:r>
               <a:rPr lang="en-US" sz="2400" dirty="0" smtClean="0"/>
-              <a:t>User Type Data (2018)</a:t>
+              <a:t>User Type Data </a:t>
+            </a:r>
+            <a:r>
+              <a:rPr lang="en-US" sz="2400" dirty="0" smtClean="0"/>
+              <a:t>Comparison between 2010 and 2018</a:t>
             </a:r>
             <a:endParaRPr dirty="0"/>
           </a:p>
@@ -12045,7 +11971,7 @@
       </p:sp>
       <p:pic>
         <p:nvPicPr>
-          <p:cNvPr id="4" name="Picture 3"/>
+          <p:cNvPr id="2" name="Picture 1"/>
           <p:cNvPicPr>
             <a:picLocks noChangeAspect="1"/>
           </p:cNvPicPr>
@@ -12065,18 +11991,92 @@
         </p:blipFill>
         <p:spPr>
           <a:xfrm>
-            <a:off x="1543977" y="675861"/>
-            <a:ext cx="5935145" cy="4467639"/>
+            <a:off x="401652" y="886921"/>
+            <a:ext cx="3845669" cy="2953381"/>
           </a:xfrm>
           <a:prstGeom prst="rect">
             <a:avLst/>
           </a:prstGeom>
         </p:spPr>
       </p:pic>
+      <p:pic>
+        <p:nvPicPr>
+          <p:cNvPr id="4" name="Picture 3"/>
+          <p:cNvPicPr>
+            <a:picLocks noChangeAspect="1"/>
+          </p:cNvPicPr>
+          <p:nvPr/>
+        </p:nvPicPr>
+        <p:blipFill>
+          <a:blip r:embed="rId4">
+            <a:extLst>
+              <a:ext uri="{28A0092B-C50C-407E-A947-70E740481C1C}">
+                <a14:useLocalDpi xmlns:a14="http://schemas.microsoft.com/office/drawing/2010/main" val="0"/>
+              </a:ext>
+            </a:extLst>
+          </a:blip>
+          <a:stretch>
+            <a:fillRect/>
+          </a:stretch>
+        </p:blipFill>
+        <p:spPr>
+          <a:xfrm>
+            <a:off x="4589340" y="886921"/>
+            <a:ext cx="3845669" cy="2953382"/>
+          </a:xfrm>
+          <a:prstGeom prst="rect">
+            <a:avLst/>
+          </a:prstGeom>
+        </p:spPr>
+      </p:pic>
+      <p:sp>
+        <p:nvSpPr>
+          <p:cNvPr id="3" name="TextBox 2"/>
+          <p:cNvSpPr txBox="1"/>
+          <p:nvPr/>
+        </p:nvSpPr>
+        <p:spPr>
+          <a:xfrm>
+            <a:off x="1592759" y="3840302"/>
+            <a:ext cx="5837582" cy="954107"/>
+          </a:xfrm>
+          <a:prstGeom prst="rect">
+            <a:avLst/>
+          </a:prstGeom>
+          <a:noFill/>
+        </p:spPr>
+        <p:txBody>
+          <a:bodyPr wrap="square" rtlCol="0">
+            <a:spAutoFit/>
+          </a:bodyPr>
+          <a:lstStyle/>
+          <a:p>
+            <a:pPr marL="285750" indent="-285750">
+              <a:buFont typeface="Arial" panose="020B0604020202020204" pitchFamily="34" charset="0"/>
+              <a:buChar char="•"/>
+            </a:pPr>
+            <a:r>
+              <a:rPr lang="en-US" dirty="0" smtClean="0"/>
+              <a:t>2010 shows an almost equal distribution between membership and single ride casual riders. </a:t>
+            </a:r>
+          </a:p>
+          <a:p>
+            <a:pPr marL="285750" indent="-285750">
+              <a:buFont typeface="Arial" panose="020B0604020202020204" pitchFamily="34" charset="0"/>
+              <a:buChar char="•"/>
+            </a:pPr>
+            <a:r>
+              <a:rPr lang="en-US" dirty="0" smtClean="0"/>
+              <a:t>Consecutive years ending in 2018 shows lower proportion of members compared to single ride casual riders.</a:t>
+            </a:r>
+            <a:endParaRPr lang="en-US" dirty="0"/>
+          </a:p>
+        </p:txBody>
+      </p:sp>
     </p:spTree>
     <p:extLst>
       <p:ext uri="{BB962C8B-B14F-4D97-AF65-F5344CB8AC3E}">
-        <p14:creationId xmlns:p14="http://schemas.microsoft.com/office/powerpoint/2010/main" val="1176202933"/>
+        <p14:creationId xmlns:p14="http://schemas.microsoft.com/office/powerpoint/2010/main" val="2903035416"/>
       </p:ext>
     </p:extLst>
   </p:cSld>
@@ -12151,7 +12151,7 @@
             </a:pPr>
             <a:r>
               <a:rPr lang="en-US" sz="2400" dirty="0" smtClean="0"/>
-              <a:t>User Type Data (2018)</a:t>
+              <a:t>Bike Type Used in 2018</a:t>
             </a:r>
             <a:endParaRPr dirty="0"/>
           </a:p>
@@ -12159,7 +12159,7 @@
       </p:sp>
       <p:pic>
         <p:nvPicPr>
-          <p:cNvPr id="4" name="Picture 3"/>
+          <p:cNvPr id="2" name="Picture 1"/>
           <p:cNvPicPr>
             <a:picLocks noChangeAspect="1"/>
           </p:cNvPicPr>
@@ -12179,18 +12179,76 @@
         </p:blipFill>
         <p:spPr>
           <a:xfrm>
-            <a:off x="1543977" y="675861"/>
-            <a:ext cx="5935145" cy="4467639"/>
+            <a:off x="98250" y="707500"/>
+            <a:ext cx="6001406" cy="4436000"/>
           </a:xfrm>
           <a:prstGeom prst="rect">
             <a:avLst/>
           </a:prstGeom>
         </p:spPr>
       </p:pic>
+      <p:sp>
+        <p:nvSpPr>
+          <p:cNvPr id="3" name="TextBox 2"/>
+          <p:cNvSpPr txBox="1"/>
+          <p:nvPr/>
+        </p:nvSpPr>
+        <p:spPr>
+          <a:xfrm>
+            <a:off x="6099657" y="1497496"/>
+            <a:ext cx="2752796" cy="2462213"/>
+          </a:xfrm>
+          <a:prstGeom prst="rect">
+            <a:avLst/>
+          </a:prstGeom>
+          <a:noFill/>
+        </p:spPr>
+        <p:txBody>
+          <a:bodyPr wrap="square" rtlCol="0">
+            <a:spAutoFit/>
+          </a:bodyPr>
+          <a:lstStyle/>
+          <a:p>
+            <a:r>
+              <a:rPr lang="en-US" dirty="0" smtClean="0"/>
+              <a:t>Docking stations need additional overhead/rules</a:t>
+            </a:r>
+          </a:p>
+          <a:p>
+            <a:r>
+              <a:rPr lang="en-US" dirty="0" smtClean="0"/>
+              <a:t>(city/construction/maintenance).</a:t>
+            </a:r>
+          </a:p>
+          <a:p>
+            <a:endParaRPr lang="en-US" dirty="0"/>
+          </a:p>
+          <a:p>
+            <a:r>
+              <a:rPr lang="en-US" dirty="0" err="1" smtClean="0"/>
+              <a:t>Dockless</a:t>
+            </a:r>
+            <a:r>
+              <a:rPr lang="en-US" dirty="0" smtClean="0"/>
+              <a:t> provides flexibility (no need for docks)</a:t>
+            </a:r>
+          </a:p>
+          <a:p>
+            <a:endParaRPr lang="en-US" dirty="0" smtClean="0"/>
+          </a:p>
+          <a:p>
+            <a:r>
+              <a:rPr lang="en-US" dirty="0" smtClean="0"/>
+              <a:t>Options to focus in reaching/expanding in underserved areas with user growth potential.</a:t>
+            </a:r>
+            <a:endParaRPr lang="en-US" dirty="0"/>
+          </a:p>
+        </p:txBody>
+      </p:sp>
     </p:spTree>
     <p:extLst>
       <p:ext uri="{BB962C8B-B14F-4D97-AF65-F5344CB8AC3E}">
-        <p14:creationId xmlns:p14="http://schemas.microsoft.com/office/powerpoint/2010/main" val="2640595903"/>
+        <p14:creationId xmlns:p14="http://schemas.microsoft.com/office/powerpoint/2010/main" val="3808562906"/>
       </p:ext>
     </p:extLst>
   </p:cSld>
@@ -12201,340 +12259,6 @@
 </file>
 
 <file path=ppt/slides/slide22.xml><?xml version="1.0" encoding="utf-8"?>
-<p:sld xmlns:a="http://schemas.openxmlformats.org/drawingml/2006/main" xmlns:r="http://schemas.openxmlformats.org/officeDocument/2006/relationships" xmlns:p="http://schemas.openxmlformats.org/presentationml/2006/main">
-  <p:cSld>
-    <p:spTree>
-      <p:nvGrpSpPr>
-        <p:cNvPr id="1" name="Shape 151"/>
-        <p:cNvGrpSpPr/>
-        <p:nvPr/>
-      </p:nvGrpSpPr>
-      <p:grpSpPr>
-        <a:xfrm>
-          <a:off x="0" y="0"/>
-          <a:ext cx="0" cy="0"/>
-          <a:chOff x="0" y="0"/>
-          <a:chExt cx="0" cy="0"/>
-        </a:xfrm>
-      </p:grpSpPr>
-      <p:sp>
-        <p:nvSpPr>
-          <p:cNvPr id="152" name="Google Shape;152;p26"/>
-          <p:cNvSpPr txBox="1">
-            <a:spLocks noGrp="1"/>
-          </p:cNvSpPr>
-          <p:nvPr>
-            <p:ph type="title"/>
-          </p:nvPr>
-        </p:nvSpPr>
-        <p:spPr>
-          <a:xfrm>
-            <a:off x="98250" y="16350"/>
-            <a:ext cx="8826600" cy="602700"/>
-          </a:xfrm>
-          <a:prstGeom prst="rect">
-            <a:avLst/>
-          </a:prstGeom>
-        </p:spPr>
-        <p:txBody>
-          <a:bodyPr spcFirstLastPara="1" wrap="square" lIns="91425" tIns="91425" rIns="91425" bIns="91425" anchor="ctr" anchorCtr="0">
-            <a:normAutofit fontScale="90000"/>
-          </a:bodyPr>
-          <a:lstStyle/>
-          <a:p>
-            <a:pPr marL="0" lvl="0" indent="0" algn="ctr" rtl="0">
-              <a:spcBef>
-                <a:spcPts val="0"/>
-              </a:spcBef>
-              <a:spcAft>
-                <a:spcPts val="0"/>
-              </a:spcAft>
-              <a:buNone/>
-            </a:pPr>
-            <a:endParaRPr sz="2400" dirty="0"/>
-          </a:p>
-          <a:p>
-            <a:pPr marL="0" lvl="0" indent="0" algn="ctr" rtl="0">
-              <a:spcBef>
-                <a:spcPts val="0"/>
-              </a:spcBef>
-              <a:spcAft>
-                <a:spcPts val="0"/>
-              </a:spcAft>
-              <a:buNone/>
-            </a:pPr>
-            <a:r>
-              <a:rPr lang="en-US" sz="2400" dirty="0" smtClean="0"/>
-              <a:t>User Type Data (2018)</a:t>
-            </a:r>
-            <a:endParaRPr dirty="0"/>
-          </a:p>
-        </p:txBody>
-      </p:sp>
-      <p:pic>
-        <p:nvPicPr>
-          <p:cNvPr id="4" name="Picture 3"/>
-          <p:cNvPicPr>
-            <a:picLocks noChangeAspect="1"/>
-          </p:cNvPicPr>
-          <p:nvPr/>
-        </p:nvPicPr>
-        <p:blipFill>
-          <a:blip r:embed="rId3">
-            <a:extLst>
-              <a:ext uri="{28A0092B-C50C-407E-A947-70E740481C1C}">
-                <a14:useLocalDpi xmlns:a14="http://schemas.microsoft.com/office/drawing/2010/main" val="0"/>
-              </a:ext>
-            </a:extLst>
-          </a:blip>
-          <a:stretch>
-            <a:fillRect/>
-          </a:stretch>
-        </p:blipFill>
-        <p:spPr>
-          <a:xfrm>
-            <a:off x="1543977" y="675861"/>
-            <a:ext cx="5935145" cy="4467639"/>
-          </a:xfrm>
-          <a:prstGeom prst="rect">
-            <a:avLst/>
-          </a:prstGeom>
-        </p:spPr>
-      </p:pic>
-    </p:spTree>
-    <p:extLst>
-      <p:ext uri="{BB962C8B-B14F-4D97-AF65-F5344CB8AC3E}">
-        <p14:creationId xmlns:p14="http://schemas.microsoft.com/office/powerpoint/2010/main" val="1476485465"/>
-      </p:ext>
-    </p:extLst>
-  </p:cSld>
-  <p:clrMapOvr>
-    <a:masterClrMapping/>
-  </p:clrMapOvr>
-</p:sld>
-</file>
-
-<file path=ppt/slides/slide23.xml><?xml version="1.0" encoding="utf-8"?>
-<p:sld xmlns:a="http://schemas.openxmlformats.org/drawingml/2006/main" xmlns:r="http://schemas.openxmlformats.org/officeDocument/2006/relationships" xmlns:p="http://schemas.openxmlformats.org/presentationml/2006/main">
-  <p:cSld>
-    <p:spTree>
-      <p:nvGrpSpPr>
-        <p:cNvPr id="1" name="Shape 183"/>
-        <p:cNvGrpSpPr/>
-        <p:nvPr/>
-      </p:nvGrpSpPr>
-      <p:grpSpPr>
-        <a:xfrm>
-          <a:off x="0" y="0"/>
-          <a:ext cx="0" cy="0"/>
-          <a:chOff x="0" y="0"/>
-          <a:chExt cx="0" cy="0"/>
-        </a:xfrm>
-      </p:grpSpPr>
-      <p:sp>
-        <p:nvSpPr>
-          <p:cNvPr id="184" name="Google Shape;184;p31"/>
-          <p:cNvSpPr txBox="1">
-            <a:spLocks noGrp="1"/>
-          </p:cNvSpPr>
-          <p:nvPr>
-            <p:ph type="title"/>
-          </p:nvPr>
-        </p:nvSpPr>
-        <p:spPr>
-          <a:xfrm>
-            <a:off x="98250" y="16350"/>
-            <a:ext cx="8826600" cy="602700"/>
-          </a:xfrm>
-          <a:prstGeom prst="rect">
-            <a:avLst/>
-          </a:prstGeom>
-        </p:spPr>
-        <p:txBody>
-          <a:bodyPr spcFirstLastPara="1" wrap="square" lIns="91425" tIns="91425" rIns="91425" bIns="91425" anchor="ctr" anchorCtr="0">
-            <a:noAutofit/>
-          </a:bodyPr>
-          <a:lstStyle/>
-          <a:p>
-            <a:pPr marL="0" lvl="0" indent="0" algn="ctr" rtl="0">
-              <a:spcBef>
-                <a:spcPts val="0"/>
-              </a:spcBef>
-              <a:spcAft>
-                <a:spcPts val="0"/>
-              </a:spcAft>
-              <a:buNone/>
-            </a:pPr>
-            <a:r>
-              <a:rPr lang="en" sz="2400"/>
-              <a:t>RIdes By Account Type</a:t>
-            </a:r>
-            <a:r>
-              <a:rPr lang="en"/>
-              <a:t> </a:t>
-            </a:r>
-            <a:endParaRPr/>
-          </a:p>
-        </p:txBody>
-      </p:sp>
-      <p:sp>
-        <p:nvSpPr>
-          <p:cNvPr id="185" name="Google Shape;185;p31"/>
-          <p:cNvSpPr txBox="1">
-            <a:spLocks noGrp="1"/>
-          </p:cNvSpPr>
-          <p:nvPr>
-            <p:ph type="body" idx="4294967295"/>
-          </p:nvPr>
-        </p:nvSpPr>
-        <p:spPr>
-          <a:xfrm>
-            <a:off x="-137350" y="749475"/>
-            <a:ext cx="3871800" cy="4004400"/>
-          </a:xfrm>
-          <a:prstGeom prst="rect">
-            <a:avLst/>
-          </a:prstGeom>
-        </p:spPr>
-        <p:txBody>
-          <a:bodyPr spcFirstLastPara="1" wrap="square" lIns="91425" tIns="91425" rIns="91425" bIns="91425" anchor="t" anchorCtr="0">
-            <a:noAutofit/>
-          </a:bodyPr>
-          <a:lstStyle/>
-          <a:p>
-            <a:pPr marL="457200" lvl="0" indent="-342900" algn="l" rtl="0">
-              <a:spcBef>
-                <a:spcPts val="0"/>
-              </a:spcBef>
-              <a:spcAft>
-                <a:spcPts val="0"/>
-              </a:spcAft>
-              <a:buSzPts val="1800"/>
-              <a:buChar char="●"/>
-            </a:pPr>
-            <a:r>
-              <a:rPr lang="en" sz="1800"/>
-              <a:t>Member account types were </a:t>
-            </a:r>
-            <a:r>
-              <a:rPr lang="en"/>
-              <a:t>popular</a:t>
-            </a:r>
-            <a:r>
-              <a:rPr lang="en" sz="1800"/>
-              <a:t> early.</a:t>
-            </a:r>
-            <a:endParaRPr sz="1800"/>
-          </a:p>
-          <a:p>
-            <a:pPr marL="0" lvl="0" indent="0" algn="l" rtl="0">
-              <a:spcBef>
-                <a:spcPts val="1600"/>
-              </a:spcBef>
-              <a:spcAft>
-                <a:spcPts val="0"/>
-              </a:spcAft>
-              <a:buNone/>
-            </a:pPr>
-            <a:endParaRPr/>
-          </a:p>
-          <a:p>
-            <a:pPr marL="457200" lvl="0" indent="-342900" algn="l" rtl="0">
-              <a:spcBef>
-                <a:spcPts val="1600"/>
-              </a:spcBef>
-              <a:spcAft>
-                <a:spcPts val="0"/>
-              </a:spcAft>
-              <a:buSzPts val="1800"/>
-              <a:buChar char="●"/>
-            </a:pPr>
-            <a:r>
-              <a:rPr lang="en"/>
-              <a:t>Starting 2011: Casual riders increased sharply while growth of Member usage slowed.</a:t>
-            </a:r>
-            <a:endParaRPr/>
-          </a:p>
-          <a:p>
-            <a:pPr marL="0" lvl="0" indent="0" algn="l" rtl="0">
-              <a:spcBef>
-                <a:spcPts val="1600"/>
-              </a:spcBef>
-              <a:spcAft>
-                <a:spcPts val="0"/>
-              </a:spcAft>
-              <a:buNone/>
-            </a:pPr>
-            <a:endParaRPr/>
-          </a:p>
-          <a:p>
-            <a:pPr marL="457200" lvl="0" indent="-342900" algn="l" rtl="0">
-              <a:spcBef>
-                <a:spcPts val="1600"/>
-              </a:spcBef>
-              <a:spcAft>
-                <a:spcPts val="0"/>
-              </a:spcAft>
-              <a:buSzPts val="1800"/>
-              <a:buChar char="●"/>
-            </a:pPr>
-            <a:r>
-              <a:rPr lang="en"/>
-              <a:t>Account usage will shift based on incentives and fee structure.</a:t>
-            </a:r>
-            <a:endParaRPr/>
-          </a:p>
-          <a:p>
-            <a:pPr marL="457200" lvl="0" indent="0" algn="l" rtl="0">
-              <a:spcBef>
-                <a:spcPts val="1600"/>
-              </a:spcBef>
-              <a:spcAft>
-                <a:spcPts val="1600"/>
-              </a:spcAft>
-              <a:buNone/>
-            </a:pPr>
-            <a:endParaRPr sz="1800"/>
-          </a:p>
-        </p:txBody>
-      </p:sp>
-      <p:pic>
-        <p:nvPicPr>
-          <p:cNvPr id="186" name="Google Shape;186;p31"/>
-          <p:cNvPicPr preferRelativeResize="0"/>
-          <p:nvPr/>
-        </p:nvPicPr>
-        <p:blipFill>
-          <a:blip r:embed="rId3">
-            <a:alphaModFix/>
-          </a:blip>
-          <a:stretch>
-            <a:fillRect/>
-          </a:stretch>
-        </p:blipFill>
-        <p:spPr>
-          <a:xfrm>
-            <a:off x="3871799" y="1128375"/>
-            <a:ext cx="5190450" cy="3460300"/>
-          </a:xfrm>
-          <a:prstGeom prst="rect">
-            <a:avLst/>
-          </a:prstGeom>
-          <a:noFill/>
-          <a:ln>
-            <a:noFill/>
-          </a:ln>
-        </p:spPr>
-      </p:pic>
-    </p:spTree>
-  </p:cSld>
-  <p:clrMapOvr>
-    <a:masterClrMapping/>
-  </p:clrMapOvr>
-</p:sld>
-</file>
-
-<file path=ppt/slides/slide24.xml><?xml version="1.0" encoding="utf-8"?>
 <p:sld xmlns:a="http://schemas.openxmlformats.org/drawingml/2006/main" xmlns:r="http://schemas.openxmlformats.org/officeDocument/2006/relationships" xmlns:p="http://schemas.openxmlformats.org/presentationml/2006/main">
   <p:cSld>
     <p:spTree>
@@ -12629,23 +12353,23 @@
               <a:buChar char="●"/>
             </a:pPr>
             <a:r>
-              <a:rPr lang="en" sz="1200">
+              <a:rPr lang="en" sz="1200" dirty="0">
                 <a:solidFill>
                   <a:srgbClr val="000000"/>
                 </a:solidFill>
-                <a:latin typeface="Arial"/>
-                <a:ea typeface="Arial"/>
+                <a:latin typeface="Roboto" panose="020B0604020202020204" charset="0"/>
+                <a:ea typeface="Roboto" panose="020B0604020202020204" charset="0"/>
                 <a:cs typeface="Arial"/>
                 <a:sym typeface="Arial"/>
               </a:rPr>
               <a:t>Based on our analysis and the short time the electric scooter pilot program was in 2018, we cannot conclude scooter programs had a statistically significant impact on NiceRide usership.  </a:t>
             </a:r>
-            <a:endParaRPr sz="1200">
+            <a:endParaRPr lang="en" sz="1200" dirty="0">
               <a:solidFill>
                 <a:srgbClr val="000000"/>
               </a:solidFill>
-              <a:latin typeface="Arial"/>
-              <a:ea typeface="Arial"/>
+              <a:latin typeface="Roboto" panose="020B0604020202020204" charset="0"/>
+              <a:ea typeface="Roboto" panose="020B0604020202020204" charset="0"/>
               <a:cs typeface="Arial"/>
               <a:sym typeface="Arial"/>
             </a:endParaRPr>
@@ -12653,7 +12377,7 @@
           <a:p>
             <a:pPr marL="457200" lvl="0" indent="-304800" algn="l" rtl="0">
               <a:spcBef>
-                <a:spcPts val="0"/>
+                <a:spcPts val="1100"/>
               </a:spcBef>
               <a:spcAft>
                 <a:spcPts val="0"/>
@@ -12661,24 +12385,69 @@
               <a:buSzPts val="1200"/>
               <a:buChar char="●"/>
             </a:pPr>
+            <a:endParaRPr sz="1200" dirty="0">
+              <a:solidFill>
+                <a:srgbClr val="000000"/>
+              </a:solidFill>
+              <a:latin typeface="Roboto" panose="020B0604020202020204" charset="0"/>
+              <a:ea typeface="Roboto" panose="020B0604020202020204" charset="0"/>
+              <a:cs typeface="Arial"/>
+              <a:sym typeface="Arial"/>
+            </a:endParaRPr>
+          </a:p>
+          <a:p>
+            <a:pPr marL="457200" lvl="0" indent="-304800" algn="l" rtl="0">
+              <a:spcBef>
+                <a:spcPts val="0"/>
+              </a:spcBef>
+              <a:spcAft>
+                <a:spcPts val="0"/>
+              </a:spcAft>
+              <a:buSzPts val="1200"/>
+              <a:buChar char="●"/>
+            </a:pPr>
             <a:r>
-              <a:rPr lang="en" sz="1200">
+              <a:rPr lang="en" sz="1200" dirty="0">
                 <a:solidFill>
                   <a:srgbClr val="000000"/>
                 </a:solidFill>
-                <a:latin typeface="Arial"/>
-                <a:ea typeface="Arial"/>
+                <a:latin typeface="Roboto" panose="020B0604020202020204" charset="0"/>
+                <a:ea typeface="Roboto" panose="020B0604020202020204" charset="0"/>
                 <a:cs typeface="Arial"/>
                 <a:sym typeface="Arial"/>
               </a:rPr>
-              <a:t>Including a day pass option to the typical subscriber/one-time rider fee structure could reduce the number of annual or monthly subscribers as users opt for flexible on-demand payment. </a:t>
+              <a:t>Including a day pass option to the typical subscriber/one-time rider fee structure could reduce the number of annual or monthly subscribers as users opt for flexible on-demand </a:t>
             </a:r>
-            <a:endParaRPr sz="1200">
+            <a:r>
+              <a:rPr lang="en" sz="1200" dirty="0" smtClean="0">
+                <a:solidFill>
+                  <a:srgbClr val="000000"/>
+                </a:solidFill>
+                <a:latin typeface="Roboto" panose="020B0604020202020204" charset="0"/>
+                <a:ea typeface="Roboto" panose="020B0604020202020204" charset="0"/>
+                <a:cs typeface="Arial"/>
+                <a:sym typeface="Arial"/>
+              </a:rPr>
+              <a:t>payment.</a:t>
+            </a:r>
+          </a:p>
+          <a:p>
+            <a:pPr marL="152400" lvl="0" indent="0" algn="l" rtl="0">
+              <a:spcBef>
+                <a:spcPts val="0"/>
+              </a:spcBef>
+              <a:spcAft>
+                <a:spcPts val="0"/>
+              </a:spcAft>
+              <a:buSzPts val="1200"/>
+              <a:buNone/>
+            </a:pPr>
+            <a:endParaRPr lang="en" sz="1200" dirty="0" smtClean="0">
               <a:solidFill>
                 <a:srgbClr val="000000"/>
               </a:solidFill>
-              <a:latin typeface="Arial"/>
-              <a:ea typeface="Arial"/>
+              <a:latin typeface="Roboto" panose="020B0604020202020204" charset="0"/>
+              <a:ea typeface="Roboto" panose="020B0604020202020204" charset="0"/>
               <a:cs typeface="Arial"/>
               <a:sym typeface="Arial"/>
             </a:endParaRPr>
@@ -12695,46 +12464,122 @@
               <a:buChar char="●"/>
             </a:pPr>
             <a:r>
-              <a:rPr lang="en" sz="1200">
+              <a:rPr lang="en" sz="1200" dirty="0" smtClean="0">
                 <a:solidFill>
                   <a:srgbClr val="000000"/>
                 </a:solidFill>
-                <a:latin typeface="Arial"/>
-                <a:ea typeface="Arial"/>
+                <a:latin typeface="Roboto" panose="020B0604020202020204" charset="0"/>
+                <a:ea typeface="Roboto" panose="020B0604020202020204" charset="0"/>
                 <a:cs typeface="Arial"/>
                 <a:sym typeface="Arial"/>
               </a:rPr>
-              <a:t> Incentivising usage with discounts or flexible pricing options is effective in driving users to a specific account type.</a:t>
+              <a:t>Other incentive programs (partnerships, employer discounts, insurance) can boost annual userbase.</a:t>
             </a:r>
-            <a:endParaRPr sz="1200">
+            <a:r>
+              <a:rPr lang="en" sz="1200" dirty="0" smtClean="0">
+                <a:solidFill>
+                  <a:srgbClr val="000000"/>
+                </a:solidFill>
+                <a:latin typeface="Roboto" panose="020B0604020202020204" charset="0"/>
+                <a:ea typeface="Roboto" panose="020B0604020202020204" charset="0"/>
+                <a:cs typeface="Arial"/>
+                <a:sym typeface="Arial"/>
+              </a:rPr>
+              <a:t> </a:t>
+            </a:r>
+          </a:p>
+          <a:p>
+            <a:pPr marL="152400" lvl="0" indent="0" algn="l" rtl="0">
+              <a:spcBef>
+                <a:spcPts val="0"/>
+              </a:spcBef>
+              <a:spcAft>
+                <a:spcPts val="0"/>
+              </a:spcAft>
+              <a:buSzPts val="1200"/>
+              <a:buNone/>
+            </a:pPr>
+            <a:endParaRPr sz="1200" dirty="0">
               <a:solidFill>
                 <a:srgbClr val="000000"/>
               </a:solidFill>
-              <a:latin typeface="Arial"/>
-              <a:ea typeface="Arial"/>
+              <a:latin typeface="Roboto" panose="020B0604020202020204" charset="0"/>
+              <a:ea typeface="Roboto" panose="020B0604020202020204" charset="0"/>
               <a:cs typeface="Arial"/>
               <a:sym typeface="Arial"/>
             </a:endParaRPr>
           </a:p>
           <a:p>
-            <a:pPr marL="0" lvl="0" indent="0" algn="l" rtl="0">
-              <a:spcBef>
-                <a:spcPts val="1100"/>
-              </a:spcBef>
-              <a:spcAft>
-                <a:spcPts val="700"/>
-              </a:spcAft>
-              <a:buNone/>
-            </a:pPr>
-            <a:endParaRPr sz="1050">
-              <a:solidFill>
-                <a:srgbClr val="000000"/>
-              </a:solidFill>
-              <a:latin typeface="Arial"/>
-              <a:ea typeface="Arial"/>
-              <a:cs typeface="Arial"/>
-              <a:sym typeface="Arial"/>
-            </a:endParaRPr>
+            <a:pPr marL="457200" lvl="0" indent="-304800" algn="l" rtl="0">
+              <a:spcBef>
+                <a:spcPts val="0"/>
+              </a:spcBef>
+              <a:spcAft>
+                <a:spcPts val="0"/>
+              </a:spcAft>
+              <a:buSzPts val="1200"/>
+              <a:buChar char="●"/>
+            </a:pPr>
+            <a:r>
+              <a:rPr lang="en" sz="1200" dirty="0" smtClean="0">
+                <a:solidFill>
+                  <a:srgbClr val="000000"/>
+                </a:solidFill>
+                <a:latin typeface="Roboto" panose="020B0604020202020204" charset="0"/>
+                <a:ea typeface="Roboto" panose="020B0604020202020204" charset="0"/>
+                <a:cs typeface="Arial"/>
+                <a:sym typeface="Arial"/>
+              </a:rPr>
+              <a:t>NiceRide </a:t>
+            </a:r>
+            <a:r>
+              <a:rPr lang="en-US" sz="1200" dirty="0" err="1">
+                <a:solidFill>
+                  <a:srgbClr val="000000"/>
+                </a:solidFill>
+                <a:latin typeface="Roboto" panose="020B0604020202020204" charset="0"/>
+                <a:ea typeface="Roboto" panose="020B0604020202020204" charset="0"/>
+                <a:cs typeface="Arial"/>
+                <a:sym typeface="Arial"/>
+              </a:rPr>
+              <a:t>i</a:t>
+            </a:r>
+            <a:r>
+              <a:rPr lang="en" sz="1200" dirty="0" smtClean="0">
+                <a:solidFill>
+                  <a:srgbClr val="000000"/>
+                </a:solidFill>
+                <a:latin typeface="Roboto" panose="020B0604020202020204" charset="0"/>
+                <a:ea typeface="Roboto" panose="020B0604020202020204" charset="0"/>
+                <a:cs typeface="Arial"/>
+                <a:sym typeface="Arial"/>
+              </a:rPr>
+              <a:t>ncentivising </a:t>
+            </a:r>
+            <a:r>
+              <a:rPr lang="en" sz="1200" dirty="0">
+                <a:solidFill>
+                  <a:srgbClr val="000000"/>
+                </a:solidFill>
+                <a:latin typeface="Roboto" panose="020B0604020202020204" charset="0"/>
+                <a:ea typeface="Roboto" panose="020B0604020202020204" charset="0"/>
+                <a:cs typeface="Arial"/>
+                <a:sym typeface="Arial"/>
+              </a:rPr>
+              <a:t>usage with discounts or flexible pricing options is effective in driving users to a specific account type</a:t>
+            </a:r>
+            <a:r>
+              <a:rPr lang="en" sz="1200" dirty="0" smtClean="0">
+                <a:solidFill>
+                  <a:srgbClr val="000000"/>
+                </a:solidFill>
+                <a:latin typeface="Roboto" panose="020B0604020202020204" charset="0"/>
+                <a:ea typeface="Roboto" panose="020B0604020202020204" charset="0"/>
+                <a:cs typeface="Arial"/>
+                <a:sym typeface="Arial"/>
+              </a:rPr>
+              <a:t>.</a:t>
+            </a:r>
           </a:p>
         </p:txBody>
       </p:sp>
@@ -12882,15 +12727,7 @@
             </a:r>
             <a:r>
               <a:rPr lang="en" sz="2800" dirty="0" smtClean="0"/>
-              <a:t>service type preference </a:t>
-            </a:r>
-            <a:r>
-              <a:rPr lang="en" sz="2800" dirty="0" smtClean="0"/>
-              <a:t>tell</a:t>
-            </a:r>
-            <a:r>
-              <a:rPr lang="en" sz="2800" dirty="0" smtClean="0"/>
-              <a:t> </a:t>
+              <a:t>service type preference tell </a:t>
             </a:r>
             <a:r>
               <a:rPr lang="en" sz="2800" dirty="0"/>
@@ -12954,7 +12791,7 @@
         </p:nvSpPr>
         <p:spPr>
           <a:xfrm>
-            <a:off x="471900" y="738725"/>
+            <a:off x="0" y="407421"/>
             <a:ext cx="8222100" cy="767700"/>
           </a:xfrm>
           <a:prstGeom prst="rect">
@@ -12977,10 +12814,10 @@
               <a:buNone/>
             </a:pPr>
             <a:r>
-              <a:rPr lang="en"/>
+              <a:rPr lang="en" dirty="0"/>
               <a:t>Trends in Overall Nice Ride Usage</a:t>
             </a:r>
-            <a:endParaRPr/>
+            <a:endParaRPr dirty="0"/>
           </a:p>
         </p:txBody>
       </p:sp>
@@ -13009,15 +12846,7 @@
           </a:bodyPr>
           <a:lstStyle/>
           <a:p>
-            <a:pPr marL="0" lvl="0" indent="0" algn="l" rtl="0">
-              <a:spcBef>
-                <a:spcPts val="0"/>
-              </a:spcBef>
-              <a:spcAft>
-                <a:spcPts val="0"/>
-              </a:spcAft>
-              <a:buNone/>
-            </a:pPr>
+            <a:pPr marL="285750" indent="-285750"/>
             <a:r>
               <a:rPr lang="en" dirty="0"/>
               <a:t>Over the course of a typical riding season, how many rides occur?</a:t>
@@ -13025,14 +12854,10 @@
             <a:endParaRPr dirty="0"/>
           </a:p>
           <a:p>
-            <a:pPr marL="0" lvl="0" indent="0" algn="l" rtl="0">
+            <a:pPr marL="285750" indent="-285750">
               <a:spcBef>
                 <a:spcPts val="1600"/>
               </a:spcBef>
-              <a:spcAft>
-                <a:spcPts val="0"/>
-              </a:spcAft>
-              <a:buNone/>
             </a:pPr>
             <a:r>
               <a:rPr lang="en" dirty="0"/>
@@ -13041,14 +12866,13 @@
             <a:endParaRPr dirty="0"/>
           </a:p>
           <a:p>
-            <a:pPr marL="0" lvl="0" indent="0" algn="l" rtl="0">
+            <a:pPr marL="285750" indent="-285750">
               <a:spcBef>
                 <a:spcPts val="1600"/>
               </a:spcBef>
               <a:spcAft>
                 <a:spcPts val="1600"/>
               </a:spcAft>
-              <a:buNone/>
             </a:pPr>
             <a:r>
               <a:rPr lang="en" dirty="0"/>
@@ -13193,7 +13017,7 @@
               <a:buChar char="●"/>
             </a:pPr>
             <a:r>
-              <a:rPr lang="en" sz="1800">
+              <a:rPr lang="en" sz="1800" dirty="0">
                 <a:solidFill>
                   <a:srgbClr val="FFFFFF"/>
                 </a:solidFill>
@@ -13204,7 +13028,7 @@
               </a:rPr>
               <a:t>Explosive growth in first five years!</a:t>
             </a:r>
-            <a:endParaRPr sz="1800">
+            <a:endParaRPr sz="1800" dirty="0">
               <a:solidFill>
                 <a:srgbClr val="FFFFFF"/>
               </a:solidFill>
@@ -13230,7 +13054,7 @@
               <a:buChar char="●"/>
             </a:pPr>
             <a:r>
-              <a:rPr lang="en" sz="1800">
+              <a:rPr lang="en" sz="1800" dirty="0">
                 <a:solidFill>
                   <a:srgbClr val="FFFFFF"/>
                 </a:solidFill>
@@ -13241,7 +13065,7 @@
               </a:rPr>
               <a:t>Season and temperature play a role.</a:t>
             </a:r>
-            <a:endParaRPr sz="1800">
+            <a:endParaRPr sz="1800" dirty="0">
               <a:solidFill>
                 <a:srgbClr val="FFFFFF"/>
               </a:solidFill>
@@ -13267,7 +13091,7 @@
               <a:buChar char="●"/>
             </a:pPr>
             <a:r>
-              <a:rPr lang="en" sz="1800">
+              <a:rPr lang="en" sz="1800" dirty="0">
                 <a:solidFill>
                   <a:srgbClr val="FFFFFF"/>
                 </a:solidFill>
@@ -13278,7 +13102,7 @@
               </a:rPr>
               <a:t>Slow or negative growth in the last four years.  Why?</a:t>
             </a:r>
-            <a:endParaRPr sz="1800">
+            <a:endParaRPr sz="1800" dirty="0">
               <a:solidFill>
                 <a:srgbClr val="FFFFFF"/>
               </a:solidFill>
@@ -13304,7 +13128,7 @@
               <a:buChar char="●"/>
             </a:pPr>
             <a:r>
-              <a:rPr lang="en" sz="1800">
+              <a:rPr lang="en" sz="1800" dirty="0">
                 <a:solidFill>
                   <a:srgbClr val="FFFFFF"/>
                 </a:solidFill>
@@ -13315,7 +13139,7 @@
               </a:rPr>
               <a:t>We can expect similar trends here in Eau Claire.</a:t>
             </a:r>
-            <a:endParaRPr sz="1800">
+            <a:endParaRPr sz="1800" dirty="0">
               <a:solidFill>
                 <a:srgbClr val="FFFFFF"/>
               </a:solidFill>
@@ -13459,7 +13283,7 @@
         </p:nvSpPr>
         <p:spPr>
           <a:xfrm>
-            <a:off x="471900" y="738725"/>
+            <a:off x="0" y="387542"/>
             <a:ext cx="8222100" cy="767700"/>
           </a:xfrm>
           <a:prstGeom prst="rect">
@@ -13482,10 +13306,10 @@
               <a:buNone/>
             </a:pPr>
             <a:r>
-              <a:rPr lang="en"/>
+              <a:rPr lang="en" dirty="0"/>
               <a:t>Ridership Over Time</a:t>
             </a:r>
-            <a:endParaRPr/>
+            <a:endParaRPr dirty="0"/>
           </a:p>
         </p:txBody>
       </p:sp>
@@ -13501,7 +13325,7 @@
         </p:nvSpPr>
         <p:spPr>
           <a:xfrm>
-            <a:off x="4525000" y="2412475"/>
+            <a:off x="4694100" y="2509250"/>
             <a:ext cx="3999900" cy="1696800"/>
           </a:xfrm>
           <a:prstGeom prst="rect">
@@ -13514,84 +13338,63 @@
           </a:bodyPr>
           <a:lstStyle/>
           <a:p>
-            <a:pPr marL="457200" lvl="0" indent="-304800" algn="l" rtl="0">
-              <a:spcBef>
-                <a:spcPts val="0"/>
-              </a:spcBef>
-              <a:spcAft>
-                <a:spcPts val="0"/>
-              </a:spcAft>
+            <a:pPr marL="323850" indent="-171450">
               <a:buClr>
                 <a:srgbClr val="073763"/>
               </a:buClr>
               <a:buSzPts val="1200"/>
-              <a:buChar char="❏"/>
             </a:pPr>
             <a:r>
-              <a:rPr lang="en" sz="1200">
+              <a:rPr lang="en" sz="1200" dirty="0">
                 <a:solidFill>
                   <a:srgbClr val="073763"/>
                 </a:solidFill>
               </a:rPr>
               <a:t>Nice rides experienced strong growth and increased ridership for 5 consecutive years. </a:t>
             </a:r>
-            <a:endParaRPr sz="1200">
+            <a:endParaRPr sz="1200" dirty="0">
               <a:solidFill>
                 <a:srgbClr val="073763"/>
               </a:solidFill>
             </a:endParaRPr>
           </a:p>
           <a:p>
-            <a:pPr marL="457200" lvl="0" indent="-304800" algn="l" rtl="0">
-              <a:spcBef>
-                <a:spcPts val="0"/>
-              </a:spcBef>
-              <a:spcAft>
-                <a:spcPts val="0"/>
-              </a:spcAft>
+            <a:pPr marL="323850" indent="-171450">
               <a:buClr>
                 <a:srgbClr val="073763"/>
               </a:buClr>
               <a:buSzPts val="1200"/>
-              <a:buChar char="❏"/>
             </a:pPr>
             <a:r>
-              <a:rPr lang="en" sz="1200">
+              <a:rPr lang="en" sz="1200" dirty="0">
                 <a:solidFill>
                   <a:srgbClr val="073763"/>
                 </a:solidFill>
               </a:rPr>
               <a:t>In the launch year of 2010, Nice Rides had just over 100,000 rides. From 2010 - 2011, ridership more than doubled. </a:t>
             </a:r>
-            <a:endParaRPr sz="1200">
+            <a:endParaRPr sz="1200" dirty="0">
               <a:solidFill>
                 <a:srgbClr val="073763"/>
               </a:solidFill>
             </a:endParaRPr>
           </a:p>
           <a:p>
-            <a:pPr marL="457200" lvl="0" indent="-304800" algn="l" rtl="0">
-              <a:spcBef>
-                <a:spcPts val="0"/>
-              </a:spcBef>
-              <a:spcAft>
-                <a:spcPts val="0"/>
-              </a:spcAft>
+            <a:pPr marL="323850" indent="-171450">
               <a:buClr>
                 <a:srgbClr val="073763"/>
               </a:buClr>
               <a:buSzPts val="1200"/>
-              <a:buChar char="❏"/>
             </a:pPr>
             <a:r>
-              <a:rPr lang="en" sz="1200">
+              <a:rPr lang="en" sz="1200" dirty="0">
                 <a:solidFill>
                   <a:srgbClr val="073763"/>
                 </a:solidFill>
               </a:rPr>
               <a:t>In the peak year of 2015, there were nearly half a million rides taken. </a:t>
             </a:r>
-            <a:endParaRPr sz="1200">
+            <a:endParaRPr sz="1200" dirty="0">
               <a:solidFill>
                 <a:srgbClr val="073763"/>
               </a:solidFill>
@@ -13607,7 +13410,7 @@
               </a:spcAft>
               <a:buNone/>
             </a:pPr>
-            <a:endParaRPr sz="1100">
+            <a:endParaRPr sz="1100" dirty="0">
               <a:solidFill>
                 <a:schemeClr val="dk1"/>
               </a:solidFill>
@@ -13623,7 +13426,7 @@
               </a:spcAft>
               <a:buNone/>
             </a:pPr>
-            <a:endParaRPr/>
+            <a:endParaRPr dirty="0"/>
           </a:p>
         </p:txBody>
       </p:sp>
@@ -13643,7 +13446,7 @@
         </p:blipFill>
         <p:spPr>
           <a:xfrm>
-            <a:off x="471900" y="2239725"/>
+            <a:off x="1134509" y="2239725"/>
             <a:ext cx="3099200" cy="2235850"/>
           </a:xfrm>
           <a:prstGeom prst="rect">
@@ -13692,7 +13495,7 @@
         </p:nvSpPr>
         <p:spPr>
           <a:xfrm>
-            <a:off x="258100" y="0"/>
+            <a:off x="0" y="0"/>
             <a:ext cx="8826600" cy="602700"/>
           </a:xfrm>
           <a:prstGeom prst="rect">
@@ -13705,7 +13508,7 @@
           </a:bodyPr>
           <a:lstStyle/>
           <a:p>
-            <a:pPr marL="0" lvl="0" indent="0" algn="l" rtl="0">
+            <a:pPr marL="0" lvl="0" indent="0" algn="ctr" rtl="0">
               <a:spcBef>
                 <a:spcPts val="0"/>
               </a:spcBef>
@@ -13715,10 +13518,10 @@
               <a:buNone/>
             </a:pPr>
             <a:r>
-              <a:rPr lang="en"/>
+              <a:rPr lang="en" dirty="0"/>
               <a:t>Rides Over Time</a:t>
             </a:r>
-            <a:endParaRPr/>
+            <a:endParaRPr dirty="0"/>
           </a:p>
         </p:txBody>
       </p:sp>
@@ -13941,7 +13744,7 @@
               <a:buChar char="●"/>
             </a:pPr>
             <a:r>
-              <a:rPr lang="en" sz="1800" b="1">
+              <a:rPr lang="en" sz="1800" b="1" dirty="0">
                 <a:solidFill>
                   <a:srgbClr val="666666"/>
                 </a:solidFill>
@@ -13952,7 +13755,7 @@
               </a:rPr>
               <a:t>Compared total rides by month between 2017 and 2018.</a:t>
             </a:r>
-            <a:endParaRPr sz="1800" b="1">
+            <a:endParaRPr sz="1800" b="1" dirty="0">
               <a:solidFill>
                 <a:srgbClr val="666666"/>
               </a:solidFill>
@@ -13972,7 +13775,7 @@
               </a:spcAft>
               <a:buNone/>
             </a:pPr>
-            <a:endParaRPr sz="1800" b="1">
+            <a:endParaRPr sz="1800" b="1" dirty="0">
               <a:solidFill>
                 <a:srgbClr val="666666"/>
               </a:solidFill>
@@ -13998,7 +13801,7 @@
               <a:buChar char="●"/>
             </a:pPr>
             <a:r>
-              <a:rPr lang="en" sz="1800" b="1">
+              <a:rPr lang="en" sz="1800" b="1" dirty="0">
                 <a:solidFill>
                   <a:srgbClr val="666666"/>
                 </a:solidFill>
@@ -14009,7 +13812,7 @@
               </a:rPr>
               <a:t>2017 month average rides were slightly higher than 2018.</a:t>
             </a:r>
-            <a:endParaRPr sz="1800" b="1">
+            <a:endParaRPr sz="1800" b="1" dirty="0">
               <a:solidFill>
                 <a:srgbClr val="666666"/>
               </a:solidFill>
@@ -14029,7 +13832,7 @@
               </a:spcAft>
               <a:buNone/>
             </a:pPr>
-            <a:endParaRPr sz="1800" b="1">
+            <a:endParaRPr sz="1800" b="1" dirty="0">
               <a:solidFill>
                 <a:srgbClr val="666666"/>
               </a:solidFill>
@@ -14055,7 +13858,7 @@
               <a:buChar char="●"/>
             </a:pPr>
             <a:r>
-              <a:rPr lang="en" sz="1800" b="1">
+              <a:rPr lang="en" sz="1800" b="1" dirty="0">
                 <a:solidFill>
                   <a:srgbClr val="666666"/>
                 </a:solidFill>
@@ -14066,7 +13869,7 @@
               </a:rPr>
               <a:t>Data is relatively normally distributed.</a:t>
             </a:r>
-            <a:endParaRPr sz="1800" b="1">
+            <a:endParaRPr sz="1800" b="1" dirty="0">
               <a:solidFill>
                 <a:srgbClr val="666666"/>
               </a:solidFill>
@@ -14086,7 +13889,7 @@
               </a:spcAft>
               <a:buNone/>
             </a:pPr>
-            <a:endParaRPr sz="1800" b="1">
+            <a:endParaRPr sz="1800" b="1" dirty="0">
               <a:solidFill>
                 <a:srgbClr val="666666"/>
               </a:solidFill>
@@ -14112,7 +13915,7 @@
               <a:buChar char="●"/>
             </a:pPr>
             <a:r>
-              <a:rPr lang="en" sz="1800" b="1">
+              <a:rPr lang="en" sz="1800" b="1" dirty="0">
                 <a:solidFill>
                   <a:srgbClr val="666666"/>
                 </a:solidFill>
@@ -14123,7 +13926,7 @@
               </a:rPr>
               <a:t>Samples are independent.</a:t>
             </a:r>
-            <a:endParaRPr sz="1800" b="1">
+            <a:endParaRPr sz="1800" b="1" dirty="0">
               <a:solidFill>
                 <a:srgbClr val="666666"/>
               </a:solidFill>
@@ -14143,7 +13946,7 @@
               </a:spcAft>
               <a:buNone/>
             </a:pPr>
-            <a:endParaRPr sz="1800" b="1">
+            <a:endParaRPr sz="1800" b="1" dirty="0">
               <a:solidFill>
                 <a:srgbClr val="666666"/>
               </a:solidFill>
@@ -14169,7 +13972,7 @@
               <a:buChar char="●"/>
             </a:pPr>
             <a:r>
-              <a:rPr lang="en" sz="1800" b="1">
+              <a:rPr lang="en" sz="1800" b="1" dirty="0">
                 <a:solidFill>
                   <a:srgbClr val="666666"/>
                 </a:solidFill>
@@ -14180,7 +13983,7 @@
               </a:rPr>
               <a:t>T-test (statistic=0.41649997186076, pvalue=0.6833606911535794)</a:t>
             </a:r>
-            <a:endParaRPr sz="1800" b="1">
+            <a:endParaRPr sz="1800" b="1" dirty="0">
               <a:solidFill>
                 <a:srgbClr val="666666"/>
               </a:solidFill>
@@ -14200,7 +14003,7 @@
               </a:spcAft>
               <a:buNone/>
             </a:pPr>
-            <a:endParaRPr sz="1800" b="1">
+            <a:endParaRPr sz="1800" b="1" dirty="0">
               <a:solidFill>
                 <a:srgbClr val="666666"/>
               </a:solidFill>
@@ -14226,7 +14029,7 @@
               <a:buChar char="●"/>
             </a:pPr>
             <a:r>
-              <a:rPr lang="en" sz="1800" b="1">
+              <a:rPr lang="en" sz="1800" b="1" dirty="0">
                 <a:solidFill>
                   <a:srgbClr val="666666"/>
                 </a:solidFill>
@@ -14237,7 +14040,7 @@
               </a:rPr>
               <a:t>Cannot reject null hypothesis. </a:t>
             </a:r>
-            <a:endParaRPr sz="1800" b="1">
+            <a:endParaRPr sz="1800" b="1" dirty="0">
               <a:solidFill>
                 <a:srgbClr val="666666"/>
               </a:solidFill>

--- a/Patterns_In_NiceRide_Group6_Final.pptx
+++ b/Patterns_In_NiceRide_Group6_Final.pptx
@@ -9811,6 +9811,13 @@
   <p:clrMapOvr>
     <a:masterClrMapping/>
   </p:clrMapOvr>
+  <p:timing>
+    <p:tnLst>
+      <p:par>
+        <p:cTn id="1" dur="indefinite" restart="never" nodeType="tmRoot"/>
+      </p:par>
+    </p:tnLst>
+  </p:timing>
 </p:sld>
 </file>
 
@@ -9979,6 +9986,13 @@
   <p:clrMapOvr>
     <a:masterClrMapping/>
   </p:clrMapOvr>
+  <p:timing>
+    <p:tnLst>
+      <p:par>
+        <p:cTn id="1" dur="indefinite" restart="never" nodeType="tmRoot"/>
+      </p:par>
+    </p:tnLst>
+  </p:timing>
 </p:sld>
 </file>
 
@@ -10098,6 +10112,13 @@
   <p:clrMapOvr>
     <a:masterClrMapping/>
   </p:clrMapOvr>
+  <p:timing>
+    <p:tnLst>
+      <p:par>
+        <p:cTn id="1" dur="indefinite" restart="never" nodeType="tmRoot"/>
+      </p:par>
+    </p:tnLst>
+  </p:timing>
 </p:sld>
 </file>
 
@@ -10192,8 +10213,8 @@
         </p:nvSpPr>
         <p:spPr>
           <a:xfrm>
-            <a:off x="473150" y="956450"/>
-            <a:ext cx="8180700" cy="3739500"/>
+            <a:off x="421200" y="1188363"/>
+            <a:ext cx="8180700" cy="3410141"/>
           </a:xfrm>
           <a:prstGeom prst="rect">
             <a:avLst/>
@@ -10500,6 +10521,13 @@
   <p:clrMapOvr>
     <a:masterClrMapping/>
   </p:clrMapOvr>
+  <p:timing>
+    <p:tnLst>
+      <p:par>
+        <p:cTn id="1" dur="indefinite" restart="never" nodeType="tmRoot"/>
+      </p:par>
+    </p:tnLst>
+  </p:timing>
 </p:sld>
 </file>
 
@@ -10678,6 +10706,13 @@
   <p:clrMapOvr>
     <a:masterClrMapping/>
   </p:clrMapOvr>
+  <p:timing>
+    <p:tnLst>
+      <p:par>
+        <p:cTn id="1" dur="indefinite" restart="never" nodeType="tmRoot"/>
+      </p:par>
+    </p:tnLst>
+  </p:timing>
 </p:sld>
 </file>
 
@@ -10801,6 +10836,13 @@
   <p:clrMapOvr>
     <a:masterClrMapping/>
   </p:clrMapOvr>
+  <p:timing>
+    <p:tnLst>
+      <p:par>
+        <p:cTn id="1" dur="indefinite" restart="never" nodeType="tmRoot"/>
+      </p:par>
+    </p:tnLst>
+  </p:timing>
 </p:sld>
 </file>
 
@@ -10875,7 +10917,7 @@
         </p:nvSpPr>
         <p:spPr>
           <a:xfrm>
-            <a:off x="460950" y="1858800"/>
+            <a:off x="315176" y="2130469"/>
             <a:ext cx="8222100" cy="2710200"/>
           </a:xfrm>
           <a:prstGeom prst="rect">
@@ -10974,6 +11016,13 @@
   <p:clrMapOvr>
     <a:masterClrMapping/>
   </p:clrMapOvr>
+  <p:timing>
+    <p:tnLst>
+      <p:par>
+        <p:cTn id="1" dur="indefinite" restart="never" nodeType="tmRoot"/>
+      </p:par>
+    </p:tnLst>
+  </p:timing>
 </p:sld>
 </file>
 
@@ -11123,6 +11172,13 @@
   <p:clrMapOvr>
     <a:masterClrMapping/>
   </p:clrMapOvr>
+  <p:timing>
+    <p:tnLst>
+      <p:par>
+        <p:cTn id="1" dur="indefinite" restart="never" nodeType="tmRoot"/>
+      </p:par>
+    </p:tnLst>
+  </p:timing>
 </p:sld>
 </file>
 
@@ -11218,6 +11274,13 @@
   <p:clrMapOvr>
     <a:masterClrMapping/>
   </p:clrMapOvr>
+  <p:timing>
+    <p:tnLst>
+      <p:par>
+        <p:cTn id="1" dur="indefinite" restart="never" nodeType="tmRoot"/>
+      </p:par>
+    </p:tnLst>
+  </p:timing>
 </p:sld>
 </file>
 
@@ -11491,6 +11554,13 @@
   <p:clrMapOvr>
     <a:masterClrMapping/>
   </p:clrMapOvr>
+  <p:timing>
+    <p:tnLst>
+      <p:par>
+        <p:cTn id="1" dur="indefinite" restart="never" nodeType="tmRoot"/>
+      </p:par>
+    </p:tnLst>
+  </p:timing>
 </p:sld>
 </file>
 
@@ -11711,6 +11781,13 @@
   <p:clrMapOvr>
     <a:masterClrMapping/>
   </p:clrMapOvr>
+  <p:timing>
+    <p:tnLst>
+      <p:par>
+        <p:cTn id="1" dur="indefinite" restart="never" nodeType="tmRoot"/>
+      </p:par>
+    </p:tnLst>
+  </p:timing>
 </p:sld>
 </file>
 
@@ -11891,6 +11968,13 @@
   <p:clrMapOvr>
     <a:masterClrMapping/>
   </p:clrMapOvr>
+  <p:timing>
+    <p:tnLst>
+      <p:par>
+        <p:cTn id="1" dur="indefinite" restart="never" nodeType="tmRoot"/>
+      </p:par>
+    </p:tnLst>
+  </p:timing>
 </p:sld>
 </file>
 
@@ -11959,11 +12043,7 @@
             </a:pPr>
             <a:r>
               <a:rPr lang="en-US" sz="2400" dirty="0" smtClean="0"/>
-              <a:t>User Type Data </a:t>
-            </a:r>
-            <a:r>
-              <a:rPr lang="en-US" sz="2400" dirty="0" smtClean="0"/>
-              <a:t>Comparison between 2010 and 2018</a:t>
+              <a:t>User Type Data Comparison between 2010 and 2018</a:t>
             </a:r>
             <a:endParaRPr dirty="0"/>
           </a:p>
@@ -12056,7 +12136,7 @@
               <a:buChar char="•"/>
             </a:pPr>
             <a:r>
-              <a:rPr lang="en-US" dirty="0" smtClean="0"/>
+              <a:rPr lang="en-US" b="1" dirty="0" smtClean="0"/>
               <a:t>2010 shows an almost equal distribution between membership and single ride casual riders. </a:t>
             </a:r>
           </a:p>
@@ -12066,10 +12146,10 @@
               <a:buChar char="•"/>
             </a:pPr>
             <a:r>
-              <a:rPr lang="en-US" dirty="0" smtClean="0"/>
+              <a:rPr lang="en-US" b="1" dirty="0" smtClean="0"/>
               <a:t>Consecutive years ending in 2018 shows lower proportion of members compared to single ride casual riders.</a:t>
             </a:r>
-            <a:endParaRPr lang="en-US" dirty="0"/>
+            <a:endParaRPr lang="en-US" b="1" dirty="0"/>
           </a:p>
         </p:txBody>
       </p:sp>
@@ -12083,6 +12163,13 @@
   <p:clrMapOvr>
     <a:masterClrMapping/>
   </p:clrMapOvr>
+  <p:timing>
+    <p:tnLst>
+      <p:par>
+        <p:cTn id="1" dur="indefinite" restart="never" nodeType="tmRoot"/>
+      </p:par>
+    </p:tnLst>
+  </p:timing>
 </p:sld>
 </file>
 
@@ -12179,8 +12266,8 @@
         </p:blipFill>
         <p:spPr>
           <a:xfrm>
-            <a:off x="98250" y="707500"/>
-            <a:ext cx="6001406" cy="4436000"/>
+            <a:off x="98250" y="727378"/>
+            <a:ext cx="5719454" cy="4268691"/>
           </a:xfrm>
           <a:prstGeom prst="rect">
             <a:avLst/>
@@ -12195,8 +12282,8 @@
         </p:nvSpPr>
         <p:spPr>
           <a:xfrm>
-            <a:off x="6099657" y="1497496"/>
-            <a:ext cx="2752796" cy="2462213"/>
+            <a:off x="5817704" y="1477617"/>
+            <a:ext cx="3223248" cy="2246769"/>
           </a:xfrm>
           <a:prstGeom prst="rect">
             <a:avLst/>
@@ -12209,39 +12296,49 @@
           </a:bodyPr>
           <a:lstStyle/>
           <a:p>
+            <a:pPr marL="285750" indent="-285750">
+              <a:buFont typeface="Arial" panose="020B0604020202020204" pitchFamily="34" charset="0"/>
+              <a:buChar char="•"/>
+            </a:pPr>
             <a:r>
-              <a:rPr lang="en-US" dirty="0" smtClean="0"/>
-              <a:t>Docking stations need additional overhead/rules</a:t>
+              <a:rPr lang="en-US" b="1" dirty="0" smtClean="0"/>
+              <a:t>Docking stations need additional overhead/rules (construction/maintenance).</a:t>
             </a:r>
           </a:p>
           <a:p>
+            <a:pPr marL="285750" indent="-285750">
+              <a:buFont typeface="Arial" panose="020B0604020202020204" pitchFamily="34" charset="0"/>
+              <a:buChar char="•"/>
+            </a:pPr>
+            <a:endParaRPr lang="en-US" b="1" dirty="0"/>
+          </a:p>
+          <a:p>
+            <a:pPr marL="285750" indent="-285750">
+              <a:buFont typeface="Arial" panose="020B0604020202020204" pitchFamily="34" charset="0"/>
+              <a:buChar char="•"/>
+            </a:pPr>
             <a:r>
-              <a:rPr lang="en-US" dirty="0" smtClean="0"/>
-              <a:t>(city/construction/maintenance).</a:t>
-            </a:r>
-          </a:p>
-          <a:p>
-            <a:endParaRPr lang="en-US" dirty="0"/>
-          </a:p>
-          <a:p>
-            <a:r>
-              <a:rPr lang="en-US" dirty="0" err="1" smtClean="0"/>
+              <a:rPr lang="en-US" b="1" dirty="0" err="1" smtClean="0"/>
               <a:t>Dockless</a:t>
             </a:r>
             <a:r>
-              <a:rPr lang="en-US" dirty="0" smtClean="0"/>
-              <a:t> provides flexibility (no need for docks)</a:t>
+              <a:rPr lang="en-US" b="1" dirty="0" smtClean="0"/>
+              <a:t> provides flexibility</a:t>
             </a:r>
           </a:p>
           <a:p>
-            <a:endParaRPr lang="en-US" dirty="0" smtClean="0"/>
-          </a:p>
-          <a:p>
+            <a:endParaRPr lang="en-US" b="1" dirty="0" smtClean="0"/>
+          </a:p>
+          <a:p>
+            <a:pPr marL="285750" indent="-285750">
+              <a:buFont typeface="Arial" panose="020B0604020202020204" pitchFamily="34" charset="0"/>
+              <a:buChar char="•"/>
+            </a:pPr>
             <a:r>
-              <a:rPr lang="en-US" dirty="0" smtClean="0"/>
+              <a:rPr lang="en-US" b="1" dirty="0" smtClean="0"/>
               <a:t>Options to focus in reaching/expanding in underserved areas with user growth potential.</a:t>
             </a:r>
-            <a:endParaRPr lang="en-US" dirty="0"/>
+            <a:endParaRPr lang="en-US" b="1" dirty="0"/>
           </a:p>
         </p:txBody>
       </p:sp>
@@ -12255,6 +12352,13 @@
   <p:clrMapOvr>
     <a:masterClrMapping/>
   </p:clrMapOvr>
+  <p:timing>
+    <p:tnLst>
+      <p:par>
+        <p:cTn id="1" dur="indefinite" restart="never" nodeType="tmRoot"/>
+      </p:par>
+    </p:tnLst>
+  </p:timing>
 </p:sld>
 </file>
 
@@ -12287,7 +12391,7 @@
         </p:nvSpPr>
         <p:spPr>
           <a:xfrm>
-            <a:off x="471900" y="738725"/>
+            <a:off x="0" y="440551"/>
             <a:ext cx="8222100" cy="767700"/>
           </a:xfrm>
           <a:prstGeom prst="rect">
@@ -12310,10 +12414,10 @@
               <a:buNone/>
             </a:pPr>
             <a:r>
-              <a:rPr lang="en"/>
+              <a:rPr lang="en" dirty="0"/>
               <a:t>Conclusions: </a:t>
             </a:r>
-            <a:endParaRPr/>
+            <a:endParaRPr dirty="0"/>
           </a:p>
         </p:txBody>
       </p:sp>
@@ -12329,7 +12433,7 @@
         </p:nvSpPr>
         <p:spPr>
           <a:xfrm>
-            <a:off x="809950" y="1943200"/>
+            <a:off x="180472" y="1943200"/>
             <a:ext cx="8222100" cy="2710200"/>
           </a:xfrm>
           <a:prstGeom prst="rect">
@@ -12353,7 +12457,7 @@
               <a:buChar char="●"/>
             </a:pPr>
             <a:r>
-              <a:rPr lang="en" sz="1200" dirty="0">
+              <a:rPr lang="en" sz="1200" b="1" dirty="0">
                 <a:solidFill>
                   <a:srgbClr val="000000"/>
                 </a:solidFill>
@@ -12364,7 +12468,7 @@
               </a:rPr>
               <a:t>Based on our analysis and the short time the electric scooter pilot program was in 2018, we cannot conclude scooter programs had a statistically significant impact on NiceRide usership.  </a:t>
             </a:r>
-            <a:endParaRPr lang="en" sz="1200" dirty="0">
+            <a:endParaRPr lang="en" sz="1200" b="1" dirty="0" smtClean="0">
               <a:solidFill>
                 <a:srgbClr val="000000"/>
               </a:solidFill>
@@ -12385,7 +12489,7 @@
               <a:buSzPts val="1200"/>
               <a:buChar char="●"/>
             </a:pPr>
-            <a:endParaRPr sz="1200" dirty="0">
+            <a:endParaRPr sz="1200" b="1" dirty="0">
               <a:solidFill>
                 <a:srgbClr val="000000"/>
               </a:solidFill>
@@ -12407,7 +12511,7 @@
               <a:buChar char="●"/>
             </a:pPr>
             <a:r>
-              <a:rPr lang="en" sz="1200" dirty="0">
+              <a:rPr lang="en" sz="1200" b="1" dirty="0">
                 <a:solidFill>
                   <a:srgbClr val="000000"/>
                 </a:solidFill>
@@ -12419,7 +12523,7 @@
               <a:t>Including a day pass option to the typical subscriber/one-time rider fee structure could reduce the number of annual or monthly subscribers as users opt for flexible on-demand </a:t>
             </a:r>
             <a:r>
-              <a:rPr lang="en" sz="1200" dirty="0" smtClean="0">
+              <a:rPr lang="en" sz="1200" b="1" dirty="0" smtClean="0">
                 <a:solidFill>
                   <a:srgbClr val="000000"/>
                 </a:solidFill>
@@ -12442,7 +12546,7 @@
               <a:buSzPts val="1200"/>
               <a:buNone/>
             </a:pPr>
-            <a:endParaRPr lang="en" sz="1200" dirty="0" smtClean="0">
+            <a:endParaRPr sz="1200" b="1" dirty="0">
               <a:solidFill>
                 <a:srgbClr val="000000"/>
               </a:solidFill>
@@ -12464,64 +12568,7 @@
               <a:buChar char="●"/>
             </a:pPr>
             <a:r>
-              <a:rPr lang="en" sz="1200" dirty="0" smtClean="0">
-                <a:solidFill>
-                  <a:srgbClr val="000000"/>
-                </a:solidFill>
-                <a:latin typeface="Roboto" panose="020B0604020202020204" charset="0"/>
-                <a:ea typeface="Roboto" panose="020B0604020202020204" charset="0"/>
-                <a:cs typeface="Arial"/>
-                <a:sym typeface="Arial"/>
-              </a:rPr>
-              <a:t>Other incentive programs (partnerships, employer discounts, insurance) can boost annual userbase.</a:t>
-            </a:r>
-            <a:r>
-              <a:rPr lang="en" sz="1200" dirty="0" smtClean="0">
-                <a:solidFill>
-                  <a:srgbClr val="000000"/>
-                </a:solidFill>
-                <a:latin typeface="Roboto" panose="020B0604020202020204" charset="0"/>
-                <a:ea typeface="Roboto" panose="020B0604020202020204" charset="0"/>
-                <a:cs typeface="Arial"/>
-                <a:sym typeface="Arial"/>
-              </a:rPr>
-              <a:t> </a:t>
-            </a:r>
-          </a:p>
-          <a:p>
-            <a:pPr marL="152400" lvl="0" indent="0" algn="l" rtl="0">
-              <a:spcBef>
-                <a:spcPts val="0"/>
-              </a:spcBef>
-              <a:spcAft>
-                <a:spcPts val="0"/>
-              </a:spcAft>
-              <a:buSzPts val="1200"/>
-              <a:buNone/>
-            </a:pPr>
-            <a:endParaRPr sz="1200" dirty="0">
-              <a:solidFill>
-                <a:srgbClr val="000000"/>
-              </a:solidFill>
-              <a:latin typeface="Roboto" panose="020B0604020202020204" charset="0"/>
-              <a:ea typeface="Roboto" panose="020B0604020202020204" charset="0"/>
-              <a:cs typeface="Arial"/>
-              <a:sym typeface="Arial"/>
-            </a:endParaRPr>
-          </a:p>
-          <a:p>
-            <a:pPr marL="457200" lvl="0" indent="-304800" algn="l" rtl="0">
-              <a:spcBef>
-                <a:spcPts val="0"/>
-              </a:spcBef>
-              <a:spcAft>
-                <a:spcPts val="0"/>
-              </a:spcAft>
-              <a:buSzPts val="1200"/>
-              <a:buChar char="●"/>
-            </a:pPr>
-            <a:r>
-              <a:rPr lang="en" sz="1200" dirty="0" smtClean="0">
+              <a:rPr lang="en" sz="1200" b="1" dirty="0" smtClean="0">
                 <a:solidFill>
                   <a:srgbClr val="000000"/>
                 </a:solidFill>
@@ -12533,7 +12580,7 @@
               <a:t>NiceRide </a:t>
             </a:r>
             <a:r>
-              <a:rPr lang="en-US" sz="1200" dirty="0" err="1">
+              <a:rPr lang="en-US" sz="1200" b="1" dirty="0" smtClean="0">
                 <a:solidFill>
                   <a:srgbClr val="000000"/>
                 </a:solidFill>
@@ -12542,10 +12589,10 @@
                 <a:cs typeface="Arial"/>
                 <a:sym typeface="Arial"/>
               </a:rPr>
-              <a:t>i</a:t>
+              <a:t>in</a:t>
             </a:r>
             <a:r>
-              <a:rPr lang="en" sz="1200" dirty="0" smtClean="0">
+              <a:rPr lang="en" sz="1200" b="1" dirty="0" smtClean="0">
                 <a:solidFill>
                   <a:srgbClr val="000000"/>
                 </a:solidFill>
@@ -12554,10 +12601,10 @@
                 <a:cs typeface="Arial"/>
                 <a:sym typeface="Arial"/>
               </a:rPr>
-              <a:t>ncentivising </a:t>
+              <a:t>centivising </a:t>
             </a:r>
             <a:r>
-              <a:rPr lang="en" sz="1200" dirty="0">
+              <a:rPr lang="en" sz="1200" b="1" dirty="0">
                 <a:solidFill>
                   <a:srgbClr val="000000"/>
                 </a:solidFill>
@@ -12569,7 +12616,7 @@
               <a:t>usage with discounts or flexible pricing options is effective in driving users to a specific account type</a:t>
             </a:r>
             <a:r>
-              <a:rPr lang="en" sz="1200" dirty="0" smtClean="0">
+              <a:rPr lang="en" sz="1200" b="1" dirty="0" smtClean="0">
                 <a:solidFill>
                   <a:srgbClr val="000000"/>
                 </a:solidFill>
@@ -12581,6 +12628,89 @@
               <a:t>.</a:t>
             </a:r>
           </a:p>
+          <a:p>
+            <a:pPr marL="457200" lvl="0" indent="-304800" algn="l" rtl="0">
+              <a:spcBef>
+                <a:spcPts val="0"/>
+              </a:spcBef>
+              <a:spcAft>
+                <a:spcPts val="0"/>
+              </a:spcAft>
+              <a:buSzPts val="1200"/>
+              <a:buChar char="●"/>
+            </a:pPr>
+            <a:endParaRPr lang="en" sz="1200" b="1" dirty="0">
+              <a:solidFill>
+                <a:srgbClr val="000000"/>
+              </a:solidFill>
+              <a:latin typeface="Roboto" panose="020B0604020202020204" charset="0"/>
+              <a:ea typeface="Roboto" panose="020B0604020202020204" charset="0"/>
+              <a:cs typeface="Arial"/>
+              <a:sym typeface="Arial"/>
+            </a:endParaRPr>
+          </a:p>
+          <a:p>
+            <a:pPr indent="-304800">
+              <a:buSzPts val="1200"/>
+            </a:pPr>
+            <a:r>
+              <a:rPr lang="en" sz="1200" b="1" dirty="0">
+                <a:solidFill>
+                  <a:srgbClr val="000000"/>
+                </a:solidFill>
+                <a:latin typeface="Roboto" panose="020B0604020202020204" charset="0"/>
+                <a:ea typeface="Roboto" panose="020B0604020202020204" charset="0"/>
+                <a:cs typeface="Arial"/>
+                <a:sym typeface="Arial"/>
+              </a:rPr>
+              <a:t>Other incentive programs (partnerships, employer discounts, insurance) </a:t>
+            </a:r>
+            <a:r>
+              <a:rPr lang="en" sz="1200" b="1" dirty="0" smtClean="0">
+                <a:solidFill>
+                  <a:srgbClr val="000000"/>
+                </a:solidFill>
+                <a:latin typeface="Roboto" panose="020B0604020202020204" charset="0"/>
+                <a:ea typeface="Roboto" panose="020B0604020202020204" charset="0"/>
+                <a:cs typeface="Arial"/>
+                <a:sym typeface="Arial"/>
+              </a:rPr>
+              <a:t>that can </a:t>
+            </a:r>
+            <a:r>
+              <a:rPr lang="en" sz="1200" b="1" dirty="0">
+                <a:solidFill>
+                  <a:srgbClr val="000000"/>
+                </a:solidFill>
+                <a:latin typeface="Roboto" panose="020B0604020202020204" charset="0"/>
+                <a:ea typeface="Roboto" panose="020B0604020202020204" charset="0"/>
+                <a:cs typeface="Arial"/>
+                <a:sym typeface="Arial"/>
+              </a:rPr>
+              <a:t>boost annual userbase. </a:t>
+            </a:r>
+          </a:p>
+          <a:p>
+            <a:pPr marL="457200" lvl="0" indent="-304800" algn="l" rtl="0">
+              <a:spcBef>
+                <a:spcPts val="0"/>
+              </a:spcBef>
+              <a:spcAft>
+                <a:spcPts val="0"/>
+              </a:spcAft>
+              <a:buSzPts val="1200"/>
+              <a:buChar char="●"/>
+            </a:pPr>
+            <a:endParaRPr lang="en" sz="1200" dirty="0" smtClean="0">
+              <a:solidFill>
+                <a:srgbClr val="000000"/>
+              </a:solidFill>
+              <a:latin typeface="Roboto" panose="020B0604020202020204" charset="0"/>
+              <a:ea typeface="Roboto" panose="020B0604020202020204" charset="0"/>
+              <a:cs typeface="Arial"/>
+              <a:sym typeface="Arial"/>
+            </a:endParaRPr>
+          </a:p>
         </p:txBody>
       </p:sp>
     </p:spTree>
@@ -12588,6 +12718,13 @@
   <p:clrMapOvr>
     <a:masterClrMapping/>
   </p:clrMapOvr>
+  <p:timing>
+    <p:tnLst>
+      <p:par>
+        <p:cTn id="1" dur="indefinite" restart="never" nodeType="tmRoot"/>
+      </p:par>
+    </p:tnLst>
+  </p:timing>
 </p:sld>
 </file>
 
@@ -12759,6 +12896,13 @@
   <p:clrMapOvr>
     <a:masterClrMapping/>
   </p:clrMapOvr>
+  <p:timing>
+    <p:tnLst>
+      <p:par>
+        <p:cTn id="1" dur="indefinite" restart="never" nodeType="tmRoot"/>
+      </p:par>
+    </p:tnLst>
+  </p:timing>
 </p:sld>
 </file>
 
@@ -12833,8 +12977,8 @@
         </p:nvSpPr>
         <p:spPr>
           <a:xfrm>
-            <a:off x="471900" y="1919075"/>
-            <a:ext cx="8222100" cy="2710200"/>
+            <a:off x="352631" y="2396154"/>
+            <a:ext cx="8222100" cy="1957186"/>
           </a:xfrm>
           <a:prstGeom prst="rect">
             <a:avLst/>
@@ -12848,10 +12992,10 @@
           <a:p>
             <a:pPr marL="285750" indent="-285750"/>
             <a:r>
-              <a:rPr lang="en" dirty="0"/>
+              <a:rPr lang="en" b="1" dirty="0"/>
               <a:t>Over the course of a typical riding season, how many rides occur?</a:t>
             </a:r>
-            <a:endParaRPr dirty="0"/>
+            <a:endParaRPr b="1" dirty="0"/>
           </a:p>
           <a:p>
             <a:pPr marL="285750" indent="-285750">
@@ -12860,10 +13004,10 @@
               </a:spcBef>
             </a:pPr>
             <a:r>
-              <a:rPr lang="en" dirty="0"/>
+              <a:rPr lang="en" b="1" dirty="0"/>
               <a:t>When does peak ridership occur during the year? Any surprises?</a:t>
             </a:r>
-            <a:endParaRPr dirty="0"/>
+            <a:endParaRPr b="1" dirty="0"/>
           </a:p>
           <a:p>
             <a:pPr marL="285750" indent="-285750">
@@ -12875,10 +13019,10 @@
               </a:spcAft>
             </a:pPr>
             <a:r>
-              <a:rPr lang="en" dirty="0"/>
+              <a:rPr lang="en" b="1" dirty="0"/>
               <a:t>Can we expect rapid adoption of our bikeshare program?</a:t>
             </a:r>
-            <a:endParaRPr dirty="0"/>
+            <a:endParaRPr b="1" dirty="0"/>
           </a:p>
         </p:txBody>
       </p:sp>
@@ -12887,6 +13031,13 @@
   <p:clrMapOvr>
     <a:masterClrMapping/>
   </p:clrMapOvr>
+  <p:timing>
+    <p:tnLst>
+      <p:par>
+        <p:cTn id="1" dur="indefinite" restart="never" nodeType="tmRoot"/>
+      </p:par>
+    </p:tnLst>
+  </p:timing>
 </p:sld>
 </file>
 
@@ -12985,8 +13136,8 @@
         </p:nvSpPr>
         <p:spPr>
           <a:xfrm>
-            <a:off x="5722750" y="887650"/>
-            <a:ext cx="3149400" cy="3879000"/>
+            <a:off x="5764925" y="1138650"/>
+            <a:ext cx="3149400" cy="3261072"/>
           </a:xfrm>
           <a:prstGeom prst="rect">
             <a:avLst/>
@@ -13017,7 +13168,7 @@
               <a:buChar char="●"/>
             </a:pPr>
             <a:r>
-              <a:rPr lang="en" sz="1800" dirty="0">
+              <a:rPr lang="en" sz="1800" b="1" dirty="0">
                 <a:solidFill>
                   <a:srgbClr val="FFFFFF"/>
                 </a:solidFill>
@@ -13028,7 +13179,7 @@
               </a:rPr>
               <a:t>Explosive growth in first five years!</a:t>
             </a:r>
-            <a:endParaRPr sz="1800" dirty="0">
+            <a:endParaRPr sz="1800" b="1" dirty="0">
               <a:solidFill>
                 <a:srgbClr val="FFFFFF"/>
               </a:solidFill>
@@ -13054,7 +13205,7 @@
               <a:buChar char="●"/>
             </a:pPr>
             <a:r>
-              <a:rPr lang="en" sz="1800" dirty="0">
+              <a:rPr lang="en" sz="1800" b="1" dirty="0">
                 <a:solidFill>
                   <a:srgbClr val="FFFFFF"/>
                 </a:solidFill>
@@ -13065,7 +13216,7 @@
               </a:rPr>
               <a:t>Season and temperature play a role.</a:t>
             </a:r>
-            <a:endParaRPr sz="1800" dirty="0">
+            <a:endParaRPr sz="1800" b="1" dirty="0">
               <a:solidFill>
                 <a:srgbClr val="FFFFFF"/>
               </a:solidFill>
@@ -13091,7 +13242,7 @@
               <a:buChar char="●"/>
             </a:pPr>
             <a:r>
-              <a:rPr lang="en" sz="1800" dirty="0">
+              <a:rPr lang="en" sz="1800" b="1" dirty="0">
                 <a:solidFill>
                   <a:srgbClr val="FFFFFF"/>
                 </a:solidFill>
@@ -13102,7 +13253,7 @@
               </a:rPr>
               <a:t>Slow or negative growth in the last four years.  Why?</a:t>
             </a:r>
-            <a:endParaRPr sz="1800" dirty="0">
+            <a:endParaRPr sz="1800" b="1" dirty="0">
               <a:solidFill>
                 <a:srgbClr val="FFFFFF"/>
               </a:solidFill>
@@ -13128,7 +13279,7 @@
               <a:buChar char="●"/>
             </a:pPr>
             <a:r>
-              <a:rPr lang="en" sz="1800" dirty="0">
+              <a:rPr lang="en" sz="1800" b="1" dirty="0">
                 <a:solidFill>
                   <a:srgbClr val="FFFFFF"/>
                 </a:solidFill>
@@ -13139,7 +13290,7 @@
               </a:rPr>
               <a:t>We can expect similar trends here in Eau Claire.</a:t>
             </a:r>
-            <a:endParaRPr sz="1800" dirty="0">
+            <a:endParaRPr sz="1800" b="1" dirty="0">
               <a:solidFill>
                 <a:srgbClr val="FFFFFF"/>
               </a:solidFill>
@@ -13156,6 +13307,13 @@
   <p:clrMapOvr>
     <a:masterClrMapping/>
   </p:clrMapOvr>
+  <p:timing>
+    <p:tnLst>
+      <p:par>
+        <p:cTn id="1" dur="indefinite" restart="never" nodeType="tmRoot"/>
+      </p:par>
+    </p:tnLst>
+  </p:timing>
 </p:sld>
 </file>
 
@@ -13251,6 +13409,13 @@
   <p:clrMapOvr>
     <a:masterClrMapping/>
   </p:clrMapOvr>
+  <p:timing>
+    <p:tnLst>
+      <p:par>
+        <p:cTn id="1" dur="indefinite" restart="never" nodeType="tmRoot"/>
+      </p:par>
+    </p:tnLst>
+  </p:timing>
 </p:sld>
 </file>
 
@@ -13325,7 +13490,7 @@
         </p:nvSpPr>
         <p:spPr>
           <a:xfrm>
-            <a:off x="4694100" y="2509250"/>
+            <a:off x="4667596" y="2323720"/>
             <a:ext cx="3999900" cy="1696800"/>
           </a:xfrm>
           <a:prstGeom prst="rect">
@@ -13345,14 +13510,14 @@
               <a:buSzPts val="1200"/>
             </a:pPr>
             <a:r>
-              <a:rPr lang="en" sz="1200" dirty="0">
+              <a:rPr lang="en" b="1" dirty="0">
                 <a:solidFill>
                   <a:srgbClr val="073763"/>
                 </a:solidFill>
               </a:rPr>
               <a:t>Nice rides experienced strong growth and increased ridership for 5 consecutive years. </a:t>
             </a:r>
-            <a:endParaRPr sz="1200" dirty="0">
+            <a:endParaRPr b="1" dirty="0">
               <a:solidFill>
                 <a:srgbClr val="073763"/>
               </a:solidFill>
@@ -13366,14 +13531,14 @@
               <a:buSzPts val="1200"/>
             </a:pPr>
             <a:r>
-              <a:rPr lang="en" sz="1200" dirty="0">
+              <a:rPr lang="en" b="1" dirty="0">
                 <a:solidFill>
                   <a:srgbClr val="073763"/>
                 </a:solidFill>
               </a:rPr>
               <a:t>In the launch year of 2010, Nice Rides had just over 100,000 rides. From 2010 - 2011, ridership more than doubled. </a:t>
             </a:r>
-            <a:endParaRPr sz="1200" dirty="0">
+            <a:endParaRPr b="1" dirty="0">
               <a:solidFill>
                 <a:srgbClr val="073763"/>
               </a:solidFill>
@@ -13387,14 +13552,14 @@
               <a:buSzPts val="1200"/>
             </a:pPr>
             <a:r>
-              <a:rPr lang="en" sz="1200" dirty="0">
+              <a:rPr lang="en" b="1" dirty="0">
                 <a:solidFill>
                   <a:srgbClr val="073763"/>
                 </a:solidFill>
               </a:rPr>
               <a:t>In the peak year of 2015, there were nearly half a million rides taken. </a:t>
             </a:r>
-            <a:endParaRPr sz="1200" dirty="0">
+            <a:endParaRPr b="1" dirty="0">
               <a:solidFill>
                 <a:srgbClr val="073763"/>
               </a:solidFill>
@@ -13463,6 +13628,13 @@
   <p:clrMapOvr>
     <a:masterClrMapping/>
   </p:clrMapOvr>
+  <p:timing>
+    <p:tnLst>
+      <p:par>
+        <p:cTn id="1" dur="indefinite" restart="never" nodeType="tmRoot"/>
+      </p:par>
+    </p:tnLst>
+  </p:timing>
 </p:sld>
 </file>
 
@@ -13618,6 +13790,13 @@
   <p:clrMapOvr>
     <a:masterClrMapping/>
   </p:clrMapOvr>
+  <p:timing>
+    <p:tnLst>
+      <p:par>
+        <p:cTn id="1" dur="indefinite" restart="never" nodeType="tmRoot"/>
+      </p:par>
+    </p:tnLst>
+  </p:timing>
 </p:sld>
 </file>
 
@@ -14057,6 +14236,13 @@
   <p:clrMapOvr>
     <a:masterClrMapping/>
   </p:clrMapOvr>
+  <p:timing>
+    <p:tnLst>
+      <p:par>
+        <p:cTn id="1" dur="indefinite" restart="never" nodeType="tmRoot"/>
+      </p:par>
+    </p:tnLst>
+  </p:timing>
 </p:sld>
 </file>
 
